--- a/docs/en/art/success-guide/User Sync Tool – Setup and Success Guide Illustrations.pptx
+++ b/docs/en/art/success-guide/User Sync Tool – Setup and Success Guide Illustrations.pptx
@@ -1,26 +1,20 @@
 
 <file path=ppt/presentation.xml><?xml version="1.0" encoding="utf-8"?>
-<p:presentation xmlns:a="http://schemas.openxmlformats.org/drawingml/2006/main" xmlns:r="http://schemas.openxmlformats.org/officeDocument/2006/relationships" xmlns:p="http://schemas.openxmlformats.org/presentationml/2006/main" showSpecialPlsOnTitleSld="0" saveSubsetFonts="1" autoCompressPictures="0">
+<p:presentation xmlns:a="http://schemas.openxmlformats.org/drawingml/2006/main" xmlns:r="http://schemas.openxmlformats.org/officeDocument/2006/relationships" xmlns:p="http://schemas.openxmlformats.org/presentationml/2006/main" saveSubsetFonts="1">
   <p:sldMasterIdLst>
     <p:sldMasterId id="2147483648" r:id="rId1"/>
   </p:sldMasterIdLst>
-  <p:notesMasterIdLst>
-    <p:notesMasterId r:id="rId9"/>
-  </p:notesMasterIdLst>
   <p:sldIdLst>
-    <p:sldId id="311" r:id="rId2"/>
-    <p:sldId id="312" r:id="rId3"/>
-    <p:sldId id="313" r:id="rId4"/>
-    <p:sldId id="315" r:id="rId5"/>
-    <p:sldId id="305" r:id="rId6"/>
-    <p:sldId id="332" r:id="rId7"/>
-    <p:sldId id="333" r:id="rId8"/>
+    <p:sldId id="257" r:id="rId2"/>
+    <p:sldId id="258" r:id="rId3"/>
+    <p:sldId id="259" r:id="rId4"/>
+    <p:sldId id="260" r:id="rId5"/>
+    <p:sldId id="261" r:id="rId6"/>
+    <p:sldId id="262" r:id="rId7"/>
+    <p:sldId id="263" r:id="rId8"/>
   </p:sldIdLst>
-  <p:sldSz cx="9144000" cy="6858000" type="screen4x3"/>
+  <p:sldSz cx="12192000" cy="6858000"/>
   <p:notesSz cx="6858000" cy="9144000"/>
-  <p:custDataLst>
-    <p:tags r:id="rId10"/>
-  </p:custDataLst>
   <p:defaultTextStyle>
     <a:defPPr>
       <a:defRPr lang="en-US"/>
@@ -116,381 +110,7 @@
       </a:defRPr>
     </a:lvl9pPr>
   </p:defaultTextStyle>
-  <p:extLst>
-    <p:ext uri="{EFAFB233-063F-42B5-8137-9DF3F51BA10A}">
-      <p15:sldGuideLst xmlns:p15="http://schemas.microsoft.com/office/powerpoint/2012/main">
-        <p15:guide id="1" orient="horz" pos="492">
-          <p15:clr>
-            <a:srgbClr val="A4A3A4"/>
-          </p15:clr>
-        </p15:guide>
-        <p15:guide id="2" orient="horz" pos="4058">
-          <p15:clr>
-            <a:srgbClr val="A4A3A4"/>
-          </p15:clr>
-        </p15:guide>
-        <p15:guide id="3">
-          <p15:clr>
-            <a:srgbClr val="A4A3A4"/>
-          </p15:clr>
-        </p15:guide>
-      </p15:sldGuideLst>
-    </p:ext>
-  </p:extLst>
 </p:presentation>
-</file>
-
-<file path=ppt/notesMasters/notesMaster1.xml><?xml version="1.0" encoding="utf-8"?>
-<p:notesMaster xmlns:a="http://schemas.openxmlformats.org/drawingml/2006/main" xmlns:r="http://schemas.openxmlformats.org/officeDocument/2006/relationships" xmlns:p="http://schemas.openxmlformats.org/presentationml/2006/main">
-  <p:cSld>
-    <p:bg>
-      <p:bgRef idx="1001">
-        <a:schemeClr val="bg1"/>
-      </p:bgRef>
-    </p:bg>
-    <p:spTree>
-      <p:nvGrpSpPr>
-        <p:cNvPr id="1" name=""/>
-        <p:cNvGrpSpPr/>
-        <p:nvPr/>
-      </p:nvGrpSpPr>
-      <p:grpSpPr>
-        <a:xfrm>
-          <a:off x="0" y="0"/>
-          <a:ext cx="0" cy="0"/>
-          <a:chOff x="0" y="0"/>
-          <a:chExt cx="0" cy="0"/>
-        </a:xfrm>
-      </p:grpSpPr>
-      <p:sp>
-        <p:nvSpPr>
-          <p:cNvPr id="2" name="Header Placeholder 1"/>
-          <p:cNvSpPr>
-            <a:spLocks noGrp="1"/>
-          </p:cNvSpPr>
-          <p:nvPr>
-            <p:ph type="hdr" sz="quarter"/>
-          </p:nvPr>
-        </p:nvSpPr>
-        <p:spPr>
-          <a:xfrm>
-            <a:off x="0" y="0"/>
-            <a:ext cx="2971800" cy="457200"/>
-          </a:xfrm>
-          <a:prstGeom prst="rect">
-            <a:avLst/>
-          </a:prstGeom>
-        </p:spPr>
-        <p:txBody>
-          <a:bodyPr vert="horz" lIns="91440" tIns="45720" rIns="91440" bIns="45720" rtlCol="0"/>
-          <a:lstStyle>
-            <a:lvl1pPr algn="l">
-              <a:defRPr sz="1200"/>
-            </a:lvl1pPr>
-          </a:lstStyle>
-          <a:p>
-            <a:endParaRPr lang="en-US"/>
-          </a:p>
-        </p:txBody>
-      </p:sp>
-      <p:sp>
-        <p:nvSpPr>
-          <p:cNvPr id="3" name="Date Placeholder 2"/>
-          <p:cNvSpPr>
-            <a:spLocks noGrp="1"/>
-          </p:cNvSpPr>
-          <p:nvPr>
-            <p:ph type="dt" idx="1"/>
-          </p:nvPr>
-        </p:nvSpPr>
-        <p:spPr>
-          <a:xfrm>
-            <a:off x="3884613" y="0"/>
-            <a:ext cx="2971800" cy="457200"/>
-          </a:xfrm>
-          <a:prstGeom prst="rect">
-            <a:avLst/>
-          </a:prstGeom>
-        </p:spPr>
-        <p:txBody>
-          <a:bodyPr vert="horz" lIns="91440" tIns="45720" rIns="91440" bIns="45720" rtlCol="0"/>
-          <a:lstStyle>
-            <a:lvl1pPr algn="r">
-              <a:defRPr sz="1200"/>
-            </a:lvl1pPr>
-          </a:lstStyle>
-          <a:p>
-            <a:fld id="{A2A3B128-E09D-491C-B840-DB8C264A8EFA}" type="datetimeFigureOut">
-              <a:rPr lang="en-US" smtClean="0"/>
-              <a:pPr/>
-              <a:t>6/13/2017</a:t>
-            </a:fld>
-            <a:endParaRPr lang="en-US"/>
-          </a:p>
-        </p:txBody>
-      </p:sp>
-      <p:sp>
-        <p:nvSpPr>
-          <p:cNvPr id="4" name="Slide Image Placeholder 3"/>
-          <p:cNvSpPr>
-            <a:spLocks noGrp="1" noRot="1" noChangeAspect="1"/>
-          </p:cNvSpPr>
-          <p:nvPr>
-            <p:ph type="sldImg" idx="2"/>
-          </p:nvPr>
-        </p:nvSpPr>
-        <p:spPr>
-          <a:xfrm>
-            <a:off x="1143000" y="685800"/>
-            <a:ext cx="4572000" cy="3429000"/>
-          </a:xfrm>
-          <a:prstGeom prst="rect">
-            <a:avLst/>
-          </a:prstGeom>
-          <a:noFill/>
-          <a:ln w="12700">
-            <a:solidFill>
-              <a:prstClr val="black"/>
-            </a:solidFill>
-          </a:ln>
-        </p:spPr>
-        <p:txBody>
-          <a:bodyPr vert="horz" lIns="91440" tIns="45720" rIns="91440" bIns="45720" rtlCol="0" anchor="ctr"/>
-          <a:lstStyle/>
-          <a:p>
-            <a:endParaRPr lang="en-US"/>
-          </a:p>
-        </p:txBody>
-      </p:sp>
-      <p:sp>
-        <p:nvSpPr>
-          <p:cNvPr id="5" name="Notes Placeholder 4"/>
-          <p:cNvSpPr>
-            <a:spLocks noGrp="1"/>
-          </p:cNvSpPr>
-          <p:nvPr>
-            <p:ph type="body" sz="quarter" idx="3"/>
-          </p:nvPr>
-        </p:nvSpPr>
-        <p:spPr>
-          <a:xfrm>
-            <a:off x="685800" y="4343400"/>
-            <a:ext cx="5486400" cy="4114800"/>
-          </a:xfrm>
-          <a:prstGeom prst="rect">
-            <a:avLst/>
-          </a:prstGeom>
-        </p:spPr>
-        <p:txBody>
-          <a:bodyPr vert="horz" lIns="91440" tIns="45720" rIns="91440" bIns="45720" rtlCol="0">
-            <a:normAutofit/>
-          </a:bodyPr>
-          <a:lstStyle/>
-          <a:p>
-            <a:pPr lvl="0"/>
-            <a:r>
-              <a:rPr lang="en-US"/>
-              <a:t>Click to edit Master text styles</a:t>
-            </a:r>
-          </a:p>
-          <a:p>
-            <a:pPr lvl="1"/>
-            <a:r>
-              <a:rPr lang="en-US"/>
-              <a:t>Second level</a:t>
-            </a:r>
-          </a:p>
-          <a:p>
-            <a:pPr lvl="2"/>
-            <a:r>
-              <a:rPr lang="en-US"/>
-              <a:t>Third level</a:t>
-            </a:r>
-          </a:p>
-          <a:p>
-            <a:pPr lvl="3"/>
-            <a:r>
-              <a:rPr lang="en-US"/>
-              <a:t>Fourth level</a:t>
-            </a:r>
-          </a:p>
-          <a:p>
-            <a:pPr lvl="4"/>
-            <a:r>
-              <a:rPr lang="en-US"/>
-              <a:t>Fifth level</a:t>
-            </a:r>
-          </a:p>
-        </p:txBody>
-      </p:sp>
-      <p:sp>
-        <p:nvSpPr>
-          <p:cNvPr id="6" name="Footer Placeholder 5"/>
-          <p:cNvSpPr>
-            <a:spLocks noGrp="1"/>
-          </p:cNvSpPr>
-          <p:nvPr>
-            <p:ph type="ftr" sz="quarter" idx="4"/>
-          </p:nvPr>
-        </p:nvSpPr>
-        <p:spPr>
-          <a:xfrm>
-            <a:off x="0" y="8685213"/>
-            <a:ext cx="2971800" cy="457200"/>
-          </a:xfrm>
-          <a:prstGeom prst="rect">
-            <a:avLst/>
-          </a:prstGeom>
-        </p:spPr>
-        <p:txBody>
-          <a:bodyPr vert="horz" lIns="91440" tIns="45720" rIns="91440" bIns="45720" rtlCol="0" anchor="b"/>
-          <a:lstStyle>
-            <a:lvl1pPr algn="l">
-              <a:defRPr sz="1200"/>
-            </a:lvl1pPr>
-          </a:lstStyle>
-          <a:p>
-            <a:endParaRPr lang="en-US"/>
-          </a:p>
-        </p:txBody>
-      </p:sp>
-      <p:sp>
-        <p:nvSpPr>
-          <p:cNvPr id="7" name="Slide Number Placeholder 6"/>
-          <p:cNvSpPr>
-            <a:spLocks noGrp="1"/>
-          </p:cNvSpPr>
-          <p:nvPr>
-            <p:ph type="sldNum" sz="quarter" idx="5"/>
-          </p:nvPr>
-        </p:nvSpPr>
-        <p:spPr>
-          <a:xfrm>
-            <a:off x="3884613" y="8685213"/>
-            <a:ext cx="2971800" cy="457200"/>
-          </a:xfrm>
-          <a:prstGeom prst="rect">
-            <a:avLst/>
-          </a:prstGeom>
-        </p:spPr>
-        <p:txBody>
-          <a:bodyPr vert="horz" lIns="91440" tIns="45720" rIns="91440" bIns="45720" rtlCol="0" anchor="b"/>
-          <a:lstStyle>
-            <a:lvl1pPr algn="r">
-              <a:defRPr sz="1200"/>
-            </a:lvl1pPr>
-          </a:lstStyle>
-          <a:p>
-            <a:fld id="{3EF2277D-4E65-471B-8FDC-312617F5EA89}" type="slidenum">
-              <a:rPr lang="en-US" smtClean="0"/>
-              <a:pPr/>
-              <a:t>‹#›</a:t>
-            </a:fld>
-            <a:endParaRPr lang="en-US"/>
-          </a:p>
-        </p:txBody>
-      </p:sp>
-    </p:spTree>
-    <p:extLst>
-      <p:ext uri="{BB962C8B-B14F-4D97-AF65-F5344CB8AC3E}">
-        <p14:creationId xmlns:p14="http://schemas.microsoft.com/office/powerpoint/2010/main" val="2198477952"/>
-      </p:ext>
-    </p:extLst>
-  </p:cSld>
-  <p:clrMap bg1="lt1" tx1="dk1" bg2="lt2" tx2="dk2" accent1="accent1" accent2="accent2" accent3="accent3" accent4="accent4" accent5="accent5" accent6="accent6" hlink="hlink" folHlink="folHlink"/>
-  <p:notesStyle>
-    <a:lvl1pPr marL="0" algn="l" defTabSz="914400" rtl="0" eaLnBrk="1" latinLnBrk="0" hangingPunct="1">
-      <a:defRPr sz="1200" kern="1200">
-        <a:solidFill>
-          <a:schemeClr val="tx1"/>
-        </a:solidFill>
-        <a:latin typeface="+mn-lt"/>
-        <a:ea typeface="+mn-ea"/>
-        <a:cs typeface="+mn-cs"/>
-      </a:defRPr>
-    </a:lvl1pPr>
-    <a:lvl2pPr marL="457200" algn="l" defTabSz="914400" rtl="0" eaLnBrk="1" latinLnBrk="0" hangingPunct="1">
-      <a:defRPr sz="1200" kern="1200">
-        <a:solidFill>
-          <a:schemeClr val="tx1"/>
-        </a:solidFill>
-        <a:latin typeface="+mn-lt"/>
-        <a:ea typeface="+mn-ea"/>
-        <a:cs typeface="+mn-cs"/>
-      </a:defRPr>
-    </a:lvl2pPr>
-    <a:lvl3pPr marL="914400" algn="l" defTabSz="914400" rtl="0" eaLnBrk="1" latinLnBrk="0" hangingPunct="1">
-      <a:defRPr sz="1200" kern="1200">
-        <a:solidFill>
-          <a:schemeClr val="tx1"/>
-        </a:solidFill>
-        <a:latin typeface="+mn-lt"/>
-        <a:ea typeface="+mn-ea"/>
-        <a:cs typeface="+mn-cs"/>
-      </a:defRPr>
-    </a:lvl3pPr>
-    <a:lvl4pPr marL="1371600" algn="l" defTabSz="914400" rtl="0" eaLnBrk="1" latinLnBrk="0" hangingPunct="1">
-      <a:defRPr sz="1200" kern="1200">
-        <a:solidFill>
-          <a:schemeClr val="tx1"/>
-        </a:solidFill>
-        <a:latin typeface="+mn-lt"/>
-        <a:ea typeface="+mn-ea"/>
-        <a:cs typeface="+mn-cs"/>
-      </a:defRPr>
-    </a:lvl4pPr>
-    <a:lvl5pPr marL="1828800" algn="l" defTabSz="914400" rtl="0" eaLnBrk="1" latinLnBrk="0" hangingPunct="1">
-      <a:defRPr sz="1200" kern="1200">
-        <a:solidFill>
-          <a:schemeClr val="tx1"/>
-        </a:solidFill>
-        <a:latin typeface="+mn-lt"/>
-        <a:ea typeface="+mn-ea"/>
-        <a:cs typeface="+mn-cs"/>
-      </a:defRPr>
-    </a:lvl5pPr>
-    <a:lvl6pPr marL="2286000" algn="l" defTabSz="914400" rtl="0" eaLnBrk="1" latinLnBrk="0" hangingPunct="1">
-      <a:defRPr sz="1200" kern="1200">
-        <a:solidFill>
-          <a:schemeClr val="tx1"/>
-        </a:solidFill>
-        <a:latin typeface="+mn-lt"/>
-        <a:ea typeface="+mn-ea"/>
-        <a:cs typeface="+mn-cs"/>
-      </a:defRPr>
-    </a:lvl6pPr>
-    <a:lvl7pPr marL="2743200" algn="l" defTabSz="914400" rtl="0" eaLnBrk="1" latinLnBrk="0" hangingPunct="1">
-      <a:defRPr sz="1200" kern="1200">
-        <a:solidFill>
-          <a:schemeClr val="tx1"/>
-        </a:solidFill>
-        <a:latin typeface="+mn-lt"/>
-        <a:ea typeface="+mn-ea"/>
-        <a:cs typeface="+mn-cs"/>
-      </a:defRPr>
-    </a:lvl7pPr>
-    <a:lvl8pPr marL="3200400" algn="l" defTabSz="914400" rtl="0" eaLnBrk="1" latinLnBrk="0" hangingPunct="1">
-      <a:defRPr sz="1200" kern="1200">
-        <a:solidFill>
-          <a:schemeClr val="tx1"/>
-        </a:solidFill>
-        <a:latin typeface="+mn-lt"/>
-        <a:ea typeface="+mn-ea"/>
-        <a:cs typeface="+mn-cs"/>
-      </a:defRPr>
-    </a:lvl8pPr>
-    <a:lvl9pPr marL="3657600" algn="l" defTabSz="914400" rtl="0" eaLnBrk="1" latinLnBrk="0" hangingPunct="1">
-      <a:defRPr sz="1200" kern="1200">
-        <a:solidFill>
-          <a:schemeClr val="tx1"/>
-        </a:solidFill>
-        <a:latin typeface="+mn-lt"/>
-        <a:ea typeface="+mn-ea"/>
-        <a:cs typeface="+mn-cs"/>
-      </a:defRPr>
-    </a:lvl9pPr>
-  </p:notesStyle>
-</p:notesMaster>
 </file>
 
 <file path=ppt/slideLayouts/slideLayout1.xml><?xml version="1.0" encoding="utf-8"?>
@@ -512,57 +132,6 @@
       </p:grpSpPr>
       <p:sp>
         <p:nvSpPr>
-          <p:cNvPr id="7" name="Rectangle 6"/>
-          <p:cNvSpPr/>
-          <p:nvPr userDrawn="1"/>
-        </p:nvSpPr>
-        <p:spPr>
-          <a:xfrm>
-            <a:off x="0" y="0"/>
-            <a:ext cx="9144000" cy="1296988"/>
-          </a:xfrm>
-          <a:prstGeom prst="rect">
-            <a:avLst/>
-          </a:prstGeom>
-          <a:solidFill>
-            <a:srgbClr val="37434D"/>
-          </a:solidFill>
-          <a:ln>
-            <a:noFill/>
-          </a:ln>
-        </p:spPr>
-        <p:style>
-          <a:lnRef idx="2">
-            <a:schemeClr val="accent1">
-              <a:shade val="50000"/>
-            </a:schemeClr>
-          </a:lnRef>
-          <a:fillRef idx="1">
-            <a:schemeClr val="accent1"/>
-          </a:fillRef>
-          <a:effectRef idx="0">
-            <a:schemeClr val="accent1"/>
-          </a:effectRef>
-          <a:fontRef idx="minor">
-            <a:schemeClr val="lt1"/>
-          </a:fontRef>
-        </p:style>
-        <p:txBody>
-          <a:bodyPr anchor="ctr"/>
-          <a:lstStyle/>
-          <a:p>
-            <a:pPr algn="ctr"/>
-            <a:endParaRPr lang="en-US">
-              <a:solidFill>
-                <a:srgbClr val="FFFFFF"/>
-              </a:solidFill>
-              <a:ea typeface="ＭＳ Ｐゴシック" pitchFamily="-111" charset="-128"/>
-            </a:endParaRPr>
-          </a:p>
-        </p:txBody>
-      </p:sp>
-      <p:sp>
-        <p:nvSpPr>
           <p:cNvPr id="2" name="Title 1"/>
           <p:cNvSpPr>
             <a:spLocks noGrp="1"/>
@@ -573,21 +142,15 @@
         </p:nvSpPr>
         <p:spPr>
           <a:xfrm>
-            <a:off x="481012" y="1522965"/>
-            <a:ext cx="8190798" cy="369332"/>
-          </a:xfrm>
-        </p:spPr>
-        <p:txBody>
-          <a:bodyPr wrap="square" lIns="0" tIns="0" rIns="0" bIns="0">
-            <a:spAutoFit/>
-          </a:bodyPr>
+            <a:off x="1524000" y="1122363"/>
+            <a:ext cx="9144000" cy="2387600"/>
+          </a:xfrm>
+        </p:spPr>
+        <p:txBody>
+          <a:bodyPr anchor="b"/>
           <a:lstStyle>
-            <a:lvl1pPr>
-              <a:defRPr>
-                <a:solidFill>
-                  <a:schemeClr val="tx1"/>
-                </a:solidFill>
-              </a:defRPr>
+            <a:lvl1pPr algn="ctr">
+              <a:defRPr sz="6000"/>
             </a:lvl1pPr>
           </a:lstStyle>
           <a:p>
@@ -595,7 +158,7 @@
               <a:rPr lang="en-US"/>
               <a:t>Click to edit Master title style</a:t>
             </a:r>
-            <a:endParaRPr lang="en-US" dirty="0"/>
+            <a:endParaRPr lang="en-US"/>
           </a:p>
         </p:txBody>
       </p:sp>
@@ -611,104 +174,48 @@
         </p:nvSpPr>
         <p:spPr>
           <a:xfrm>
-            <a:off x="481012" y="1890010"/>
-            <a:ext cx="8190798" cy="276999"/>
-          </a:xfrm>
-        </p:spPr>
-        <p:txBody>
-          <a:bodyPr wrap="square" lIns="0" tIns="0" rIns="0" bIns="0">
-            <a:spAutoFit/>
-          </a:bodyPr>
+            <a:off x="1524000" y="3602038"/>
+            <a:ext cx="9144000" cy="1655762"/>
+          </a:xfrm>
+        </p:spPr>
+        <p:txBody>
+          <a:bodyPr/>
           <a:lstStyle>
-            <a:lvl1pPr marL="0" indent="0" algn="l">
+            <a:lvl1pPr marL="0" indent="0" algn="ctr">
               <a:buNone/>
-              <a:defRPr sz="1800">
-                <a:solidFill>
-                  <a:schemeClr val="tx1">
-                    <a:tint val="75000"/>
-                  </a:schemeClr>
-                </a:solidFill>
-              </a:defRPr>
+              <a:defRPr sz="2400"/>
             </a:lvl1pPr>
             <a:lvl2pPr marL="457200" indent="0" algn="ctr">
               <a:buNone/>
-              <a:defRPr>
-                <a:solidFill>
-                  <a:schemeClr val="tx1">
-                    <a:tint val="75000"/>
-                  </a:schemeClr>
-                </a:solidFill>
-              </a:defRPr>
+              <a:defRPr sz="2000"/>
             </a:lvl2pPr>
             <a:lvl3pPr marL="914400" indent="0" algn="ctr">
               <a:buNone/>
-              <a:defRPr>
-                <a:solidFill>
-                  <a:schemeClr val="tx1">
-                    <a:tint val="75000"/>
-                  </a:schemeClr>
-                </a:solidFill>
-              </a:defRPr>
+              <a:defRPr sz="1800"/>
             </a:lvl3pPr>
             <a:lvl4pPr marL="1371600" indent="0" algn="ctr">
               <a:buNone/>
-              <a:defRPr>
-                <a:solidFill>
-                  <a:schemeClr val="tx1">
-                    <a:tint val="75000"/>
-                  </a:schemeClr>
-                </a:solidFill>
-              </a:defRPr>
+              <a:defRPr sz="1600"/>
             </a:lvl4pPr>
             <a:lvl5pPr marL="1828800" indent="0" algn="ctr">
               <a:buNone/>
-              <a:defRPr>
-                <a:solidFill>
-                  <a:schemeClr val="tx1">
-                    <a:tint val="75000"/>
-                  </a:schemeClr>
-                </a:solidFill>
-              </a:defRPr>
+              <a:defRPr sz="1600"/>
             </a:lvl5pPr>
             <a:lvl6pPr marL="2286000" indent="0" algn="ctr">
               <a:buNone/>
-              <a:defRPr>
-                <a:solidFill>
-                  <a:schemeClr val="tx1">
-                    <a:tint val="75000"/>
-                  </a:schemeClr>
-                </a:solidFill>
-              </a:defRPr>
+              <a:defRPr sz="1600"/>
             </a:lvl6pPr>
             <a:lvl7pPr marL="2743200" indent="0" algn="ctr">
               <a:buNone/>
-              <a:defRPr>
-                <a:solidFill>
-                  <a:schemeClr val="tx1">
-                    <a:tint val="75000"/>
-                  </a:schemeClr>
-                </a:solidFill>
-              </a:defRPr>
+              <a:defRPr sz="1600"/>
             </a:lvl7pPr>
             <a:lvl8pPr marL="3200400" indent="0" algn="ctr">
               <a:buNone/>
-              <a:defRPr>
-                <a:solidFill>
-                  <a:schemeClr val="tx1">
-                    <a:tint val="75000"/>
-                  </a:schemeClr>
-                </a:solidFill>
-              </a:defRPr>
+              <a:defRPr sz="1600"/>
             </a:lvl8pPr>
             <a:lvl9pPr marL="3657600" indent="0" algn="ctr">
               <a:buNone/>
-              <a:defRPr>
-                <a:solidFill>
-                  <a:schemeClr val="tx1">
-                    <a:tint val="75000"/>
-                  </a:schemeClr>
-                </a:solidFill>
-              </a:defRPr>
+              <a:defRPr sz="1600"/>
             </a:lvl9pPr>
           </a:lstStyle>
           <a:p>
@@ -716,7 +223,7 @@
               <a:rPr lang="en-US"/>
               <a:t>Click to edit Master subtitle style</a:t>
             </a:r>
-            <a:endParaRPr lang="en-US" dirty="0"/>
+            <a:endParaRPr lang="en-US"/>
           </a:p>
         </p:txBody>
       </p:sp>
@@ -735,7 +242,11 @@
           <a:bodyPr/>
           <a:lstStyle/>
           <a:p>
-            <a:endParaRPr lang="en-US" dirty="0"/>
+            <a:fld id="{28E074A1-B905-405A-B5FD-72A8FF5C7FF5}" type="datetimeFigureOut">
+              <a:rPr lang="en-US" smtClean="0"/>
+              <a:t>6/13/2017</a:t>
+            </a:fld>
+            <a:endParaRPr lang="en-US"/>
           </a:p>
         </p:txBody>
       </p:sp>
@@ -754,10 +265,7 @@
           <a:bodyPr/>
           <a:lstStyle/>
           <a:p>
-            <a:r>
-              <a:rPr lang="en-US"/>
-              <a:t>Footer Text</a:t>
-            </a:r>
+            <a:endParaRPr lang="en-US"/>
           </a:p>
         </p:txBody>
       </p:sp>
@@ -774,133 +282,376 @@
         <p:spPr/>
         <p:txBody>
           <a:bodyPr/>
-          <a:lstStyle>
-            <a:lvl1pPr algn="ctr">
-              <a:defRPr/>
-            </a:lvl1pPr>
-          </a:lstStyle>
-          <a:p>
-            <a:fld id="{90156F56-D5AE-4C6F-B826-C69D1BC521BB}" type="slidenum">
+          <a:lstStyle/>
+          <a:p>
+            <a:fld id="{605D3E17-367E-4959-9074-EE309E8B7BCF}" type="slidenum">
               <a:rPr lang="en-US" smtClean="0"/>
-              <a:pPr/>
               <a:t>‹#›</a:t>
             </a:fld>
             <a:endParaRPr lang="en-US"/>
           </a:p>
         </p:txBody>
       </p:sp>
-      <p:sp>
-        <p:nvSpPr>
-          <p:cNvPr id="10" name="Rectangle 9"/>
-          <p:cNvSpPr/>
-          <p:nvPr userDrawn="1"/>
-        </p:nvSpPr>
-        <p:spPr>
-          <a:xfrm>
-            <a:off x="8709284" y="6505731"/>
-            <a:ext cx="434715" cy="352269"/>
-          </a:xfrm>
-          <a:prstGeom prst="rect">
-            <a:avLst/>
-          </a:prstGeom>
-          <a:solidFill>
-            <a:srgbClr val="37434D"/>
-          </a:solidFill>
-          <a:ln>
-            <a:noFill/>
-          </a:ln>
-        </p:spPr>
-        <p:style>
-          <a:lnRef idx="2">
-            <a:schemeClr val="accent1">
-              <a:shade val="50000"/>
-            </a:schemeClr>
-          </a:lnRef>
-          <a:fillRef idx="1">
-            <a:schemeClr val="accent1"/>
-          </a:fillRef>
-          <a:effectRef idx="0">
-            <a:schemeClr val="accent1"/>
-          </a:effectRef>
-          <a:fontRef idx="minor">
-            <a:schemeClr val="lt1"/>
-          </a:fontRef>
-        </p:style>
-        <p:txBody>
-          <a:bodyPr anchor="ctr"/>
-          <a:lstStyle/>
-          <a:p>
-            <a:pPr algn="ctr"/>
-            <a:endParaRPr lang="en-US">
-              <a:solidFill>
-                <a:srgbClr val="FFFFFF"/>
-              </a:solidFill>
-              <a:ea typeface="ＭＳ Ｐゴシック" pitchFamily="-111" charset="-128"/>
-            </a:endParaRPr>
-          </a:p>
-        </p:txBody>
-      </p:sp>
-      <p:pic>
-        <p:nvPicPr>
-          <p:cNvPr id="11" name="Picture 10" descr="adobe_logo_tab_top_78.png"/>
-          <p:cNvPicPr>
-            <a:picLocks noChangeAspect="1"/>
-          </p:cNvPicPr>
-          <p:nvPr userDrawn="1"/>
-        </p:nvPicPr>
-        <p:blipFill>
-          <a:blip r:embed="rId2" cstate="print"/>
-          <a:stretch>
-            <a:fillRect/>
-          </a:stretch>
-        </p:blipFill>
-        <p:spPr>
-          <a:xfrm>
-            <a:off x="481013" y="1"/>
-            <a:ext cx="411787" cy="681032"/>
-          </a:xfrm>
-          <a:prstGeom prst="rect">
-            <a:avLst/>
-          </a:prstGeom>
-        </p:spPr>
-      </p:pic>
-      <p:pic>
-        <p:nvPicPr>
-          <p:cNvPr id="12" name="Picture 11"/>
-          <p:cNvPicPr>
-            <a:picLocks noChangeAspect="1"/>
-          </p:cNvPicPr>
-          <p:nvPr userDrawn="1"/>
-        </p:nvPicPr>
-        <p:blipFill rotWithShape="1">
-          <a:blip r:embed="rId3">
-            <a:extLst>
-              <a:ext uri="{28A0092B-C50C-407E-A947-70E740481C1C}">
-                <a14:useLocalDpi xmlns:a14="http://schemas.microsoft.com/office/drawing/2010/main" val="0"/>
-              </a:ext>
-            </a:extLst>
-          </a:blip>
-          <a:srcRect l="382" t="39674" r="229" b="17091"/>
-          <a:stretch/>
-        </p:blipFill>
-        <p:spPr>
-          <a:xfrm>
-            <a:off x="0" y="2467051"/>
-            <a:ext cx="9144000" cy="3977640"/>
-          </a:xfrm>
-          <a:prstGeom prst="rect">
-            <a:avLst/>
-          </a:prstGeom>
-        </p:spPr>
-      </p:pic>
     </p:spTree>
+    <p:extLst>
+      <p:ext uri="{BB962C8B-B14F-4D97-AF65-F5344CB8AC3E}">
+        <p14:creationId xmlns:p14="http://schemas.microsoft.com/office/powerpoint/2010/main" val="2592849003"/>
+      </p:ext>
+    </p:extLst>
   </p:cSld>
   <p:clrMapOvr>
     <a:masterClrMapping/>
   </p:clrMapOvr>
-  <p:transition>
-    <p:fade/>
-  </p:transition>
+</p:sldLayout>
+</file>
+
+<file path=ppt/slideLayouts/slideLayout10.xml><?xml version="1.0" encoding="utf-8"?>
+<p:sldLayout xmlns:a="http://schemas.openxmlformats.org/drawingml/2006/main" xmlns:r="http://schemas.openxmlformats.org/officeDocument/2006/relationships" xmlns:p="http://schemas.openxmlformats.org/presentationml/2006/main" type="vertTx" preserve="1">
+  <p:cSld name="Title and Vertical Text">
+    <p:spTree>
+      <p:nvGrpSpPr>
+        <p:cNvPr id="1" name=""/>
+        <p:cNvGrpSpPr/>
+        <p:nvPr/>
+      </p:nvGrpSpPr>
+      <p:grpSpPr>
+        <a:xfrm>
+          <a:off x="0" y="0"/>
+          <a:ext cx="0" cy="0"/>
+          <a:chOff x="0" y="0"/>
+          <a:chExt cx="0" cy="0"/>
+        </a:xfrm>
+      </p:grpSpPr>
+      <p:sp>
+        <p:nvSpPr>
+          <p:cNvPr id="2" name="Title 1"/>
+          <p:cNvSpPr>
+            <a:spLocks noGrp="1"/>
+          </p:cNvSpPr>
+          <p:nvPr>
+            <p:ph type="title"/>
+          </p:nvPr>
+        </p:nvSpPr>
+        <p:spPr/>
+        <p:txBody>
+          <a:bodyPr/>
+          <a:lstStyle/>
+          <a:p>
+            <a:r>
+              <a:rPr lang="en-US"/>
+              <a:t>Click to edit Master title style</a:t>
+            </a:r>
+            <a:endParaRPr lang="en-US"/>
+          </a:p>
+        </p:txBody>
+      </p:sp>
+      <p:sp>
+        <p:nvSpPr>
+          <p:cNvPr id="3" name="Vertical Text Placeholder 2"/>
+          <p:cNvSpPr>
+            <a:spLocks noGrp="1"/>
+          </p:cNvSpPr>
+          <p:nvPr>
+            <p:ph type="body" orient="vert" idx="1"/>
+          </p:nvPr>
+        </p:nvSpPr>
+        <p:spPr/>
+        <p:txBody>
+          <a:bodyPr vert="eaVert"/>
+          <a:lstStyle/>
+          <a:p>
+            <a:pPr lvl="0"/>
+            <a:r>
+              <a:rPr lang="en-US"/>
+              <a:t>Edit Master text styles</a:t>
+            </a:r>
+          </a:p>
+          <a:p>
+            <a:pPr lvl="1"/>
+            <a:r>
+              <a:rPr lang="en-US"/>
+              <a:t>Second level</a:t>
+            </a:r>
+          </a:p>
+          <a:p>
+            <a:pPr lvl="2"/>
+            <a:r>
+              <a:rPr lang="en-US"/>
+              <a:t>Third level</a:t>
+            </a:r>
+          </a:p>
+          <a:p>
+            <a:pPr lvl="3"/>
+            <a:r>
+              <a:rPr lang="en-US"/>
+              <a:t>Fourth level</a:t>
+            </a:r>
+          </a:p>
+          <a:p>
+            <a:pPr lvl="4"/>
+            <a:r>
+              <a:rPr lang="en-US"/>
+              <a:t>Fifth level</a:t>
+            </a:r>
+            <a:endParaRPr lang="en-US"/>
+          </a:p>
+        </p:txBody>
+      </p:sp>
+      <p:sp>
+        <p:nvSpPr>
+          <p:cNvPr id="4" name="Date Placeholder 3"/>
+          <p:cNvSpPr>
+            <a:spLocks noGrp="1"/>
+          </p:cNvSpPr>
+          <p:nvPr>
+            <p:ph type="dt" sz="half" idx="10"/>
+          </p:nvPr>
+        </p:nvSpPr>
+        <p:spPr/>
+        <p:txBody>
+          <a:bodyPr/>
+          <a:lstStyle/>
+          <a:p>
+            <a:fld id="{28E074A1-B905-405A-B5FD-72A8FF5C7FF5}" type="datetimeFigureOut">
+              <a:rPr lang="en-US" smtClean="0"/>
+              <a:t>6/13/2017</a:t>
+            </a:fld>
+            <a:endParaRPr lang="en-US"/>
+          </a:p>
+        </p:txBody>
+      </p:sp>
+      <p:sp>
+        <p:nvSpPr>
+          <p:cNvPr id="5" name="Footer Placeholder 4"/>
+          <p:cNvSpPr>
+            <a:spLocks noGrp="1"/>
+          </p:cNvSpPr>
+          <p:nvPr>
+            <p:ph type="ftr" sz="quarter" idx="11"/>
+          </p:nvPr>
+        </p:nvSpPr>
+        <p:spPr/>
+        <p:txBody>
+          <a:bodyPr/>
+          <a:lstStyle/>
+          <a:p>
+            <a:endParaRPr lang="en-US"/>
+          </a:p>
+        </p:txBody>
+      </p:sp>
+      <p:sp>
+        <p:nvSpPr>
+          <p:cNvPr id="6" name="Slide Number Placeholder 5"/>
+          <p:cNvSpPr>
+            <a:spLocks noGrp="1"/>
+          </p:cNvSpPr>
+          <p:nvPr>
+            <p:ph type="sldNum" sz="quarter" idx="12"/>
+          </p:nvPr>
+        </p:nvSpPr>
+        <p:spPr/>
+        <p:txBody>
+          <a:bodyPr/>
+          <a:lstStyle/>
+          <a:p>
+            <a:fld id="{605D3E17-367E-4959-9074-EE309E8B7BCF}" type="slidenum">
+              <a:rPr lang="en-US" smtClean="0"/>
+              <a:t>‹#›</a:t>
+            </a:fld>
+            <a:endParaRPr lang="en-US"/>
+          </a:p>
+        </p:txBody>
+      </p:sp>
+    </p:spTree>
+    <p:extLst>
+      <p:ext uri="{BB962C8B-B14F-4D97-AF65-F5344CB8AC3E}">
+        <p14:creationId xmlns:p14="http://schemas.microsoft.com/office/powerpoint/2010/main" val="2535545011"/>
+      </p:ext>
+    </p:extLst>
+  </p:cSld>
+  <p:clrMapOvr>
+    <a:masterClrMapping/>
+  </p:clrMapOvr>
+</p:sldLayout>
+</file>
+
+<file path=ppt/slideLayouts/slideLayout11.xml><?xml version="1.0" encoding="utf-8"?>
+<p:sldLayout xmlns:a="http://schemas.openxmlformats.org/drawingml/2006/main" xmlns:r="http://schemas.openxmlformats.org/officeDocument/2006/relationships" xmlns:p="http://schemas.openxmlformats.org/presentationml/2006/main" type="vertTitleAndTx" preserve="1">
+  <p:cSld name="Vertical Title and Text">
+    <p:spTree>
+      <p:nvGrpSpPr>
+        <p:cNvPr id="1" name=""/>
+        <p:cNvGrpSpPr/>
+        <p:nvPr/>
+      </p:nvGrpSpPr>
+      <p:grpSpPr>
+        <a:xfrm>
+          <a:off x="0" y="0"/>
+          <a:ext cx="0" cy="0"/>
+          <a:chOff x="0" y="0"/>
+          <a:chExt cx="0" cy="0"/>
+        </a:xfrm>
+      </p:grpSpPr>
+      <p:sp>
+        <p:nvSpPr>
+          <p:cNvPr id="2" name="Vertical Title 1"/>
+          <p:cNvSpPr>
+            <a:spLocks noGrp="1"/>
+          </p:cNvSpPr>
+          <p:nvPr>
+            <p:ph type="title" orient="vert"/>
+          </p:nvPr>
+        </p:nvSpPr>
+        <p:spPr>
+          <a:xfrm>
+            <a:off x="8724900" y="365125"/>
+            <a:ext cx="2628900" cy="5811838"/>
+          </a:xfrm>
+        </p:spPr>
+        <p:txBody>
+          <a:bodyPr vert="eaVert"/>
+          <a:lstStyle/>
+          <a:p>
+            <a:r>
+              <a:rPr lang="en-US"/>
+              <a:t>Click to edit Master title style</a:t>
+            </a:r>
+            <a:endParaRPr lang="en-US"/>
+          </a:p>
+        </p:txBody>
+      </p:sp>
+      <p:sp>
+        <p:nvSpPr>
+          <p:cNvPr id="3" name="Vertical Text Placeholder 2"/>
+          <p:cNvSpPr>
+            <a:spLocks noGrp="1"/>
+          </p:cNvSpPr>
+          <p:nvPr>
+            <p:ph type="body" orient="vert" idx="1"/>
+          </p:nvPr>
+        </p:nvSpPr>
+        <p:spPr>
+          <a:xfrm>
+            <a:off x="838200" y="365125"/>
+            <a:ext cx="7734300" cy="5811838"/>
+          </a:xfrm>
+        </p:spPr>
+        <p:txBody>
+          <a:bodyPr vert="eaVert"/>
+          <a:lstStyle/>
+          <a:p>
+            <a:pPr lvl="0"/>
+            <a:r>
+              <a:rPr lang="en-US"/>
+              <a:t>Edit Master text styles</a:t>
+            </a:r>
+          </a:p>
+          <a:p>
+            <a:pPr lvl="1"/>
+            <a:r>
+              <a:rPr lang="en-US"/>
+              <a:t>Second level</a:t>
+            </a:r>
+          </a:p>
+          <a:p>
+            <a:pPr lvl="2"/>
+            <a:r>
+              <a:rPr lang="en-US"/>
+              <a:t>Third level</a:t>
+            </a:r>
+          </a:p>
+          <a:p>
+            <a:pPr lvl="3"/>
+            <a:r>
+              <a:rPr lang="en-US"/>
+              <a:t>Fourth level</a:t>
+            </a:r>
+          </a:p>
+          <a:p>
+            <a:pPr lvl="4"/>
+            <a:r>
+              <a:rPr lang="en-US"/>
+              <a:t>Fifth level</a:t>
+            </a:r>
+            <a:endParaRPr lang="en-US"/>
+          </a:p>
+        </p:txBody>
+      </p:sp>
+      <p:sp>
+        <p:nvSpPr>
+          <p:cNvPr id="4" name="Date Placeholder 3"/>
+          <p:cNvSpPr>
+            <a:spLocks noGrp="1"/>
+          </p:cNvSpPr>
+          <p:nvPr>
+            <p:ph type="dt" sz="half" idx="10"/>
+          </p:nvPr>
+        </p:nvSpPr>
+        <p:spPr/>
+        <p:txBody>
+          <a:bodyPr/>
+          <a:lstStyle/>
+          <a:p>
+            <a:fld id="{28E074A1-B905-405A-B5FD-72A8FF5C7FF5}" type="datetimeFigureOut">
+              <a:rPr lang="en-US" smtClean="0"/>
+              <a:t>6/13/2017</a:t>
+            </a:fld>
+            <a:endParaRPr lang="en-US"/>
+          </a:p>
+        </p:txBody>
+      </p:sp>
+      <p:sp>
+        <p:nvSpPr>
+          <p:cNvPr id="5" name="Footer Placeholder 4"/>
+          <p:cNvSpPr>
+            <a:spLocks noGrp="1"/>
+          </p:cNvSpPr>
+          <p:nvPr>
+            <p:ph type="ftr" sz="quarter" idx="11"/>
+          </p:nvPr>
+        </p:nvSpPr>
+        <p:spPr/>
+        <p:txBody>
+          <a:bodyPr/>
+          <a:lstStyle/>
+          <a:p>
+            <a:endParaRPr lang="en-US"/>
+          </a:p>
+        </p:txBody>
+      </p:sp>
+      <p:sp>
+        <p:nvSpPr>
+          <p:cNvPr id="6" name="Slide Number Placeholder 5"/>
+          <p:cNvSpPr>
+            <a:spLocks noGrp="1"/>
+          </p:cNvSpPr>
+          <p:nvPr>
+            <p:ph type="sldNum" sz="quarter" idx="12"/>
+          </p:nvPr>
+        </p:nvSpPr>
+        <p:spPr/>
+        <p:txBody>
+          <a:bodyPr/>
+          <a:lstStyle/>
+          <a:p>
+            <a:fld id="{605D3E17-367E-4959-9074-EE309E8B7BCF}" type="slidenum">
+              <a:rPr lang="en-US" smtClean="0"/>
+              <a:t>‹#›</a:t>
+            </a:fld>
+            <a:endParaRPr lang="en-US"/>
+          </a:p>
+        </p:txBody>
+      </p:sp>
+    </p:spTree>
+    <p:extLst>
+      <p:ext uri="{BB962C8B-B14F-4D97-AF65-F5344CB8AC3E}">
+        <p14:creationId xmlns:p14="http://schemas.microsoft.com/office/powerpoint/2010/main" val="2064618177"/>
+      </p:ext>
+    </p:extLst>
+  </p:cSld>
+  <p:clrMapOvr>
+    <a:masterClrMapping/>
+  </p:clrMapOvr>
 </p:sldLayout>
 </file>
 
@@ -940,6 +691,7 @@
               <a:rPr lang="en-US"/>
               <a:t>Click to edit Master title style</a:t>
             </a:r>
+            <a:endParaRPr lang="en-US"/>
           </a:p>
         </p:txBody>
       </p:sp>
@@ -956,38 +708,7 @@
         <p:spPr/>
         <p:txBody>
           <a:bodyPr/>
-          <a:lstStyle>
-            <a:lvl1pPr>
-              <a:spcBef>
-                <a:spcPts val="1200"/>
-              </a:spcBef>
-              <a:defRPr/>
-            </a:lvl1pPr>
-            <a:lvl2pPr>
-              <a:spcBef>
-                <a:spcPts val="1200"/>
-              </a:spcBef>
-              <a:defRPr/>
-            </a:lvl2pPr>
-            <a:lvl3pPr>
-              <a:spcBef>
-                <a:spcPts val="1200"/>
-              </a:spcBef>
-              <a:defRPr/>
-            </a:lvl3pPr>
-            <a:lvl4pPr>
-              <a:spcBef>
-                <a:spcPts val="1200"/>
-              </a:spcBef>
-              <a:defRPr/>
-            </a:lvl4pPr>
-            <a:lvl5pPr>
-              <a:spcBef>
-                <a:spcPts val="1200"/>
-              </a:spcBef>
-              <a:defRPr/>
-            </a:lvl5pPr>
-          </a:lstStyle>
+          <a:lstStyle/>
           <a:p>
             <a:pPr lvl="0"/>
             <a:r>
@@ -1022,7 +743,7 @@
               <a:rPr lang="en-US"/>
               <a:t>Fifth level</a:t>
             </a:r>
-            <a:endParaRPr lang="en-US" dirty="0"/>
+            <a:endParaRPr lang="en-US"/>
           </a:p>
         </p:txBody>
       </p:sp>
@@ -1041,7 +762,11 @@
           <a:bodyPr/>
           <a:lstStyle/>
           <a:p>
-            <a:endParaRPr lang="en-US" dirty="0"/>
+            <a:fld id="{28E074A1-B905-405A-B5FD-72A8FF5C7FF5}" type="datetimeFigureOut">
+              <a:rPr lang="en-US" smtClean="0"/>
+              <a:t>6/13/2017</a:t>
+            </a:fld>
+            <a:endParaRPr lang="en-US"/>
           </a:p>
         </p:txBody>
       </p:sp>
@@ -1060,10 +785,7 @@
           <a:bodyPr/>
           <a:lstStyle/>
           <a:p>
-            <a:r>
-              <a:rPr lang="en-US"/>
-              <a:t>Footer Text</a:t>
-            </a:r>
+            <a:endParaRPr lang="en-US"/>
           </a:p>
         </p:txBody>
       </p:sp>
@@ -1082,29 +804,874 @@
           <a:bodyPr/>
           <a:lstStyle/>
           <a:p>
-            <a:pPr algn="ctr"/>
-            <a:fld id="{90156F56-D5AE-4C6F-B826-C69D1BC521BB}" type="slidenum">
+            <a:fld id="{605D3E17-367E-4959-9074-EE309E8B7BCF}" type="slidenum">
               <a:rPr lang="en-US" smtClean="0"/>
-              <a:pPr algn="ctr"/>
               <a:t>‹#›</a:t>
             </a:fld>
-            <a:endParaRPr lang="en-US" dirty="0"/>
+            <a:endParaRPr lang="en-US"/>
           </a:p>
         </p:txBody>
       </p:sp>
     </p:spTree>
+    <p:extLst>
+      <p:ext uri="{BB962C8B-B14F-4D97-AF65-F5344CB8AC3E}">
+        <p14:creationId xmlns:p14="http://schemas.microsoft.com/office/powerpoint/2010/main" val="2555562885"/>
+      </p:ext>
+    </p:extLst>
   </p:cSld>
   <p:clrMapOvr>
     <a:masterClrMapping/>
   </p:clrMapOvr>
-  <p:transition>
-    <p:fade/>
-  </p:transition>
 </p:sldLayout>
 </file>
 
 <file path=ppt/slideLayouts/slideLayout3.xml><?xml version="1.0" encoding="utf-8"?>
-<p:sldLayout xmlns:a="http://schemas.openxmlformats.org/drawingml/2006/main" xmlns:r="http://schemas.openxmlformats.org/officeDocument/2006/relationships" xmlns:p="http://schemas.openxmlformats.org/presentationml/2006/main" preserve="1" userDrawn="1">
+<p:sldLayout xmlns:a="http://schemas.openxmlformats.org/drawingml/2006/main" xmlns:r="http://schemas.openxmlformats.org/officeDocument/2006/relationships" xmlns:p="http://schemas.openxmlformats.org/presentationml/2006/main" type="secHead" preserve="1">
+  <p:cSld name="Section Header">
+    <p:spTree>
+      <p:nvGrpSpPr>
+        <p:cNvPr id="1" name=""/>
+        <p:cNvGrpSpPr/>
+        <p:nvPr/>
+      </p:nvGrpSpPr>
+      <p:grpSpPr>
+        <a:xfrm>
+          <a:off x="0" y="0"/>
+          <a:ext cx="0" cy="0"/>
+          <a:chOff x="0" y="0"/>
+          <a:chExt cx="0" cy="0"/>
+        </a:xfrm>
+      </p:grpSpPr>
+      <p:sp>
+        <p:nvSpPr>
+          <p:cNvPr id="2" name="Title 1"/>
+          <p:cNvSpPr>
+            <a:spLocks noGrp="1"/>
+          </p:cNvSpPr>
+          <p:nvPr>
+            <p:ph type="title"/>
+          </p:nvPr>
+        </p:nvSpPr>
+        <p:spPr>
+          <a:xfrm>
+            <a:off x="831850" y="1709738"/>
+            <a:ext cx="10515600" cy="2852737"/>
+          </a:xfrm>
+        </p:spPr>
+        <p:txBody>
+          <a:bodyPr anchor="b"/>
+          <a:lstStyle>
+            <a:lvl1pPr>
+              <a:defRPr sz="6000"/>
+            </a:lvl1pPr>
+          </a:lstStyle>
+          <a:p>
+            <a:r>
+              <a:rPr lang="en-US"/>
+              <a:t>Click to edit Master title style</a:t>
+            </a:r>
+            <a:endParaRPr lang="en-US"/>
+          </a:p>
+        </p:txBody>
+      </p:sp>
+      <p:sp>
+        <p:nvSpPr>
+          <p:cNvPr id="3" name="Text Placeholder 2"/>
+          <p:cNvSpPr>
+            <a:spLocks noGrp="1"/>
+          </p:cNvSpPr>
+          <p:nvPr>
+            <p:ph type="body" idx="1"/>
+          </p:nvPr>
+        </p:nvSpPr>
+        <p:spPr>
+          <a:xfrm>
+            <a:off x="831850" y="4589463"/>
+            <a:ext cx="10515600" cy="1500187"/>
+          </a:xfrm>
+        </p:spPr>
+        <p:txBody>
+          <a:bodyPr/>
+          <a:lstStyle>
+            <a:lvl1pPr marL="0" indent="0">
+              <a:buNone/>
+              <a:defRPr sz="2400">
+                <a:solidFill>
+                  <a:schemeClr val="tx1">
+                    <a:tint val="75000"/>
+                  </a:schemeClr>
+                </a:solidFill>
+              </a:defRPr>
+            </a:lvl1pPr>
+            <a:lvl2pPr marL="457200" indent="0">
+              <a:buNone/>
+              <a:defRPr sz="2000">
+                <a:solidFill>
+                  <a:schemeClr val="tx1">
+                    <a:tint val="75000"/>
+                  </a:schemeClr>
+                </a:solidFill>
+              </a:defRPr>
+            </a:lvl2pPr>
+            <a:lvl3pPr marL="914400" indent="0">
+              <a:buNone/>
+              <a:defRPr sz="1800">
+                <a:solidFill>
+                  <a:schemeClr val="tx1">
+                    <a:tint val="75000"/>
+                  </a:schemeClr>
+                </a:solidFill>
+              </a:defRPr>
+            </a:lvl3pPr>
+            <a:lvl4pPr marL="1371600" indent="0">
+              <a:buNone/>
+              <a:defRPr sz="1600">
+                <a:solidFill>
+                  <a:schemeClr val="tx1">
+                    <a:tint val="75000"/>
+                  </a:schemeClr>
+                </a:solidFill>
+              </a:defRPr>
+            </a:lvl4pPr>
+            <a:lvl5pPr marL="1828800" indent="0">
+              <a:buNone/>
+              <a:defRPr sz="1600">
+                <a:solidFill>
+                  <a:schemeClr val="tx1">
+                    <a:tint val="75000"/>
+                  </a:schemeClr>
+                </a:solidFill>
+              </a:defRPr>
+            </a:lvl5pPr>
+            <a:lvl6pPr marL="2286000" indent="0">
+              <a:buNone/>
+              <a:defRPr sz="1600">
+                <a:solidFill>
+                  <a:schemeClr val="tx1">
+                    <a:tint val="75000"/>
+                  </a:schemeClr>
+                </a:solidFill>
+              </a:defRPr>
+            </a:lvl6pPr>
+            <a:lvl7pPr marL="2743200" indent="0">
+              <a:buNone/>
+              <a:defRPr sz="1600">
+                <a:solidFill>
+                  <a:schemeClr val="tx1">
+                    <a:tint val="75000"/>
+                  </a:schemeClr>
+                </a:solidFill>
+              </a:defRPr>
+            </a:lvl7pPr>
+            <a:lvl8pPr marL="3200400" indent="0">
+              <a:buNone/>
+              <a:defRPr sz="1600">
+                <a:solidFill>
+                  <a:schemeClr val="tx1">
+                    <a:tint val="75000"/>
+                  </a:schemeClr>
+                </a:solidFill>
+              </a:defRPr>
+            </a:lvl8pPr>
+            <a:lvl9pPr marL="3657600" indent="0">
+              <a:buNone/>
+              <a:defRPr sz="1600">
+                <a:solidFill>
+                  <a:schemeClr val="tx1">
+                    <a:tint val="75000"/>
+                  </a:schemeClr>
+                </a:solidFill>
+              </a:defRPr>
+            </a:lvl9pPr>
+          </a:lstStyle>
+          <a:p>
+            <a:pPr lvl="0"/>
+            <a:r>
+              <a:rPr lang="en-US"/>
+              <a:t>Edit Master text styles</a:t>
+            </a:r>
+          </a:p>
+        </p:txBody>
+      </p:sp>
+      <p:sp>
+        <p:nvSpPr>
+          <p:cNvPr id="4" name="Date Placeholder 3"/>
+          <p:cNvSpPr>
+            <a:spLocks noGrp="1"/>
+          </p:cNvSpPr>
+          <p:nvPr>
+            <p:ph type="dt" sz="half" idx="10"/>
+          </p:nvPr>
+        </p:nvSpPr>
+        <p:spPr/>
+        <p:txBody>
+          <a:bodyPr/>
+          <a:lstStyle/>
+          <a:p>
+            <a:fld id="{28E074A1-B905-405A-B5FD-72A8FF5C7FF5}" type="datetimeFigureOut">
+              <a:rPr lang="en-US" smtClean="0"/>
+              <a:t>6/13/2017</a:t>
+            </a:fld>
+            <a:endParaRPr lang="en-US"/>
+          </a:p>
+        </p:txBody>
+      </p:sp>
+      <p:sp>
+        <p:nvSpPr>
+          <p:cNvPr id="5" name="Footer Placeholder 4"/>
+          <p:cNvSpPr>
+            <a:spLocks noGrp="1"/>
+          </p:cNvSpPr>
+          <p:nvPr>
+            <p:ph type="ftr" sz="quarter" idx="11"/>
+          </p:nvPr>
+        </p:nvSpPr>
+        <p:spPr/>
+        <p:txBody>
+          <a:bodyPr/>
+          <a:lstStyle/>
+          <a:p>
+            <a:endParaRPr lang="en-US"/>
+          </a:p>
+        </p:txBody>
+      </p:sp>
+      <p:sp>
+        <p:nvSpPr>
+          <p:cNvPr id="6" name="Slide Number Placeholder 5"/>
+          <p:cNvSpPr>
+            <a:spLocks noGrp="1"/>
+          </p:cNvSpPr>
+          <p:nvPr>
+            <p:ph type="sldNum" sz="quarter" idx="12"/>
+          </p:nvPr>
+        </p:nvSpPr>
+        <p:spPr/>
+        <p:txBody>
+          <a:bodyPr/>
+          <a:lstStyle/>
+          <a:p>
+            <a:fld id="{605D3E17-367E-4959-9074-EE309E8B7BCF}" type="slidenum">
+              <a:rPr lang="en-US" smtClean="0"/>
+              <a:t>‹#›</a:t>
+            </a:fld>
+            <a:endParaRPr lang="en-US"/>
+          </a:p>
+        </p:txBody>
+      </p:sp>
+    </p:spTree>
+    <p:extLst>
+      <p:ext uri="{BB962C8B-B14F-4D97-AF65-F5344CB8AC3E}">
+        <p14:creationId xmlns:p14="http://schemas.microsoft.com/office/powerpoint/2010/main" val="3081414472"/>
+      </p:ext>
+    </p:extLst>
+  </p:cSld>
+  <p:clrMapOvr>
+    <a:masterClrMapping/>
+  </p:clrMapOvr>
+</p:sldLayout>
+</file>
+
+<file path=ppt/slideLayouts/slideLayout4.xml><?xml version="1.0" encoding="utf-8"?>
+<p:sldLayout xmlns:a="http://schemas.openxmlformats.org/drawingml/2006/main" xmlns:r="http://schemas.openxmlformats.org/officeDocument/2006/relationships" xmlns:p="http://schemas.openxmlformats.org/presentationml/2006/main" type="twoObj" preserve="1">
+  <p:cSld name="Two Content">
+    <p:spTree>
+      <p:nvGrpSpPr>
+        <p:cNvPr id="1" name=""/>
+        <p:cNvGrpSpPr/>
+        <p:nvPr/>
+      </p:nvGrpSpPr>
+      <p:grpSpPr>
+        <a:xfrm>
+          <a:off x="0" y="0"/>
+          <a:ext cx="0" cy="0"/>
+          <a:chOff x="0" y="0"/>
+          <a:chExt cx="0" cy="0"/>
+        </a:xfrm>
+      </p:grpSpPr>
+      <p:sp>
+        <p:nvSpPr>
+          <p:cNvPr id="2" name="Title 1"/>
+          <p:cNvSpPr>
+            <a:spLocks noGrp="1"/>
+          </p:cNvSpPr>
+          <p:nvPr>
+            <p:ph type="title"/>
+          </p:nvPr>
+        </p:nvSpPr>
+        <p:spPr/>
+        <p:txBody>
+          <a:bodyPr/>
+          <a:lstStyle/>
+          <a:p>
+            <a:r>
+              <a:rPr lang="en-US"/>
+              <a:t>Click to edit Master title style</a:t>
+            </a:r>
+            <a:endParaRPr lang="en-US"/>
+          </a:p>
+        </p:txBody>
+      </p:sp>
+      <p:sp>
+        <p:nvSpPr>
+          <p:cNvPr id="3" name="Content Placeholder 2"/>
+          <p:cNvSpPr>
+            <a:spLocks noGrp="1"/>
+          </p:cNvSpPr>
+          <p:nvPr>
+            <p:ph sz="half" idx="1"/>
+          </p:nvPr>
+        </p:nvSpPr>
+        <p:spPr>
+          <a:xfrm>
+            <a:off x="838200" y="1825625"/>
+            <a:ext cx="5181600" cy="4351338"/>
+          </a:xfrm>
+        </p:spPr>
+        <p:txBody>
+          <a:bodyPr/>
+          <a:lstStyle/>
+          <a:p>
+            <a:pPr lvl="0"/>
+            <a:r>
+              <a:rPr lang="en-US"/>
+              <a:t>Edit Master text styles</a:t>
+            </a:r>
+          </a:p>
+          <a:p>
+            <a:pPr lvl="1"/>
+            <a:r>
+              <a:rPr lang="en-US"/>
+              <a:t>Second level</a:t>
+            </a:r>
+          </a:p>
+          <a:p>
+            <a:pPr lvl="2"/>
+            <a:r>
+              <a:rPr lang="en-US"/>
+              <a:t>Third level</a:t>
+            </a:r>
+          </a:p>
+          <a:p>
+            <a:pPr lvl="3"/>
+            <a:r>
+              <a:rPr lang="en-US"/>
+              <a:t>Fourth level</a:t>
+            </a:r>
+          </a:p>
+          <a:p>
+            <a:pPr lvl="4"/>
+            <a:r>
+              <a:rPr lang="en-US"/>
+              <a:t>Fifth level</a:t>
+            </a:r>
+            <a:endParaRPr lang="en-US"/>
+          </a:p>
+        </p:txBody>
+      </p:sp>
+      <p:sp>
+        <p:nvSpPr>
+          <p:cNvPr id="4" name="Content Placeholder 3"/>
+          <p:cNvSpPr>
+            <a:spLocks noGrp="1"/>
+          </p:cNvSpPr>
+          <p:nvPr>
+            <p:ph sz="half" idx="2"/>
+          </p:nvPr>
+        </p:nvSpPr>
+        <p:spPr>
+          <a:xfrm>
+            <a:off x="6172200" y="1825625"/>
+            <a:ext cx="5181600" cy="4351338"/>
+          </a:xfrm>
+        </p:spPr>
+        <p:txBody>
+          <a:bodyPr/>
+          <a:lstStyle/>
+          <a:p>
+            <a:pPr lvl="0"/>
+            <a:r>
+              <a:rPr lang="en-US"/>
+              <a:t>Edit Master text styles</a:t>
+            </a:r>
+          </a:p>
+          <a:p>
+            <a:pPr lvl="1"/>
+            <a:r>
+              <a:rPr lang="en-US"/>
+              <a:t>Second level</a:t>
+            </a:r>
+          </a:p>
+          <a:p>
+            <a:pPr lvl="2"/>
+            <a:r>
+              <a:rPr lang="en-US"/>
+              <a:t>Third level</a:t>
+            </a:r>
+          </a:p>
+          <a:p>
+            <a:pPr lvl="3"/>
+            <a:r>
+              <a:rPr lang="en-US"/>
+              <a:t>Fourth level</a:t>
+            </a:r>
+          </a:p>
+          <a:p>
+            <a:pPr lvl="4"/>
+            <a:r>
+              <a:rPr lang="en-US"/>
+              <a:t>Fifth level</a:t>
+            </a:r>
+            <a:endParaRPr lang="en-US"/>
+          </a:p>
+        </p:txBody>
+      </p:sp>
+      <p:sp>
+        <p:nvSpPr>
+          <p:cNvPr id="5" name="Date Placeholder 4"/>
+          <p:cNvSpPr>
+            <a:spLocks noGrp="1"/>
+          </p:cNvSpPr>
+          <p:nvPr>
+            <p:ph type="dt" sz="half" idx="10"/>
+          </p:nvPr>
+        </p:nvSpPr>
+        <p:spPr/>
+        <p:txBody>
+          <a:bodyPr/>
+          <a:lstStyle/>
+          <a:p>
+            <a:fld id="{28E074A1-B905-405A-B5FD-72A8FF5C7FF5}" type="datetimeFigureOut">
+              <a:rPr lang="en-US" smtClean="0"/>
+              <a:t>6/13/2017</a:t>
+            </a:fld>
+            <a:endParaRPr lang="en-US"/>
+          </a:p>
+        </p:txBody>
+      </p:sp>
+      <p:sp>
+        <p:nvSpPr>
+          <p:cNvPr id="6" name="Footer Placeholder 5"/>
+          <p:cNvSpPr>
+            <a:spLocks noGrp="1"/>
+          </p:cNvSpPr>
+          <p:nvPr>
+            <p:ph type="ftr" sz="quarter" idx="11"/>
+          </p:nvPr>
+        </p:nvSpPr>
+        <p:spPr/>
+        <p:txBody>
+          <a:bodyPr/>
+          <a:lstStyle/>
+          <a:p>
+            <a:endParaRPr lang="en-US"/>
+          </a:p>
+        </p:txBody>
+      </p:sp>
+      <p:sp>
+        <p:nvSpPr>
+          <p:cNvPr id="7" name="Slide Number Placeholder 6"/>
+          <p:cNvSpPr>
+            <a:spLocks noGrp="1"/>
+          </p:cNvSpPr>
+          <p:nvPr>
+            <p:ph type="sldNum" sz="quarter" idx="12"/>
+          </p:nvPr>
+        </p:nvSpPr>
+        <p:spPr/>
+        <p:txBody>
+          <a:bodyPr/>
+          <a:lstStyle/>
+          <a:p>
+            <a:fld id="{605D3E17-367E-4959-9074-EE309E8B7BCF}" type="slidenum">
+              <a:rPr lang="en-US" smtClean="0"/>
+              <a:t>‹#›</a:t>
+            </a:fld>
+            <a:endParaRPr lang="en-US"/>
+          </a:p>
+        </p:txBody>
+      </p:sp>
+    </p:spTree>
+    <p:extLst>
+      <p:ext uri="{BB962C8B-B14F-4D97-AF65-F5344CB8AC3E}">
+        <p14:creationId xmlns:p14="http://schemas.microsoft.com/office/powerpoint/2010/main" val="2323971320"/>
+      </p:ext>
+    </p:extLst>
+  </p:cSld>
+  <p:clrMapOvr>
+    <a:masterClrMapping/>
+  </p:clrMapOvr>
+</p:sldLayout>
+</file>
+
+<file path=ppt/slideLayouts/slideLayout5.xml><?xml version="1.0" encoding="utf-8"?>
+<p:sldLayout xmlns:a="http://schemas.openxmlformats.org/drawingml/2006/main" xmlns:r="http://schemas.openxmlformats.org/officeDocument/2006/relationships" xmlns:p="http://schemas.openxmlformats.org/presentationml/2006/main" type="twoTxTwoObj" preserve="1">
+  <p:cSld name="Comparison">
+    <p:spTree>
+      <p:nvGrpSpPr>
+        <p:cNvPr id="1" name=""/>
+        <p:cNvGrpSpPr/>
+        <p:nvPr/>
+      </p:nvGrpSpPr>
+      <p:grpSpPr>
+        <a:xfrm>
+          <a:off x="0" y="0"/>
+          <a:ext cx="0" cy="0"/>
+          <a:chOff x="0" y="0"/>
+          <a:chExt cx="0" cy="0"/>
+        </a:xfrm>
+      </p:grpSpPr>
+      <p:sp>
+        <p:nvSpPr>
+          <p:cNvPr id="2" name="Title 1"/>
+          <p:cNvSpPr>
+            <a:spLocks noGrp="1"/>
+          </p:cNvSpPr>
+          <p:nvPr>
+            <p:ph type="title"/>
+          </p:nvPr>
+        </p:nvSpPr>
+        <p:spPr>
+          <a:xfrm>
+            <a:off x="839788" y="365125"/>
+            <a:ext cx="10515600" cy="1325563"/>
+          </a:xfrm>
+        </p:spPr>
+        <p:txBody>
+          <a:bodyPr/>
+          <a:lstStyle/>
+          <a:p>
+            <a:r>
+              <a:rPr lang="en-US"/>
+              <a:t>Click to edit Master title style</a:t>
+            </a:r>
+            <a:endParaRPr lang="en-US"/>
+          </a:p>
+        </p:txBody>
+      </p:sp>
+      <p:sp>
+        <p:nvSpPr>
+          <p:cNvPr id="3" name="Text Placeholder 2"/>
+          <p:cNvSpPr>
+            <a:spLocks noGrp="1"/>
+          </p:cNvSpPr>
+          <p:nvPr>
+            <p:ph type="body" idx="1"/>
+          </p:nvPr>
+        </p:nvSpPr>
+        <p:spPr>
+          <a:xfrm>
+            <a:off x="839788" y="1681163"/>
+            <a:ext cx="5157787" cy="823912"/>
+          </a:xfrm>
+        </p:spPr>
+        <p:txBody>
+          <a:bodyPr anchor="b"/>
+          <a:lstStyle>
+            <a:lvl1pPr marL="0" indent="0">
+              <a:buNone/>
+              <a:defRPr sz="2400" b="1"/>
+            </a:lvl1pPr>
+            <a:lvl2pPr marL="457200" indent="0">
+              <a:buNone/>
+              <a:defRPr sz="2000" b="1"/>
+            </a:lvl2pPr>
+            <a:lvl3pPr marL="914400" indent="0">
+              <a:buNone/>
+              <a:defRPr sz="1800" b="1"/>
+            </a:lvl3pPr>
+            <a:lvl4pPr marL="1371600" indent="0">
+              <a:buNone/>
+              <a:defRPr sz="1600" b="1"/>
+            </a:lvl4pPr>
+            <a:lvl5pPr marL="1828800" indent="0">
+              <a:buNone/>
+              <a:defRPr sz="1600" b="1"/>
+            </a:lvl5pPr>
+            <a:lvl6pPr marL="2286000" indent="0">
+              <a:buNone/>
+              <a:defRPr sz="1600" b="1"/>
+            </a:lvl6pPr>
+            <a:lvl7pPr marL="2743200" indent="0">
+              <a:buNone/>
+              <a:defRPr sz="1600" b="1"/>
+            </a:lvl7pPr>
+            <a:lvl8pPr marL="3200400" indent="0">
+              <a:buNone/>
+              <a:defRPr sz="1600" b="1"/>
+            </a:lvl8pPr>
+            <a:lvl9pPr marL="3657600" indent="0">
+              <a:buNone/>
+              <a:defRPr sz="1600" b="1"/>
+            </a:lvl9pPr>
+          </a:lstStyle>
+          <a:p>
+            <a:pPr lvl="0"/>
+            <a:r>
+              <a:rPr lang="en-US"/>
+              <a:t>Edit Master text styles</a:t>
+            </a:r>
+          </a:p>
+        </p:txBody>
+      </p:sp>
+      <p:sp>
+        <p:nvSpPr>
+          <p:cNvPr id="4" name="Content Placeholder 3"/>
+          <p:cNvSpPr>
+            <a:spLocks noGrp="1"/>
+          </p:cNvSpPr>
+          <p:nvPr>
+            <p:ph sz="half" idx="2"/>
+          </p:nvPr>
+        </p:nvSpPr>
+        <p:spPr>
+          <a:xfrm>
+            <a:off x="839788" y="2505075"/>
+            <a:ext cx="5157787" cy="3684588"/>
+          </a:xfrm>
+        </p:spPr>
+        <p:txBody>
+          <a:bodyPr/>
+          <a:lstStyle/>
+          <a:p>
+            <a:pPr lvl="0"/>
+            <a:r>
+              <a:rPr lang="en-US"/>
+              <a:t>Edit Master text styles</a:t>
+            </a:r>
+          </a:p>
+          <a:p>
+            <a:pPr lvl="1"/>
+            <a:r>
+              <a:rPr lang="en-US"/>
+              <a:t>Second level</a:t>
+            </a:r>
+          </a:p>
+          <a:p>
+            <a:pPr lvl="2"/>
+            <a:r>
+              <a:rPr lang="en-US"/>
+              <a:t>Third level</a:t>
+            </a:r>
+          </a:p>
+          <a:p>
+            <a:pPr lvl="3"/>
+            <a:r>
+              <a:rPr lang="en-US"/>
+              <a:t>Fourth level</a:t>
+            </a:r>
+          </a:p>
+          <a:p>
+            <a:pPr lvl="4"/>
+            <a:r>
+              <a:rPr lang="en-US"/>
+              <a:t>Fifth level</a:t>
+            </a:r>
+            <a:endParaRPr lang="en-US"/>
+          </a:p>
+        </p:txBody>
+      </p:sp>
+      <p:sp>
+        <p:nvSpPr>
+          <p:cNvPr id="5" name="Text Placeholder 4"/>
+          <p:cNvSpPr>
+            <a:spLocks noGrp="1"/>
+          </p:cNvSpPr>
+          <p:nvPr>
+            <p:ph type="body" sz="quarter" idx="3"/>
+          </p:nvPr>
+        </p:nvSpPr>
+        <p:spPr>
+          <a:xfrm>
+            <a:off x="6172200" y="1681163"/>
+            <a:ext cx="5183188" cy="823912"/>
+          </a:xfrm>
+        </p:spPr>
+        <p:txBody>
+          <a:bodyPr anchor="b"/>
+          <a:lstStyle>
+            <a:lvl1pPr marL="0" indent="0">
+              <a:buNone/>
+              <a:defRPr sz="2400" b="1"/>
+            </a:lvl1pPr>
+            <a:lvl2pPr marL="457200" indent="0">
+              <a:buNone/>
+              <a:defRPr sz="2000" b="1"/>
+            </a:lvl2pPr>
+            <a:lvl3pPr marL="914400" indent="0">
+              <a:buNone/>
+              <a:defRPr sz="1800" b="1"/>
+            </a:lvl3pPr>
+            <a:lvl4pPr marL="1371600" indent="0">
+              <a:buNone/>
+              <a:defRPr sz="1600" b="1"/>
+            </a:lvl4pPr>
+            <a:lvl5pPr marL="1828800" indent="0">
+              <a:buNone/>
+              <a:defRPr sz="1600" b="1"/>
+            </a:lvl5pPr>
+            <a:lvl6pPr marL="2286000" indent="0">
+              <a:buNone/>
+              <a:defRPr sz="1600" b="1"/>
+            </a:lvl6pPr>
+            <a:lvl7pPr marL="2743200" indent="0">
+              <a:buNone/>
+              <a:defRPr sz="1600" b="1"/>
+            </a:lvl7pPr>
+            <a:lvl8pPr marL="3200400" indent="0">
+              <a:buNone/>
+              <a:defRPr sz="1600" b="1"/>
+            </a:lvl8pPr>
+            <a:lvl9pPr marL="3657600" indent="0">
+              <a:buNone/>
+              <a:defRPr sz="1600" b="1"/>
+            </a:lvl9pPr>
+          </a:lstStyle>
+          <a:p>
+            <a:pPr lvl="0"/>
+            <a:r>
+              <a:rPr lang="en-US"/>
+              <a:t>Edit Master text styles</a:t>
+            </a:r>
+          </a:p>
+        </p:txBody>
+      </p:sp>
+      <p:sp>
+        <p:nvSpPr>
+          <p:cNvPr id="6" name="Content Placeholder 5"/>
+          <p:cNvSpPr>
+            <a:spLocks noGrp="1"/>
+          </p:cNvSpPr>
+          <p:nvPr>
+            <p:ph sz="quarter" idx="4"/>
+          </p:nvPr>
+        </p:nvSpPr>
+        <p:spPr>
+          <a:xfrm>
+            <a:off x="6172200" y="2505075"/>
+            <a:ext cx="5183188" cy="3684588"/>
+          </a:xfrm>
+        </p:spPr>
+        <p:txBody>
+          <a:bodyPr/>
+          <a:lstStyle/>
+          <a:p>
+            <a:pPr lvl="0"/>
+            <a:r>
+              <a:rPr lang="en-US"/>
+              <a:t>Edit Master text styles</a:t>
+            </a:r>
+          </a:p>
+          <a:p>
+            <a:pPr lvl="1"/>
+            <a:r>
+              <a:rPr lang="en-US"/>
+              <a:t>Second level</a:t>
+            </a:r>
+          </a:p>
+          <a:p>
+            <a:pPr lvl="2"/>
+            <a:r>
+              <a:rPr lang="en-US"/>
+              <a:t>Third level</a:t>
+            </a:r>
+          </a:p>
+          <a:p>
+            <a:pPr lvl="3"/>
+            <a:r>
+              <a:rPr lang="en-US"/>
+              <a:t>Fourth level</a:t>
+            </a:r>
+          </a:p>
+          <a:p>
+            <a:pPr lvl="4"/>
+            <a:r>
+              <a:rPr lang="en-US"/>
+              <a:t>Fifth level</a:t>
+            </a:r>
+            <a:endParaRPr lang="en-US"/>
+          </a:p>
+        </p:txBody>
+      </p:sp>
+      <p:sp>
+        <p:nvSpPr>
+          <p:cNvPr id="7" name="Date Placeholder 6"/>
+          <p:cNvSpPr>
+            <a:spLocks noGrp="1"/>
+          </p:cNvSpPr>
+          <p:nvPr>
+            <p:ph type="dt" sz="half" idx="10"/>
+          </p:nvPr>
+        </p:nvSpPr>
+        <p:spPr/>
+        <p:txBody>
+          <a:bodyPr/>
+          <a:lstStyle/>
+          <a:p>
+            <a:fld id="{28E074A1-B905-405A-B5FD-72A8FF5C7FF5}" type="datetimeFigureOut">
+              <a:rPr lang="en-US" smtClean="0"/>
+              <a:t>6/13/2017</a:t>
+            </a:fld>
+            <a:endParaRPr lang="en-US"/>
+          </a:p>
+        </p:txBody>
+      </p:sp>
+      <p:sp>
+        <p:nvSpPr>
+          <p:cNvPr id="8" name="Footer Placeholder 7"/>
+          <p:cNvSpPr>
+            <a:spLocks noGrp="1"/>
+          </p:cNvSpPr>
+          <p:nvPr>
+            <p:ph type="ftr" sz="quarter" idx="11"/>
+          </p:nvPr>
+        </p:nvSpPr>
+        <p:spPr/>
+        <p:txBody>
+          <a:bodyPr/>
+          <a:lstStyle/>
+          <a:p>
+            <a:endParaRPr lang="en-US"/>
+          </a:p>
+        </p:txBody>
+      </p:sp>
+      <p:sp>
+        <p:nvSpPr>
+          <p:cNvPr id="9" name="Slide Number Placeholder 8"/>
+          <p:cNvSpPr>
+            <a:spLocks noGrp="1"/>
+          </p:cNvSpPr>
+          <p:nvPr>
+            <p:ph type="sldNum" sz="quarter" idx="12"/>
+          </p:nvPr>
+        </p:nvSpPr>
+        <p:spPr/>
+        <p:txBody>
+          <a:bodyPr/>
+          <a:lstStyle/>
+          <a:p>
+            <a:fld id="{605D3E17-367E-4959-9074-EE309E8B7BCF}" type="slidenum">
+              <a:rPr lang="en-US" smtClean="0"/>
+              <a:t>‹#›</a:t>
+            </a:fld>
+            <a:endParaRPr lang="en-US"/>
+          </a:p>
+        </p:txBody>
+      </p:sp>
+    </p:spTree>
+    <p:extLst>
+      <p:ext uri="{BB962C8B-B14F-4D97-AF65-F5344CB8AC3E}">
+        <p14:creationId xmlns:p14="http://schemas.microsoft.com/office/powerpoint/2010/main" val="4033987890"/>
+      </p:ext>
+    </p:extLst>
+  </p:cSld>
+  <p:clrMapOvr>
+    <a:masterClrMapping/>
+  </p:clrMapOvr>
+</p:sldLayout>
+</file>
+
+<file path=ppt/slideLayouts/slideLayout6.xml><?xml version="1.0" encoding="utf-8"?>
+<p:sldLayout xmlns:a="http://schemas.openxmlformats.org/drawingml/2006/main" xmlns:r="http://schemas.openxmlformats.org/officeDocument/2006/relationships" xmlns:p="http://schemas.openxmlformats.org/presentationml/2006/main" type="titleOnly" preserve="1">
   <p:cSld name="Title Only">
     <p:spTree>
       <p:nvGrpSpPr>
@@ -1139,12 +1706,13 @@
               <a:rPr lang="en-US"/>
               <a:t>Click to edit Master title style</a:t>
             </a:r>
-          </a:p>
-        </p:txBody>
-      </p:sp>
-      <p:sp>
-        <p:nvSpPr>
-          <p:cNvPr id="4" name="Date Placeholder 3"/>
+            <a:endParaRPr lang="en-US"/>
+          </a:p>
+        </p:txBody>
+      </p:sp>
+      <p:sp>
+        <p:nvSpPr>
+          <p:cNvPr id="3" name="Date Placeholder 2"/>
           <p:cNvSpPr>
             <a:spLocks noGrp="1"/>
           </p:cNvSpPr>
@@ -1157,13 +1725,17 @@
           <a:bodyPr/>
           <a:lstStyle/>
           <a:p>
-            <a:endParaRPr lang="en-US" dirty="0"/>
-          </a:p>
-        </p:txBody>
-      </p:sp>
-      <p:sp>
-        <p:nvSpPr>
-          <p:cNvPr id="5" name="Footer Placeholder 4"/>
+            <a:fld id="{28E074A1-B905-405A-B5FD-72A8FF5C7FF5}" type="datetimeFigureOut">
+              <a:rPr lang="en-US" smtClean="0"/>
+              <a:t>6/13/2017</a:t>
+            </a:fld>
+            <a:endParaRPr lang="en-US"/>
+          </a:p>
+        </p:txBody>
+      </p:sp>
+      <p:sp>
+        <p:nvSpPr>
+          <p:cNvPr id="4" name="Footer Placeholder 3"/>
           <p:cNvSpPr>
             <a:spLocks noGrp="1"/>
           </p:cNvSpPr>
@@ -1176,16 +1748,13 @@
           <a:bodyPr/>
           <a:lstStyle/>
           <a:p>
-            <a:r>
-              <a:rPr lang="en-US"/>
-              <a:t>Footer Text</a:t>
-            </a:r>
-          </a:p>
-        </p:txBody>
-      </p:sp>
-      <p:sp>
-        <p:nvSpPr>
-          <p:cNvPr id="6" name="Slide Number Placeholder 5"/>
+            <a:endParaRPr lang="en-US"/>
+          </a:p>
+        </p:txBody>
+      </p:sp>
+      <p:sp>
+        <p:nvSpPr>
+          <p:cNvPr id="5" name="Slide Number Placeholder 4"/>
           <p:cNvSpPr>
             <a:spLocks noGrp="1"/>
           </p:cNvSpPr>
@@ -1198,30 +1767,30 @@
           <a:bodyPr/>
           <a:lstStyle/>
           <a:p>
-            <a:pPr algn="ctr"/>
-            <a:fld id="{90156F56-D5AE-4C6F-B826-C69D1BC521BB}" type="slidenum">
+            <a:fld id="{605D3E17-367E-4959-9074-EE309E8B7BCF}" type="slidenum">
               <a:rPr lang="en-US" smtClean="0"/>
-              <a:pPr algn="ctr"/>
               <a:t>‹#›</a:t>
             </a:fld>
-            <a:endParaRPr lang="en-US" dirty="0"/>
+            <a:endParaRPr lang="en-US"/>
           </a:p>
         </p:txBody>
       </p:sp>
     </p:spTree>
+    <p:extLst>
+      <p:ext uri="{BB962C8B-B14F-4D97-AF65-F5344CB8AC3E}">
+        <p14:creationId xmlns:p14="http://schemas.microsoft.com/office/powerpoint/2010/main" val="2198566214"/>
+      </p:ext>
+    </p:extLst>
   </p:cSld>
   <p:clrMapOvr>
     <a:masterClrMapping/>
   </p:clrMapOvr>
-  <p:transition>
-    <p:fade/>
-  </p:transition>
 </p:sldLayout>
 </file>
 
-<file path=ppt/slideLayouts/slideLayout4.xml><?xml version="1.0" encoding="utf-8"?>
-<p:sldLayout xmlns:a="http://schemas.openxmlformats.org/drawingml/2006/main" xmlns:r="http://schemas.openxmlformats.org/officeDocument/2006/relationships" xmlns:p="http://schemas.openxmlformats.org/presentationml/2006/main" preserve="1" userDrawn="1">
-  <p:cSld name="Gray Content Area">
+<file path=ppt/slideLayouts/slideLayout7.xml><?xml version="1.0" encoding="utf-8"?>
+<p:sldLayout xmlns:a="http://schemas.openxmlformats.org/drawingml/2006/main" xmlns:r="http://schemas.openxmlformats.org/officeDocument/2006/relationships" xmlns:p="http://schemas.openxmlformats.org/presentationml/2006/main" type="blank" preserve="1">
+  <p:cSld name="Blank">
     <p:spTree>
       <p:nvGrpSpPr>
         <p:cNvPr id="1" name=""/>
@@ -1238,74 +1807,12 @@
       </p:grpSpPr>
       <p:sp>
         <p:nvSpPr>
-          <p:cNvPr id="7" name="Rectangle 5"/>
-          <p:cNvSpPr>
-            <a:spLocks noChangeArrowheads="1"/>
-          </p:cNvSpPr>
-          <p:nvPr userDrawn="1"/>
-        </p:nvSpPr>
-        <p:spPr bwMode="auto">
-          <a:xfrm>
-            <a:off x="0" y="1"/>
-            <a:ext cx="9144000" cy="6477000"/>
-          </a:xfrm>
-          <a:prstGeom prst="rect">
-            <a:avLst/>
-          </a:prstGeom>
-          <a:solidFill>
-            <a:srgbClr val="37434D"/>
-          </a:solidFill>
-          <a:ln>
-            <a:noFill/>
-          </a:ln>
-        </p:spPr>
-        <p:style>
-          <a:lnRef idx="2">
-            <a:schemeClr val="accent1">
-              <a:shade val="50000"/>
-            </a:schemeClr>
-          </a:lnRef>
-          <a:fillRef idx="1">
-            <a:schemeClr val="accent1"/>
-          </a:fillRef>
-          <a:effectRef idx="0">
-            <a:schemeClr val="accent1"/>
-          </a:effectRef>
-          <a:fontRef idx="minor">
-            <a:schemeClr val="lt1"/>
-          </a:fontRef>
-        </p:style>
-        <p:txBody>
-          <a:bodyPr anchor="ctr"/>
-          <a:lstStyle/>
-          <a:p>
-            <a:pPr algn="ctr" rtl="0" fontAlgn="base">
-              <a:spcBef>
-                <a:spcPct val="0"/>
-              </a:spcBef>
-              <a:spcAft>
-                <a:spcPct val="0"/>
-              </a:spcAft>
-            </a:pPr>
-            <a:endParaRPr lang="en-US" kern="1200">
-              <a:solidFill>
-                <a:srgbClr val="FFFFFF"/>
-              </a:solidFill>
-              <a:latin typeface="+mn-lt"/>
-              <a:ea typeface="ＭＳ Ｐゴシック" pitchFamily="-111" charset="-128"/>
-              <a:cs typeface="+mn-cs"/>
-            </a:endParaRPr>
-          </a:p>
-        </p:txBody>
-      </p:sp>
-      <p:sp>
-        <p:nvSpPr>
-          <p:cNvPr id="2" name="Title 1"/>
-          <p:cNvSpPr>
-            <a:spLocks noGrp="1"/>
-          </p:cNvSpPr>
-          <p:nvPr>
-            <p:ph type="title"/>
+          <p:cNvPr id="2" name="Date Placeholder 1"/>
+          <p:cNvSpPr>
+            <a:spLocks noGrp="1"/>
+          </p:cNvSpPr>
+          <p:nvPr>
+            <p:ph type="dt" sz="half" idx="10"/>
           </p:nvPr>
         </p:nvSpPr>
         <p:spPr/>
@@ -1313,21 +1820,22 @@
           <a:bodyPr/>
           <a:lstStyle/>
           <a:p>
-            <a:r>
-              <a:rPr lang="en-US"/>
-              <a:t>Click to edit Master title style</a:t>
-            </a:r>
-          </a:p>
-        </p:txBody>
-      </p:sp>
-      <p:sp>
-        <p:nvSpPr>
-          <p:cNvPr id="4" name="Date Placeholder 3"/>
-          <p:cNvSpPr>
-            <a:spLocks noGrp="1"/>
-          </p:cNvSpPr>
-          <p:nvPr>
-            <p:ph type="dt" sz="half" idx="10"/>
+            <a:fld id="{28E074A1-B905-405A-B5FD-72A8FF5C7FF5}" type="datetimeFigureOut">
+              <a:rPr lang="en-US" smtClean="0"/>
+              <a:t>6/13/2017</a:t>
+            </a:fld>
+            <a:endParaRPr lang="en-US"/>
+          </a:p>
+        </p:txBody>
+      </p:sp>
+      <p:sp>
+        <p:nvSpPr>
+          <p:cNvPr id="3" name="Footer Placeholder 2"/>
+          <p:cNvSpPr>
+            <a:spLocks noGrp="1"/>
+          </p:cNvSpPr>
+          <p:nvPr>
+            <p:ph type="ftr" sz="quarter" idx="11"/>
           </p:nvPr>
         </p:nvSpPr>
         <p:spPr/>
@@ -1335,18 +1843,18 @@
           <a:bodyPr/>
           <a:lstStyle/>
           <a:p>
-            <a:endParaRPr lang="en-US" dirty="0"/>
-          </a:p>
-        </p:txBody>
-      </p:sp>
-      <p:sp>
-        <p:nvSpPr>
-          <p:cNvPr id="5" name="Footer Placeholder 4"/>
-          <p:cNvSpPr>
-            <a:spLocks noGrp="1"/>
-          </p:cNvSpPr>
-          <p:nvPr>
-            <p:ph type="ftr" sz="quarter" idx="11"/>
+            <a:endParaRPr lang="en-US"/>
+          </a:p>
+        </p:txBody>
+      </p:sp>
+      <p:sp>
+        <p:nvSpPr>
+          <p:cNvPr id="4" name="Slide Number Placeholder 3"/>
+          <p:cNvSpPr>
+            <a:spLocks noGrp="1"/>
+          </p:cNvSpPr>
+          <p:nvPr>
+            <p:ph type="sldNum" sz="quarter" idx="12"/>
           </p:nvPr>
         </p:nvSpPr>
         <p:spPr/>
@@ -1354,52 +1862,30 @@
           <a:bodyPr/>
           <a:lstStyle/>
           <a:p>
-            <a:r>
-              <a:rPr lang="en-US"/>
-              <a:t>Footer Text</a:t>
-            </a:r>
-          </a:p>
-        </p:txBody>
-      </p:sp>
-      <p:sp>
-        <p:nvSpPr>
-          <p:cNvPr id="6" name="Slide Number Placeholder 5"/>
-          <p:cNvSpPr>
-            <a:spLocks noGrp="1"/>
-          </p:cNvSpPr>
-          <p:nvPr>
-            <p:ph type="sldNum" sz="quarter" idx="12"/>
-          </p:nvPr>
-        </p:nvSpPr>
-        <p:spPr/>
-        <p:txBody>
-          <a:bodyPr/>
-          <a:lstStyle/>
-          <a:p>
-            <a:pPr algn="ctr"/>
-            <a:fld id="{90156F56-D5AE-4C6F-B826-C69D1BC521BB}" type="slidenum">
+            <a:fld id="{605D3E17-367E-4959-9074-EE309E8B7BCF}" type="slidenum">
               <a:rPr lang="en-US" smtClean="0"/>
-              <a:pPr algn="ctr"/>
               <a:t>‹#›</a:t>
             </a:fld>
-            <a:endParaRPr lang="en-US" dirty="0"/>
+            <a:endParaRPr lang="en-US"/>
           </a:p>
         </p:txBody>
       </p:sp>
     </p:spTree>
+    <p:extLst>
+      <p:ext uri="{BB962C8B-B14F-4D97-AF65-F5344CB8AC3E}">
+        <p14:creationId xmlns:p14="http://schemas.microsoft.com/office/powerpoint/2010/main" val="1116740839"/>
+      </p:ext>
+    </p:extLst>
   </p:cSld>
   <p:clrMapOvr>
     <a:masterClrMapping/>
   </p:clrMapOvr>
-  <p:transition>
-    <p:fade/>
-  </p:transition>
 </p:sldLayout>
 </file>
 
-<file path=ppt/slideLayouts/slideLayout5.xml><?xml version="1.0" encoding="utf-8"?>
-<p:sldLayout xmlns:a="http://schemas.openxmlformats.org/drawingml/2006/main" xmlns:r="http://schemas.openxmlformats.org/officeDocument/2006/relationships" xmlns:p="http://schemas.openxmlformats.org/presentationml/2006/main" preserve="1" userDrawn="1">
-  <p:cSld name="Black Content Area">
+<file path=ppt/slideLayouts/slideLayout8.xml><?xml version="1.0" encoding="utf-8"?>
+<p:sldLayout xmlns:a="http://schemas.openxmlformats.org/drawingml/2006/main" xmlns:r="http://schemas.openxmlformats.org/officeDocument/2006/relationships" xmlns:p="http://schemas.openxmlformats.org/presentationml/2006/main" type="objTx" preserve="1">
+  <p:cSld name="Content with Caption">
     <p:spTree>
       <p:nvGrpSpPr>
         <p:cNvPr id="1" name=""/>
@@ -1424,21 +1910,181 @@
             <p:ph type="title"/>
           </p:nvPr>
         </p:nvSpPr>
-        <p:spPr/>
-        <p:txBody>
-          <a:bodyPr/>
-          <a:lstStyle/>
+        <p:spPr>
+          <a:xfrm>
+            <a:off x="839788" y="457200"/>
+            <a:ext cx="3932237" cy="1600200"/>
+          </a:xfrm>
+        </p:spPr>
+        <p:txBody>
+          <a:bodyPr anchor="b"/>
+          <a:lstStyle>
+            <a:lvl1pPr>
+              <a:defRPr sz="3200"/>
+            </a:lvl1pPr>
+          </a:lstStyle>
           <a:p>
             <a:r>
               <a:rPr lang="en-US"/>
               <a:t>Click to edit Master title style</a:t>
             </a:r>
-          </a:p>
-        </p:txBody>
-      </p:sp>
-      <p:sp>
-        <p:nvSpPr>
-          <p:cNvPr id="4" name="Date Placeholder 3"/>
+            <a:endParaRPr lang="en-US"/>
+          </a:p>
+        </p:txBody>
+      </p:sp>
+      <p:sp>
+        <p:nvSpPr>
+          <p:cNvPr id="3" name="Content Placeholder 2"/>
+          <p:cNvSpPr>
+            <a:spLocks noGrp="1"/>
+          </p:cNvSpPr>
+          <p:nvPr>
+            <p:ph idx="1"/>
+          </p:nvPr>
+        </p:nvSpPr>
+        <p:spPr>
+          <a:xfrm>
+            <a:off x="5183188" y="987425"/>
+            <a:ext cx="6172200" cy="4873625"/>
+          </a:xfrm>
+        </p:spPr>
+        <p:txBody>
+          <a:bodyPr/>
+          <a:lstStyle>
+            <a:lvl1pPr>
+              <a:defRPr sz="3200"/>
+            </a:lvl1pPr>
+            <a:lvl2pPr>
+              <a:defRPr sz="2800"/>
+            </a:lvl2pPr>
+            <a:lvl3pPr>
+              <a:defRPr sz="2400"/>
+            </a:lvl3pPr>
+            <a:lvl4pPr>
+              <a:defRPr sz="2000"/>
+            </a:lvl4pPr>
+            <a:lvl5pPr>
+              <a:defRPr sz="2000"/>
+            </a:lvl5pPr>
+            <a:lvl6pPr>
+              <a:defRPr sz="2000"/>
+            </a:lvl6pPr>
+            <a:lvl7pPr>
+              <a:defRPr sz="2000"/>
+            </a:lvl7pPr>
+            <a:lvl8pPr>
+              <a:defRPr sz="2000"/>
+            </a:lvl8pPr>
+            <a:lvl9pPr>
+              <a:defRPr sz="2000"/>
+            </a:lvl9pPr>
+          </a:lstStyle>
+          <a:p>
+            <a:pPr lvl="0"/>
+            <a:r>
+              <a:rPr lang="en-US"/>
+              <a:t>Edit Master text styles</a:t>
+            </a:r>
+          </a:p>
+          <a:p>
+            <a:pPr lvl="1"/>
+            <a:r>
+              <a:rPr lang="en-US"/>
+              <a:t>Second level</a:t>
+            </a:r>
+          </a:p>
+          <a:p>
+            <a:pPr lvl="2"/>
+            <a:r>
+              <a:rPr lang="en-US"/>
+              <a:t>Third level</a:t>
+            </a:r>
+          </a:p>
+          <a:p>
+            <a:pPr lvl="3"/>
+            <a:r>
+              <a:rPr lang="en-US"/>
+              <a:t>Fourth level</a:t>
+            </a:r>
+          </a:p>
+          <a:p>
+            <a:pPr lvl="4"/>
+            <a:r>
+              <a:rPr lang="en-US"/>
+              <a:t>Fifth level</a:t>
+            </a:r>
+            <a:endParaRPr lang="en-US"/>
+          </a:p>
+        </p:txBody>
+      </p:sp>
+      <p:sp>
+        <p:nvSpPr>
+          <p:cNvPr id="4" name="Text Placeholder 3"/>
+          <p:cNvSpPr>
+            <a:spLocks noGrp="1"/>
+          </p:cNvSpPr>
+          <p:nvPr>
+            <p:ph type="body" sz="half" idx="2"/>
+          </p:nvPr>
+        </p:nvSpPr>
+        <p:spPr>
+          <a:xfrm>
+            <a:off x="839788" y="2057400"/>
+            <a:ext cx="3932237" cy="3811588"/>
+          </a:xfrm>
+        </p:spPr>
+        <p:txBody>
+          <a:bodyPr/>
+          <a:lstStyle>
+            <a:lvl1pPr marL="0" indent="0">
+              <a:buNone/>
+              <a:defRPr sz="1600"/>
+            </a:lvl1pPr>
+            <a:lvl2pPr marL="457200" indent="0">
+              <a:buNone/>
+              <a:defRPr sz="1400"/>
+            </a:lvl2pPr>
+            <a:lvl3pPr marL="914400" indent="0">
+              <a:buNone/>
+              <a:defRPr sz="1200"/>
+            </a:lvl3pPr>
+            <a:lvl4pPr marL="1371600" indent="0">
+              <a:buNone/>
+              <a:defRPr sz="1000"/>
+            </a:lvl4pPr>
+            <a:lvl5pPr marL="1828800" indent="0">
+              <a:buNone/>
+              <a:defRPr sz="1000"/>
+            </a:lvl5pPr>
+            <a:lvl6pPr marL="2286000" indent="0">
+              <a:buNone/>
+              <a:defRPr sz="1000"/>
+            </a:lvl6pPr>
+            <a:lvl7pPr marL="2743200" indent="0">
+              <a:buNone/>
+              <a:defRPr sz="1000"/>
+            </a:lvl7pPr>
+            <a:lvl8pPr marL="3200400" indent="0">
+              <a:buNone/>
+              <a:defRPr sz="1000"/>
+            </a:lvl8pPr>
+            <a:lvl9pPr marL="3657600" indent="0">
+              <a:buNone/>
+              <a:defRPr sz="1000"/>
+            </a:lvl9pPr>
+          </a:lstStyle>
+          <a:p>
+            <a:pPr lvl="0"/>
+            <a:r>
+              <a:rPr lang="en-US"/>
+              <a:t>Edit Master text styles</a:t>
+            </a:r>
+          </a:p>
+        </p:txBody>
+      </p:sp>
+      <p:sp>
+        <p:nvSpPr>
+          <p:cNvPr id="5" name="Date Placeholder 4"/>
           <p:cNvSpPr>
             <a:spLocks noGrp="1"/>
           </p:cNvSpPr>
@@ -1451,13 +2097,17 @@
           <a:bodyPr/>
           <a:lstStyle/>
           <a:p>
-            <a:endParaRPr lang="en-US" dirty="0"/>
-          </a:p>
-        </p:txBody>
-      </p:sp>
-      <p:sp>
-        <p:nvSpPr>
-          <p:cNvPr id="5" name="Footer Placeholder 4"/>
+            <a:fld id="{28E074A1-B905-405A-B5FD-72A8FF5C7FF5}" type="datetimeFigureOut">
+              <a:rPr lang="en-US" smtClean="0"/>
+              <a:t>6/13/2017</a:t>
+            </a:fld>
+            <a:endParaRPr lang="en-US"/>
+          </a:p>
+        </p:txBody>
+      </p:sp>
+      <p:sp>
+        <p:nvSpPr>
+          <p:cNvPr id="6" name="Footer Placeholder 5"/>
           <p:cNvSpPr>
             <a:spLocks noGrp="1"/>
           </p:cNvSpPr>
@@ -1470,16 +2120,13 @@
           <a:bodyPr/>
           <a:lstStyle/>
           <a:p>
-            <a:r>
-              <a:rPr lang="en-US"/>
-              <a:t>Footer Text</a:t>
-            </a:r>
-          </a:p>
-        </p:txBody>
-      </p:sp>
-      <p:sp>
-        <p:nvSpPr>
-          <p:cNvPr id="6" name="Slide Number Placeholder 5"/>
+            <a:endParaRPr lang="en-US"/>
+          </a:p>
+        </p:txBody>
+      </p:sp>
+      <p:sp>
+        <p:nvSpPr>
+          <p:cNvPr id="7" name="Slide Number Placeholder 6"/>
           <p:cNvSpPr>
             <a:spLocks noGrp="1"/>
           </p:cNvSpPr>
@@ -1492,86 +2139,277 @@
           <a:bodyPr/>
           <a:lstStyle/>
           <a:p>
-            <a:pPr algn="ctr"/>
-            <a:fld id="{90156F56-D5AE-4C6F-B826-C69D1BC521BB}" type="slidenum">
+            <a:fld id="{605D3E17-367E-4959-9074-EE309E8B7BCF}" type="slidenum">
               <a:rPr lang="en-US" smtClean="0"/>
-              <a:pPr algn="ctr"/>
               <a:t>‹#›</a:t>
             </a:fld>
-            <a:endParaRPr lang="en-US" dirty="0"/>
-          </a:p>
-        </p:txBody>
-      </p:sp>
-      <p:sp>
-        <p:nvSpPr>
-          <p:cNvPr id="7" name="Rectangle 5"/>
-          <p:cNvSpPr>
-            <a:spLocks noChangeArrowheads="1"/>
-          </p:cNvSpPr>
-          <p:nvPr userDrawn="1"/>
-        </p:nvSpPr>
-        <p:spPr bwMode="auto">
-          <a:xfrm>
-            <a:off x="0" y="781049"/>
-            <a:ext cx="9144000" cy="5661025"/>
-          </a:xfrm>
-          <a:prstGeom prst="rect">
-            <a:avLst/>
-          </a:prstGeom>
-          <a:solidFill>
-            <a:srgbClr val="000000"/>
-          </a:solidFill>
-          <a:ln>
-            <a:noFill/>
-          </a:ln>
-        </p:spPr>
-        <p:style>
-          <a:lnRef idx="2">
-            <a:schemeClr val="accent1">
-              <a:shade val="50000"/>
-            </a:schemeClr>
-          </a:lnRef>
-          <a:fillRef idx="1">
-            <a:schemeClr val="accent1"/>
-          </a:fillRef>
-          <a:effectRef idx="0">
-            <a:schemeClr val="accent1"/>
-          </a:effectRef>
-          <a:fontRef idx="minor">
-            <a:schemeClr val="lt1"/>
-          </a:fontRef>
-        </p:style>
-        <p:txBody>
-          <a:bodyPr anchor="ctr"/>
-          <a:lstStyle/>
-          <a:p>
-            <a:pPr algn="ctr" rtl="0" fontAlgn="base">
-              <a:spcBef>
-                <a:spcPct val="0"/>
-              </a:spcBef>
-              <a:spcAft>
-                <a:spcPct val="0"/>
-              </a:spcAft>
-            </a:pPr>
-            <a:endParaRPr lang="en-US" kern="1200">
-              <a:solidFill>
-                <a:srgbClr val="FFFFFF"/>
-              </a:solidFill>
-              <a:latin typeface="+mn-lt"/>
-              <a:ea typeface="ＭＳ Ｐゴシック" pitchFamily="-111" charset="-128"/>
-              <a:cs typeface="+mn-cs"/>
-            </a:endParaRPr>
+            <a:endParaRPr lang="en-US"/>
           </a:p>
         </p:txBody>
       </p:sp>
     </p:spTree>
+    <p:extLst>
+      <p:ext uri="{BB962C8B-B14F-4D97-AF65-F5344CB8AC3E}">
+        <p14:creationId xmlns:p14="http://schemas.microsoft.com/office/powerpoint/2010/main" val="932886159"/>
+      </p:ext>
+    </p:extLst>
   </p:cSld>
   <p:clrMapOvr>
     <a:masterClrMapping/>
   </p:clrMapOvr>
-  <p:transition>
-    <p:fade/>
-  </p:transition>
+</p:sldLayout>
+</file>
+
+<file path=ppt/slideLayouts/slideLayout9.xml><?xml version="1.0" encoding="utf-8"?>
+<p:sldLayout xmlns:a="http://schemas.openxmlformats.org/drawingml/2006/main" xmlns:r="http://schemas.openxmlformats.org/officeDocument/2006/relationships" xmlns:p="http://schemas.openxmlformats.org/presentationml/2006/main" type="picTx" preserve="1">
+  <p:cSld name="Picture with Caption">
+    <p:spTree>
+      <p:nvGrpSpPr>
+        <p:cNvPr id="1" name=""/>
+        <p:cNvGrpSpPr/>
+        <p:nvPr/>
+      </p:nvGrpSpPr>
+      <p:grpSpPr>
+        <a:xfrm>
+          <a:off x="0" y="0"/>
+          <a:ext cx="0" cy="0"/>
+          <a:chOff x="0" y="0"/>
+          <a:chExt cx="0" cy="0"/>
+        </a:xfrm>
+      </p:grpSpPr>
+      <p:sp>
+        <p:nvSpPr>
+          <p:cNvPr id="2" name="Title 1"/>
+          <p:cNvSpPr>
+            <a:spLocks noGrp="1"/>
+          </p:cNvSpPr>
+          <p:nvPr>
+            <p:ph type="title"/>
+          </p:nvPr>
+        </p:nvSpPr>
+        <p:spPr>
+          <a:xfrm>
+            <a:off x="839788" y="457200"/>
+            <a:ext cx="3932237" cy="1600200"/>
+          </a:xfrm>
+        </p:spPr>
+        <p:txBody>
+          <a:bodyPr anchor="b"/>
+          <a:lstStyle>
+            <a:lvl1pPr>
+              <a:defRPr sz="3200"/>
+            </a:lvl1pPr>
+          </a:lstStyle>
+          <a:p>
+            <a:r>
+              <a:rPr lang="en-US"/>
+              <a:t>Click to edit Master title style</a:t>
+            </a:r>
+            <a:endParaRPr lang="en-US"/>
+          </a:p>
+        </p:txBody>
+      </p:sp>
+      <p:sp>
+        <p:nvSpPr>
+          <p:cNvPr id="3" name="Picture Placeholder 2"/>
+          <p:cNvSpPr>
+            <a:spLocks noGrp="1"/>
+          </p:cNvSpPr>
+          <p:nvPr>
+            <p:ph type="pic" idx="1"/>
+          </p:nvPr>
+        </p:nvSpPr>
+        <p:spPr>
+          <a:xfrm>
+            <a:off x="5183188" y="987425"/>
+            <a:ext cx="6172200" cy="4873625"/>
+          </a:xfrm>
+        </p:spPr>
+        <p:txBody>
+          <a:bodyPr/>
+          <a:lstStyle>
+            <a:lvl1pPr marL="0" indent="0">
+              <a:buNone/>
+              <a:defRPr sz="3200"/>
+            </a:lvl1pPr>
+            <a:lvl2pPr marL="457200" indent="0">
+              <a:buNone/>
+              <a:defRPr sz="2800"/>
+            </a:lvl2pPr>
+            <a:lvl3pPr marL="914400" indent="0">
+              <a:buNone/>
+              <a:defRPr sz="2400"/>
+            </a:lvl3pPr>
+            <a:lvl4pPr marL="1371600" indent="0">
+              <a:buNone/>
+              <a:defRPr sz="2000"/>
+            </a:lvl4pPr>
+            <a:lvl5pPr marL="1828800" indent="0">
+              <a:buNone/>
+              <a:defRPr sz="2000"/>
+            </a:lvl5pPr>
+            <a:lvl6pPr marL="2286000" indent="0">
+              <a:buNone/>
+              <a:defRPr sz="2000"/>
+            </a:lvl6pPr>
+            <a:lvl7pPr marL="2743200" indent="0">
+              <a:buNone/>
+              <a:defRPr sz="2000"/>
+            </a:lvl7pPr>
+            <a:lvl8pPr marL="3200400" indent="0">
+              <a:buNone/>
+              <a:defRPr sz="2000"/>
+            </a:lvl8pPr>
+            <a:lvl9pPr marL="3657600" indent="0">
+              <a:buNone/>
+              <a:defRPr sz="2000"/>
+            </a:lvl9pPr>
+          </a:lstStyle>
+          <a:p>
+            <a:endParaRPr lang="en-US"/>
+          </a:p>
+        </p:txBody>
+      </p:sp>
+      <p:sp>
+        <p:nvSpPr>
+          <p:cNvPr id="4" name="Text Placeholder 3"/>
+          <p:cNvSpPr>
+            <a:spLocks noGrp="1"/>
+          </p:cNvSpPr>
+          <p:nvPr>
+            <p:ph type="body" sz="half" idx="2"/>
+          </p:nvPr>
+        </p:nvSpPr>
+        <p:spPr>
+          <a:xfrm>
+            <a:off x="839788" y="2057400"/>
+            <a:ext cx="3932237" cy="3811588"/>
+          </a:xfrm>
+        </p:spPr>
+        <p:txBody>
+          <a:bodyPr/>
+          <a:lstStyle>
+            <a:lvl1pPr marL="0" indent="0">
+              <a:buNone/>
+              <a:defRPr sz="1600"/>
+            </a:lvl1pPr>
+            <a:lvl2pPr marL="457200" indent="0">
+              <a:buNone/>
+              <a:defRPr sz="1400"/>
+            </a:lvl2pPr>
+            <a:lvl3pPr marL="914400" indent="0">
+              <a:buNone/>
+              <a:defRPr sz="1200"/>
+            </a:lvl3pPr>
+            <a:lvl4pPr marL="1371600" indent="0">
+              <a:buNone/>
+              <a:defRPr sz="1000"/>
+            </a:lvl4pPr>
+            <a:lvl5pPr marL="1828800" indent="0">
+              <a:buNone/>
+              <a:defRPr sz="1000"/>
+            </a:lvl5pPr>
+            <a:lvl6pPr marL="2286000" indent="0">
+              <a:buNone/>
+              <a:defRPr sz="1000"/>
+            </a:lvl6pPr>
+            <a:lvl7pPr marL="2743200" indent="0">
+              <a:buNone/>
+              <a:defRPr sz="1000"/>
+            </a:lvl7pPr>
+            <a:lvl8pPr marL="3200400" indent="0">
+              <a:buNone/>
+              <a:defRPr sz="1000"/>
+            </a:lvl8pPr>
+            <a:lvl9pPr marL="3657600" indent="0">
+              <a:buNone/>
+              <a:defRPr sz="1000"/>
+            </a:lvl9pPr>
+          </a:lstStyle>
+          <a:p>
+            <a:pPr lvl="0"/>
+            <a:r>
+              <a:rPr lang="en-US"/>
+              <a:t>Edit Master text styles</a:t>
+            </a:r>
+          </a:p>
+        </p:txBody>
+      </p:sp>
+      <p:sp>
+        <p:nvSpPr>
+          <p:cNvPr id="5" name="Date Placeholder 4"/>
+          <p:cNvSpPr>
+            <a:spLocks noGrp="1"/>
+          </p:cNvSpPr>
+          <p:nvPr>
+            <p:ph type="dt" sz="half" idx="10"/>
+          </p:nvPr>
+        </p:nvSpPr>
+        <p:spPr/>
+        <p:txBody>
+          <a:bodyPr/>
+          <a:lstStyle/>
+          <a:p>
+            <a:fld id="{28E074A1-B905-405A-B5FD-72A8FF5C7FF5}" type="datetimeFigureOut">
+              <a:rPr lang="en-US" smtClean="0"/>
+              <a:t>6/13/2017</a:t>
+            </a:fld>
+            <a:endParaRPr lang="en-US"/>
+          </a:p>
+        </p:txBody>
+      </p:sp>
+      <p:sp>
+        <p:nvSpPr>
+          <p:cNvPr id="6" name="Footer Placeholder 5"/>
+          <p:cNvSpPr>
+            <a:spLocks noGrp="1"/>
+          </p:cNvSpPr>
+          <p:nvPr>
+            <p:ph type="ftr" sz="quarter" idx="11"/>
+          </p:nvPr>
+        </p:nvSpPr>
+        <p:spPr/>
+        <p:txBody>
+          <a:bodyPr/>
+          <a:lstStyle/>
+          <a:p>
+            <a:endParaRPr lang="en-US"/>
+          </a:p>
+        </p:txBody>
+      </p:sp>
+      <p:sp>
+        <p:nvSpPr>
+          <p:cNvPr id="7" name="Slide Number Placeholder 6"/>
+          <p:cNvSpPr>
+            <a:spLocks noGrp="1"/>
+          </p:cNvSpPr>
+          <p:nvPr>
+            <p:ph type="sldNum" sz="quarter" idx="12"/>
+          </p:nvPr>
+        </p:nvSpPr>
+        <p:spPr/>
+        <p:txBody>
+          <a:bodyPr/>
+          <a:lstStyle/>
+          <a:p>
+            <a:fld id="{605D3E17-367E-4959-9074-EE309E8B7BCF}" type="slidenum">
+              <a:rPr lang="en-US" smtClean="0"/>
+              <a:t>‹#›</a:t>
+            </a:fld>
+            <a:endParaRPr lang="en-US"/>
+          </a:p>
+        </p:txBody>
+      </p:sp>
+    </p:spTree>
+    <p:extLst>
+      <p:ext uri="{BB962C8B-B14F-4D97-AF65-F5344CB8AC3E}">
+        <p14:creationId xmlns:p14="http://schemas.microsoft.com/office/powerpoint/2010/main" val="420565120"/>
+      </p:ext>
+    </p:extLst>
+  </p:cSld>
+  <p:clrMapOvr>
+    <a:masterClrMapping/>
+  </p:clrMapOvr>
 </p:sldLayout>
 </file>
 
@@ -1599,3154 +2437,6 @@
       </p:grpSpPr>
       <p:sp>
         <p:nvSpPr>
-          <p:cNvPr id="7" name="Rectangle 5"/>
-          <p:cNvSpPr>
-            <a:spLocks noChangeArrowheads="1"/>
-          </p:cNvSpPr>
-          <p:nvPr userDrawn="1"/>
-        </p:nvSpPr>
-        <p:spPr bwMode="auto">
-          <a:xfrm>
-            <a:off x="0" y="0"/>
-            <a:ext cx="9144000" cy="779463"/>
-          </a:xfrm>
-          <a:prstGeom prst="rect">
-            <a:avLst/>
-          </a:prstGeom>
-          <a:solidFill>
-            <a:srgbClr val="37434D"/>
-          </a:solidFill>
-          <a:ln>
-            <a:noFill/>
-          </a:ln>
-        </p:spPr>
-        <p:style>
-          <a:lnRef idx="2">
-            <a:schemeClr val="accent1">
-              <a:shade val="50000"/>
-            </a:schemeClr>
-          </a:lnRef>
-          <a:fillRef idx="1">
-            <a:schemeClr val="accent1"/>
-          </a:fillRef>
-          <a:effectRef idx="0">
-            <a:schemeClr val="accent1"/>
-          </a:effectRef>
-          <a:fontRef idx="minor">
-            <a:schemeClr val="lt1"/>
-          </a:fontRef>
-        </p:style>
-        <p:txBody>
-          <a:bodyPr anchor="ctr"/>
-          <a:lstStyle/>
-          <a:p>
-            <a:pPr algn="ctr" rtl="0" fontAlgn="base">
-              <a:spcBef>
-                <a:spcPct val="0"/>
-              </a:spcBef>
-              <a:spcAft>
-                <a:spcPct val="0"/>
-              </a:spcAft>
-            </a:pPr>
-            <a:endParaRPr lang="en-US" kern="1200" dirty="0">
-              <a:solidFill>
-                <a:srgbClr val="FFFFFF"/>
-              </a:solidFill>
-              <a:latin typeface="+mn-lt"/>
-              <a:ea typeface="ＭＳ Ｐゴシック" pitchFamily="-111" charset="-128"/>
-              <a:cs typeface="+mn-cs"/>
-            </a:endParaRPr>
-          </a:p>
-        </p:txBody>
-      </p:sp>
-      <p:sp>
-        <p:nvSpPr>
-          <p:cNvPr id="8" name="Rectangle 7"/>
-          <p:cNvSpPr/>
-          <p:nvPr userDrawn="1"/>
-        </p:nvSpPr>
-        <p:spPr bwMode="auto">
-          <a:xfrm>
-            <a:off x="0" y="6442075"/>
-            <a:ext cx="9144000" cy="415925"/>
-          </a:xfrm>
-          <a:prstGeom prst="rect">
-            <a:avLst/>
-          </a:prstGeom>
-          <a:solidFill>
-            <a:srgbClr val="37434D"/>
-          </a:solidFill>
-          <a:ln>
-            <a:noFill/>
-          </a:ln>
-        </p:spPr>
-        <p:style>
-          <a:lnRef idx="2">
-            <a:schemeClr val="accent1">
-              <a:shade val="50000"/>
-            </a:schemeClr>
-          </a:lnRef>
-          <a:fillRef idx="1">
-            <a:schemeClr val="accent1"/>
-          </a:fillRef>
-          <a:effectRef idx="0">
-            <a:schemeClr val="accent1"/>
-          </a:effectRef>
-          <a:fontRef idx="minor">
-            <a:schemeClr val="lt1"/>
-          </a:fontRef>
-        </p:style>
-        <p:txBody>
-          <a:bodyPr anchor="ctr"/>
-          <a:lstStyle/>
-          <a:p>
-            <a:pPr algn="ctr"/>
-            <a:endParaRPr lang="en-US">
-              <a:solidFill>
-                <a:srgbClr val="FFFFFF"/>
-              </a:solidFill>
-              <a:ea typeface="ＭＳ Ｐゴシック" pitchFamily="-111" charset="-128"/>
-            </a:endParaRPr>
-          </a:p>
-        </p:txBody>
-      </p:sp>
-      <p:sp>
-        <p:nvSpPr>
-          <p:cNvPr id="9" name="Rectangle 21"/>
-          <p:cNvSpPr>
-            <a:spLocks noChangeArrowheads="1"/>
-          </p:cNvSpPr>
-          <p:nvPr userDrawn="1"/>
-        </p:nvSpPr>
-        <p:spPr bwMode="auto">
-          <a:xfrm>
-            <a:off x="228600" y="6502400"/>
-            <a:ext cx="3890010" cy="107950"/>
-          </a:xfrm>
-          <a:prstGeom prst="rect">
-            <a:avLst/>
-          </a:prstGeom>
-          <a:noFill/>
-          <a:ln w="9525">
-            <a:noFill/>
-            <a:miter lim="800000"/>
-            <a:headEnd/>
-            <a:tailEnd/>
-          </a:ln>
-        </p:spPr>
-        <p:txBody>
-          <a:bodyPr wrap="square" lIns="0" tIns="0" rIns="0" bIns="0" anchor="b">
-            <a:spAutoFit/>
-          </a:bodyPr>
-          <a:lstStyle/>
-          <a:p>
-            <a:r>
-              <a:rPr lang="en-US" sz="700" dirty="0">
-                <a:solidFill>
-                  <a:srgbClr val="FFFFFF"/>
-                </a:solidFill>
-                <a:latin typeface="Adobe Clean" pitchFamily="-111" charset="0"/>
-              </a:rPr>
-              <a:t>© 2017 Adobe Systems Incorporated.  All Rights Reserved.  Adobe Confidential.</a:t>
-            </a:r>
-          </a:p>
-        </p:txBody>
-      </p:sp>
-      <p:grpSp>
-        <p:nvGrpSpPr>
-          <p:cNvPr id="10" name="Group 9"/>
-          <p:cNvGrpSpPr/>
-          <p:nvPr userDrawn="1"/>
-        </p:nvGrpSpPr>
-        <p:grpSpPr>
-          <a:xfrm>
-            <a:off x="8786300" y="6528874"/>
-            <a:ext cx="204225" cy="256615"/>
-            <a:chOff x="8786300" y="6528874"/>
-            <a:chExt cx="204225" cy="256615"/>
-          </a:xfrm>
-        </p:grpSpPr>
-        <p:sp>
-          <p:nvSpPr>
-            <p:cNvPr id="11" name="Freeform 10"/>
-            <p:cNvSpPr>
-              <a:spLocks noEditPoints="1"/>
-            </p:cNvSpPr>
-            <p:nvPr/>
-          </p:nvSpPr>
-          <p:spPr bwMode="auto">
-            <a:xfrm>
-              <a:off x="8788450" y="6725362"/>
-              <a:ext cx="36545" cy="60127"/>
-            </a:xfrm>
-            <a:custGeom>
-              <a:avLst/>
-              <a:gdLst>
-                <a:gd name="T0" fmla="*/ 540229938 w 212"/>
-                <a:gd name="T1" fmla="*/ 2083798107 h 332"/>
-                <a:gd name="T2" fmla="*/ 426475886 w 212"/>
-                <a:gd name="T3" fmla="*/ 2147483647 h 332"/>
-                <a:gd name="T4" fmla="*/ 0 w 212"/>
-                <a:gd name="T5" fmla="*/ 2147483647 h 332"/>
-                <a:gd name="T6" fmla="*/ 525996886 w 212"/>
-                <a:gd name="T7" fmla="*/ 0 h 332"/>
-                <a:gd name="T8" fmla="*/ 1037797444 w 212"/>
-                <a:gd name="T9" fmla="*/ 0 h 332"/>
-                <a:gd name="T10" fmla="*/ 1506935762 w 212"/>
-                <a:gd name="T11" fmla="*/ 2147483647 h 332"/>
-                <a:gd name="T12" fmla="*/ 1094656011 w 212"/>
-                <a:gd name="T13" fmla="*/ 2147483647 h 332"/>
-                <a:gd name="T14" fmla="*/ 980938876 w 212"/>
-                <a:gd name="T15" fmla="*/ 2083798107 h 332"/>
-                <a:gd name="T16" fmla="*/ 540229938 w 212"/>
-                <a:gd name="T17" fmla="*/ 2083798107 h 332"/>
-                <a:gd name="T18" fmla="*/ 938276636 w 212"/>
-                <a:gd name="T19" fmla="*/ 1703423933 h 332"/>
-                <a:gd name="T20" fmla="*/ 852988688 w 212"/>
-                <a:gd name="T21" fmla="*/ 1108041259 h 332"/>
-                <a:gd name="T22" fmla="*/ 852988688 w 212"/>
-                <a:gd name="T23" fmla="*/ 1108041259 h 332"/>
-                <a:gd name="T24" fmla="*/ 767700933 w 212"/>
-                <a:gd name="T25" fmla="*/ 479618371 h 332"/>
-                <a:gd name="T26" fmla="*/ 767700933 w 212"/>
-                <a:gd name="T27" fmla="*/ 479618371 h 332"/>
-                <a:gd name="T28" fmla="*/ 767700933 w 212"/>
-                <a:gd name="T29" fmla="*/ 479618371 h 332"/>
-                <a:gd name="T30" fmla="*/ 682376261 w 212"/>
-                <a:gd name="T31" fmla="*/ 1108041259 h 332"/>
-                <a:gd name="T32" fmla="*/ 582855261 w 212"/>
-                <a:gd name="T33" fmla="*/ 1703423933 h 332"/>
-                <a:gd name="T34" fmla="*/ 938276636 w 212"/>
-                <a:gd name="T35" fmla="*/ 1703423933 h 332"/>
-                <a:gd name="T36" fmla="*/ 0 60000 65536"/>
-                <a:gd name="T37" fmla="*/ 0 60000 65536"/>
-                <a:gd name="T38" fmla="*/ 0 60000 65536"/>
-                <a:gd name="T39" fmla="*/ 0 60000 65536"/>
-                <a:gd name="T40" fmla="*/ 0 60000 65536"/>
-                <a:gd name="T41" fmla="*/ 0 60000 65536"/>
-                <a:gd name="T42" fmla="*/ 0 60000 65536"/>
-                <a:gd name="T43" fmla="*/ 0 60000 65536"/>
-                <a:gd name="T44" fmla="*/ 0 60000 65536"/>
-                <a:gd name="T45" fmla="*/ 0 60000 65536"/>
-                <a:gd name="T46" fmla="*/ 0 60000 65536"/>
-                <a:gd name="T47" fmla="*/ 0 60000 65536"/>
-                <a:gd name="T48" fmla="*/ 0 60000 65536"/>
-                <a:gd name="T49" fmla="*/ 0 60000 65536"/>
-                <a:gd name="T50" fmla="*/ 0 60000 65536"/>
-                <a:gd name="T51" fmla="*/ 0 60000 65536"/>
-                <a:gd name="T52" fmla="*/ 0 60000 65536"/>
-                <a:gd name="T53" fmla="*/ 0 60000 65536"/>
-                <a:gd name="T54" fmla="*/ 0 w 212"/>
-                <a:gd name="T55" fmla="*/ 0 h 332"/>
-                <a:gd name="T56" fmla="*/ 212 w 212"/>
-                <a:gd name="T57" fmla="*/ 332 h 332"/>
-              </a:gdLst>
-              <a:ahLst/>
-              <a:cxnLst>
-                <a:cxn ang="T36">
-                  <a:pos x="T0" y="T1"/>
-                </a:cxn>
-                <a:cxn ang="T37">
-                  <a:pos x="T2" y="T3"/>
-                </a:cxn>
-                <a:cxn ang="T38">
-                  <a:pos x="T4" y="T5"/>
-                </a:cxn>
-                <a:cxn ang="T39">
-                  <a:pos x="T6" y="T7"/>
-                </a:cxn>
-                <a:cxn ang="T40">
-                  <a:pos x="T8" y="T9"/>
-                </a:cxn>
-                <a:cxn ang="T41">
-                  <a:pos x="T10" y="T11"/>
-                </a:cxn>
-                <a:cxn ang="T42">
-                  <a:pos x="T12" y="T13"/>
-                </a:cxn>
-                <a:cxn ang="T43">
-                  <a:pos x="T14" y="T15"/>
-                </a:cxn>
-                <a:cxn ang="T44">
-                  <a:pos x="T16" y="T17"/>
-                </a:cxn>
-                <a:cxn ang="T45">
-                  <a:pos x="T18" y="T19"/>
-                </a:cxn>
-                <a:cxn ang="T46">
-                  <a:pos x="T20" y="T21"/>
-                </a:cxn>
-                <a:cxn ang="T47">
-                  <a:pos x="T22" y="T23"/>
-                </a:cxn>
-                <a:cxn ang="T48">
-                  <a:pos x="T24" y="T25"/>
-                </a:cxn>
-                <a:cxn ang="T49">
-                  <a:pos x="T26" y="T27"/>
-                </a:cxn>
-                <a:cxn ang="T50">
-                  <a:pos x="T28" y="T29"/>
-                </a:cxn>
-                <a:cxn ang="T51">
-                  <a:pos x="T30" y="T31"/>
-                </a:cxn>
-                <a:cxn ang="T52">
-                  <a:pos x="T32" y="T33"/>
-                </a:cxn>
-                <a:cxn ang="T53">
-                  <a:pos x="T34" y="T35"/>
-                </a:cxn>
-              </a:cxnLst>
-              <a:rect l="T54" t="T55" r="T56" b="T57"/>
-              <a:pathLst>
-                <a:path w="212" h="332">
-                  <a:moveTo>
-                    <a:pt x="76" y="252"/>
-                  </a:moveTo>
-                  <a:lnTo>
-                    <a:pt x="60" y="332"/>
-                  </a:lnTo>
-                  <a:lnTo>
-                    <a:pt x="0" y="332"/>
-                  </a:lnTo>
-                  <a:lnTo>
-                    <a:pt x="74" y="0"/>
-                  </a:lnTo>
-                  <a:lnTo>
-                    <a:pt x="146" y="0"/>
-                  </a:lnTo>
-                  <a:lnTo>
-                    <a:pt x="212" y="332"/>
-                  </a:lnTo>
-                  <a:lnTo>
-                    <a:pt x="154" y="332"/>
-                  </a:lnTo>
-                  <a:lnTo>
-                    <a:pt x="138" y="252"/>
-                  </a:lnTo>
-                  <a:lnTo>
-                    <a:pt x="76" y="252"/>
-                  </a:lnTo>
-                  <a:close/>
-                  <a:moveTo>
-                    <a:pt x="132" y="206"/>
-                  </a:moveTo>
-                  <a:lnTo>
-                    <a:pt x="120" y="134"/>
-                  </a:lnTo>
-                  <a:lnTo>
-                    <a:pt x="108" y="58"/>
-                  </a:lnTo>
-                  <a:lnTo>
-                    <a:pt x="96" y="134"/>
-                  </a:lnTo>
-                  <a:lnTo>
-                    <a:pt x="82" y="206"/>
-                  </a:lnTo>
-                  <a:lnTo>
-                    <a:pt x="132" y="206"/>
-                  </a:lnTo>
-                  <a:close/>
-                </a:path>
-              </a:pathLst>
-            </a:custGeom>
-            <a:solidFill>
-              <a:srgbClr val="FFFFFF"/>
-            </a:solidFill>
-            <a:ln w="9525">
-              <a:noFill/>
-              <a:round/>
-              <a:headEnd/>
-              <a:tailEnd/>
-            </a:ln>
-          </p:spPr>
-          <p:txBody>
-            <a:bodyPr/>
-            <a:lstStyle/>
-            <a:p>
-              <a:endParaRPr lang="en-US" dirty="0">
-                <a:solidFill>
-                  <a:srgbClr val="FFFFFF"/>
-                </a:solidFill>
-              </a:endParaRPr>
-            </a:p>
-          </p:txBody>
-        </p:sp>
-        <p:sp>
-          <p:nvSpPr>
-            <p:cNvPr id="12" name="Freeform 11"/>
-            <p:cNvSpPr>
-              <a:spLocks noEditPoints="1"/>
-            </p:cNvSpPr>
-            <p:nvPr/>
-          </p:nvSpPr>
-          <p:spPr bwMode="auto">
-            <a:xfrm>
-              <a:off x="8828220" y="6724288"/>
-              <a:ext cx="32246" cy="61201"/>
-            </a:xfrm>
-            <a:custGeom>
-              <a:avLst/>
-              <a:gdLst>
-                <a:gd name="T0" fmla="*/ 1389229327 w 182"/>
-                <a:gd name="T1" fmla="*/ 2110823318 h 346"/>
-                <a:gd name="T2" fmla="*/ 1404655613 w 182"/>
-                <a:gd name="T3" fmla="*/ 2147483647 h 346"/>
-                <a:gd name="T4" fmla="*/ 972444917 w 182"/>
-                <a:gd name="T5" fmla="*/ 2147483647 h 346"/>
-                <a:gd name="T6" fmla="*/ 972444917 w 182"/>
-                <a:gd name="T7" fmla="*/ 2147483647 h 346"/>
-                <a:gd name="T8" fmla="*/ 818103406 w 182"/>
-                <a:gd name="T9" fmla="*/ 2147483647 h 346"/>
-                <a:gd name="T10" fmla="*/ 648296677 w 182"/>
-                <a:gd name="T11" fmla="*/ 2147483647 h 346"/>
-                <a:gd name="T12" fmla="*/ 586552207 w 182"/>
-                <a:gd name="T13" fmla="*/ 2147483647 h 346"/>
-                <a:gd name="T14" fmla="*/ 447637180 w 182"/>
-                <a:gd name="T15" fmla="*/ 2147483647 h 346"/>
-                <a:gd name="T16" fmla="*/ 324148240 w 182"/>
-                <a:gd name="T17" fmla="*/ 2147483647 h 346"/>
-                <a:gd name="T18" fmla="*/ 154341511 w 182"/>
-                <a:gd name="T19" fmla="*/ 2147483647 h 346"/>
-                <a:gd name="T20" fmla="*/ 46317986 w 182"/>
-                <a:gd name="T21" fmla="*/ 2095415750 h 346"/>
-                <a:gd name="T22" fmla="*/ 0 w 182"/>
-                <a:gd name="T23" fmla="*/ 1710229130 h 346"/>
-                <a:gd name="T24" fmla="*/ 15426286 w 182"/>
-                <a:gd name="T25" fmla="*/ 1479117000 h 346"/>
-                <a:gd name="T26" fmla="*/ 108062456 w 182"/>
-                <a:gd name="T27" fmla="*/ 1124745318 h 346"/>
-                <a:gd name="T28" fmla="*/ 277830253 w 182"/>
-                <a:gd name="T29" fmla="*/ 878225818 h 346"/>
-                <a:gd name="T30" fmla="*/ 478489751 w 182"/>
-                <a:gd name="T31" fmla="*/ 770373438 h 346"/>
-                <a:gd name="T32" fmla="*/ 601978493 w 182"/>
-                <a:gd name="T33" fmla="*/ 754966068 h 346"/>
-                <a:gd name="T34" fmla="*/ 802677120 w 182"/>
-                <a:gd name="T35" fmla="*/ 801188375 h 346"/>
-                <a:gd name="T36" fmla="*/ 910700447 w 182"/>
-                <a:gd name="T37" fmla="*/ 939855693 h 346"/>
-                <a:gd name="T38" fmla="*/ 926165862 w 182"/>
-                <a:gd name="T39" fmla="*/ 0 h 346"/>
-                <a:gd name="T40" fmla="*/ 926165862 w 182"/>
-                <a:gd name="T41" fmla="*/ 1494524568 h 346"/>
-                <a:gd name="T42" fmla="*/ 926165862 w 182"/>
-                <a:gd name="T43" fmla="*/ 1386672188 h 346"/>
-                <a:gd name="T44" fmla="*/ 895274161 w 182"/>
-                <a:gd name="T45" fmla="*/ 1294227375 h 346"/>
-                <a:gd name="T46" fmla="*/ 802677120 w 182"/>
-                <a:gd name="T47" fmla="*/ 1155560255 h 346"/>
-                <a:gd name="T48" fmla="*/ 725467235 w 182"/>
-                <a:gd name="T49" fmla="*/ 1140152688 h 346"/>
-                <a:gd name="T50" fmla="*/ 663722963 w 182"/>
-                <a:gd name="T51" fmla="*/ 1155560255 h 346"/>
-                <a:gd name="T52" fmla="*/ 555699438 w 182"/>
-                <a:gd name="T53" fmla="*/ 1248005068 h 346"/>
-                <a:gd name="T54" fmla="*/ 493955166 w 182"/>
-                <a:gd name="T55" fmla="*/ 1402079755 h 346"/>
-                <a:gd name="T56" fmla="*/ 463063465 w 182"/>
-                <a:gd name="T57" fmla="*/ 1725636500 h 346"/>
-                <a:gd name="T58" fmla="*/ 478489751 w 182"/>
-                <a:gd name="T59" fmla="*/ 1848896250 h 346"/>
-                <a:gd name="T60" fmla="*/ 509381452 w 182"/>
-                <a:gd name="T61" fmla="*/ 2064600813 h 346"/>
-                <a:gd name="T62" fmla="*/ 571125922 w 182"/>
-                <a:gd name="T63" fmla="*/ 2147483647 h 346"/>
-                <a:gd name="T64" fmla="*/ 663722963 w 182"/>
-                <a:gd name="T65" fmla="*/ 2147483647 h 346"/>
-                <a:gd name="T66" fmla="*/ 710040950 w 182"/>
-                <a:gd name="T67" fmla="*/ 2147483647 h 346"/>
-                <a:gd name="T68" fmla="*/ 818103406 w 182"/>
-                <a:gd name="T69" fmla="*/ 2147483647 h 346"/>
-                <a:gd name="T70" fmla="*/ 910700447 w 182"/>
-                <a:gd name="T71" fmla="*/ 2095415750 h 346"/>
-                <a:gd name="T72" fmla="*/ 926165862 w 182"/>
-                <a:gd name="T73" fmla="*/ 2049193443 h 346"/>
-                <a:gd name="T74" fmla="*/ 926165862 w 182"/>
-                <a:gd name="T75" fmla="*/ 1494524568 h 346"/>
-                <a:gd name="T76" fmla="*/ 0 60000 65536"/>
-                <a:gd name="T77" fmla="*/ 0 60000 65536"/>
-                <a:gd name="T78" fmla="*/ 0 60000 65536"/>
-                <a:gd name="T79" fmla="*/ 0 60000 65536"/>
-                <a:gd name="T80" fmla="*/ 0 60000 65536"/>
-                <a:gd name="T81" fmla="*/ 0 60000 65536"/>
-                <a:gd name="T82" fmla="*/ 0 60000 65536"/>
-                <a:gd name="T83" fmla="*/ 0 60000 65536"/>
-                <a:gd name="T84" fmla="*/ 0 60000 65536"/>
-                <a:gd name="T85" fmla="*/ 0 60000 65536"/>
-                <a:gd name="T86" fmla="*/ 0 60000 65536"/>
-                <a:gd name="T87" fmla="*/ 0 60000 65536"/>
-                <a:gd name="T88" fmla="*/ 0 60000 65536"/>
-                <a:gd name="T89" fmla="*/ 0 60000 65536"/>
-                <a:gd name="T90" fmla="*/ 0 60000 65536"/>
-                <a:gd name="T91" fmla="*/ 0 60000 65536"/>
-                <a:gd name="T92" fmla="*/ 0 60000 65536"/>
-                <a:gd name="T93" fmla="*/ 0 60000 65536"/>
-                <a:gd name="T94" fmla="*/ 0 60000 65536"/>
-                <a:gd name="T95" fmla="*/ 0 60000 65536"/>
-                <a:gd name="T96" fmla="*/ 0 60000 65536"/>
-                <a:gd name="T97" fmla="*/ 0 60000 65536"/>
-                <a:gd name="T98" fmla="*/ 0 60000 65536"/>
-                <a:gd name="T99" fmla="*/ 0 60000 65536"/>
-                <a:gd name="T100" fmla="*/ 0 60000 65536"/>
-                <a:gd name="T101" fmla="*/ 0 60000 65536"/>
-                <a:gd name="T102" fmla="*/ 0 60000 65536"/>
-                <a:gd name="T103" fmla="*/ 0 60000 65536"/>
-                <a:gd name="T104" fmla="*/ 0 60000 65536"/>
-                <a:gd name="T105" fmla="*/ 0 60000 65536"/>
-                <a:gd name="T106" fmla="*/ 0 60000 65536"/>
-                <a:gd name="T107" fmla="*/ 0 60000 65536"/>
-                <a:gd name="T108" fmla="*/ 0 60000 65536"/>
-                <a:gd name="T109" fmla="*/ 0 60000 65536"/>
-                <a:gd name="T110" fmla="*/ 0 60000 65536"/>
-                <a:gd name="T111" fmla="*/ 0 60000 65536"/>
-                <a:gd name="T112" fmla="*/ 0 60000 65536"/>
-                <a:gd name="T113" fmla="*/ 0 60000 65536"/>
-                <a:gd name="T114" fmla="*/ 0 w 182"/>
-                <a:gd name="T115" fmla="*/ 0 h 346"/>
-                <a:gd name="T116" fmla="*/ 182 w 182"/>
-                <a:gd name="T117" fmla="*/ 346 h 346"/>
-              </a:gdLst>
-              <a:ahLst/>
-              <a:cxnLst>
-                <a:cxn ang="T76">
-                  <a:pos x="T0" y="T1"/>
-                </a:cxn>
-                <a:cxn ang="T77">
-                  <a:pos x="T2" y="T3"/>
-                </a:cxn>
-                <a:cxn ang="T78">
-                  <a:pos x="T4" y="T5"/>
-                </a:cxn>
-                <a:cxn ang="T79">
-                  <a:pos x="T6" y="T7"/>
-                </a:cxn>
-                <a:cxn ang="T80">
-                  <a:pos x="T8" y="T9"/>
-                </a:cxn>
-                <a:cxn ang="T81">
-                  <a:pos x="T10" y="T11"/>
-                </a:cxn>
-                <a:cxn ang="T82">
-                  <a:pos x="T12" y="T13"/>
-                </a:cxn>
-                <a:cxn ang="T83">
-                  <a:pos x="T14" y="T15"/>
-                </a:cxn>
-                <a:cxn ang="T84">
-                  <a:pos x="T16" y="T17"/>
-                </a:cxn>
-                <a:cxn ang="T85">
-                  <a:pos x="T18" y="T19"/>
-                </a:cxn>
-                <a:cxn ang="T86">
-                  <a:pos x="T20" y="T21"/>
-                </a:cxn>
-                <a:cxn ang="T87">
-                  <a:pos x="T22" y="T23"/>
-                </a:cxn>
-                <a:cxn ang="T88">
-                  <a:pos x="T24" y="T25"/>
-                </a:cxn>
-                <a:cxn ang="T89">
-                  <a:pos x="T26" y="T27"/>
-                </a:cxn>
-                <a:cxn ang="T90">
-                  <a:pos x="T28" y="T29"/>
-                </a:cxn>
-                <a:cxn ang="T91">
-                  <a:pos x="T30" y="T31"/>
-                </a:cxn>
-                <a:cxn ang="T92">
-                  <a:pos x="T32" y="T33"/>
-                </a:cxn>
-                <a:cxn ang="T93">
-                  <a:pos x="T34" y="T35"/>
-                </a:cxn>
-                <a:cxn ang="T94">
-                  <a:pos x="T36" y="T37"/>
-                </a:cxn>
-                <a:cxn ang="T95">
-                  <a:pos x="T38" y="T39"/>
-                </a:cxn>
-                <a:cxn ang="T96">
-                  <a:pos x="T40" y="T41"/>
-                </a:cxn>
-                <a:cxn ang="T97">
-                  <a:pos x="T42" y="T43"/>
-                </a:cxn>
-                <a:cxn ang="T98">
-                  <a:pos x="T44" y="T45"/>
-                </a:cxn>
-                <a:cxn ang="T99">
-                  <a:pos x="T46" y="T47"/>
-                </a:cxn>
-                <a:cxn ang="T100">
-                  <a:pos x="T48" y="T49"/>
-                </a:cxn>
-                <a:cxn ang="T101">
-                  <a:pos x="T50" y="T51"/>
-                </a:cxn>
-                <a:cxn ang="T102">
-                  <a:pos x="T52" y="T53"/>
-                </a:cxn>
-                <a:cxn ang="T103">
-                  <a:pos x="T54" y="T55"/>
-                </a:cxn>
-                <a:cxn ang="T104">
-                  <a:pos x="T56" y="T57"/>
-                </a:cxn>
-                <a:cxn ang="T105">
-                  <a:pos x="T58" y="T59"/>
-                </a:cxn>
-                <a:cxn ang="T106">
-                  <a:pos x="T60" y="T61"/>
-                </a:cxn>
-                <a:cxn ang="T107">
-                  <a:pos x="T62" y="T63"/>
-                </a:cxn>
-                <a:cxn ang="T108">
-                  <a:pos x="T64" y="T65"/>
-                </a:cxn>
-                <a:cxn ang="T109">
-                  <a:pos x="T66" y="T67"/>
-                </a:cxn>
-                <a:cxn ang="T110">
-                  <a:pos x="T68" y="T69"/>
-                </a:cxn>
-                <a:cxn ang="T111">
-                  <a:pos x="T70" y="T71"/>
-                </a:cxn>
-                <a:cxn ang="T112">
-                  <a:pos x="T72" y="T73"/>
-                </a:cxn>
-                <a:cxn ang="T113">
-                  <a:pos x="T74" y="T75"/>
-                </a:cxn>
-              </a:cxnLst>
-              <a:rect l="T114" t="T115" r="T116" b="T117"/>
-              <a:pathLst>
-                <a:path w="182" h="346">
-                  <a:moveTo>
-                    <a:pt x="180" y="0"/>
-                  </a:moveTo>
-                  <a:lnTo>
-                    <a:pt x="180" y="274"/>
-                  </a:lnTo>
-                  <a:lnTo>
-                    <a:pt x="182" y="342"/>
-                  </a:lnTo>
-                  <a:lnTo>
-                    <a:pt x="130" y="342"/>
-                  </a:lnTo>
-                  <a:lnTo>
-                    <a:pt x="126" y="314"/>
-                  </a:lnTo>
-                  <a:lnTo>
-                    <a:pt x="118" y="328"/>
-                  </a:lnTo>
-                  <a:lnTo>
-                    <a:pt x="106" y="338"/>
-                  </a:lnTo>
-                  <a:lnTo>
-                    <a:pt x="92" y="344"/>
-                  </a:lnTo>
-                  <a:lnTo>
-                    <a:pt x="84" y="346"/>
-                  </a:lnTo>
-                  <a:lnTo>
-                    <a:pt x="76" y="346"/>
-                  </a:lnTo>
-                  <a:lnTo>
-                    <a:pt x="66" y="346"/>
-                  </a:lnTo>
-                  <a:lnTo>
-                    <a:pt x="58" y="344"/>
-                  </a:lnTo>
-                  <a:lnTo>
-                    <a:pt x="50" y="342"/>
-                  </a:lnTo>
-                  <a:lnTo>
-                    <a:pt x="42" y="338"/>
-                  </a:lnTo>
-                  <a:lnTo>
-                    <a:pt x="30" y="326"/>
-                  </a:lnTo>
-                  <a:lnTo>
-                    <a:pt x="20" y="310"/>
-                  </a:lnTo>
-                  <a:lnTo>
-                    <a:pt x="12" y="292"/>
-                  </a:lnTo>
-                  <a:lnTo>
-                    <a:pt x="6" y="272"/>
-                  </a:lnTo>
-                  <a:lnTo>
-                    <a:pt x="2" y="248"/>
-                  </a:lnTo>
-                  <a:lnTo>
-                    <a:pt x="0" y="222"/>
-                  </a:lnTo>
-                  <a:lnTo>
-                    <a:pt x="2" y="192"/>
-                  </a:lnTo>
-                  <a:lnTo>
-                    <a:pt x="6" y="168"/>
-                  </a:lnTo>
-                  <a:lnTo>
-                    <a:pt x="14" y="146"/>
-                  </a:lnTo>
-                  <a:lnTo>
-                    <a:pt x="24" y="128"/>
-                  </a:lnTo>
-                  <a:lnTo>
-                    <a:pt x="36" y="114"/>
-                  </a:lnTo>
-                  <a:lnTo>
-                    <a:pt x="48" y="106"/>
-                  </a:lnTo>
-                  <a:lnTo>
-                    <a:pt x="62" y="100"/>
-                  </a:lnTo>
-                  <a:lnTo>
-                    <a:pt x="78" y="98"/>
-                  </a:lnTo>
-                  <a:lnTo>
-                    <a:pt x="92" y="100"/>
-                  </a:lnTo>
-                  <a:lnTo>
-                    <a:pt x="104" y="104"/>
-                  </a:lnTo>
-                  <a:lnTo>
-                    <a:pt x="112" y="112"/>
-                  </a:lnTo>
-                  <a:lnTo>
-                    <a:pt x="118" y="122"/>
-                  </a:lnTo>
-                  <a:lnTo>
-                    <a:pt x="120" y="122"/>
-                  </a:lnTo>
-                  <a:lnTo>
-                    <a:pt x="120" y="0"/>
-                  </a:lnTo>
-                  <a:lnTo>
-                    <a:pt x="180" y="0"/>
-                  </a:lnTo>
-                  <a:close/>
-                  <a:moveTo>
-                    <a:pt x="120" y="194"/>
-                  </a:moveTo>
-                  <a:lnTo>
-                    <a:pt x="120" y="194"/>
-                  </a:lnTo>
-                  <a:lnTo>
-                    <a:pt x="120" y="180"/>
-                  </a:lnTo>
-                  <a:lnTo>
-                    <a:pt x="116" y="168"/>
-                  </a:lnTo>
-                  <a:lnTo>
-                    <a:pt x="110" y="158"/>
-                  </a:lnTo>
-                  <a:lnTo>
-                    <a:pt x="104" y="150"/>
-                  </a:lnTo>
-                  <a:lnTo>
-                    <a:pt x="98" y="148"/>
-                  </a:lnTo>
-                  <a:lnTo>
-                    <a:pt x="94" y="148"/>
-                  </a:lnTo>
-                  <a:lnTo>
-                    <a:pt x="86" y="150"/>
-                  </a:lnTo>
-                  <a:lnTo>
-                    <a:pt x="78" y="154"/>
-                  </a:lnTo>
-                  <a:lnTo>
-                    <a:pt x="72" y="162"/>
-                  </a:lnTo>
-                  <a:lnTo>
-                    <a:pt x="68" y="170"/>
-                  </a:lnTo>
-                  <a:lnTo>
-                    <a:pt x="64" y="182"/>
-                  </a:lnTo>
-                  <a:lnTo>
-                    <a:pt x="62" y="194"/>
-                  </a:lnTo>
-                  <a:lnTo>
-                    <a:pt x="60" y="224"/>
-                  </a:lnTo>
-                  <a:lnTo>
-                    <a:pt x="62" y="240"/>
-                  </a:lnTo>
-                  <a:lnTo>
-                    <a:pt x="64" y="254"/>
-                  </a:lnTo>
-                  <a:lnTo>
-                    <a:pt x="66" y="268"/>
-                  </a:lnTo>
-                  <a:lnTo>
-                    <a:pt x="70" y="278"/>
-                  </a:lnTo>
-                  <a:lnTo>
-                    <a:pt x="74" y="286"/>
-                  </a:lnTo>
-                  <a:lnTo>
-                    <a:pt x="80" y="292"/>
-                  </a:lnTo>
-                  <a:lnTo>
-                    <a:pt x="86" y="296"/>
-                  </a:lnTo>
-                  <a:lnTo>
-                    <a:pt x="92" y="298"/>
-                  </a:lnTo>
-                  <a:lnTo>
-                    <a:pt x="100" y="296"/>
-                  </a:lnTo>
-                  <a:lnTo>
-                    <a:pt x="106" y="292"/>
-                  </a:lnTo>
-                  <a:lnTo>
-                    <a:pt x="112" y="284"/>
-                  </a:lnTo>
-                  <a:lnTo>
-                    <a:pt x="118" y="272"/>
-                  </a:lnTo>
-                  <a:lnTo>
-                    <a:pt x="120" y="266"/>
-                  </a:lnTo>
-                  <a:lnTo>
-                    <a:pt x="120" y="258"/>
-                  </a:lnTo>
-                  <a:lnTo>
-                    <a:pt x="120" y="194"/>
-                  </a:lnTo>
-                  <a:close/>
-                </a:path>
-              </a:pathLst>
-            </a:custGeom>
-            <a:solidFill>
-              <a:srgbClr val="FFFFFF"/>
-            </a:solidFill>
-            <a:ln w="9525">
-              <a:noFill/>
-              <a:round/>
-              <a:headEnd/>
-              <a:tailEnd/>
-            </a:ln>
-          </p:spPr>
-          <p:txBody>
-            <a:bodyPr/>
-            <a:lstStyle/>
-            <a:p>
-              <a:endParaRPr lang="en-US">
-                <a:solidFill>
-                  <a:srgbClr val="FFFFFF"/>
-                </a:solidFill>
-              </a:endParaRPr>
-            </a:p>
-          </p:txBody>
-        </p:sp>
-        <p:sp>
-          <p:nvSpPr>
-            <p:cNvPr id="13" name="Freeform 12"/>
-            <p:cNvSpPr>
-              <a:spLocks noEditPoints="1"/>
-            </p:cNvSpPr>
-            <p:nvPr/>
-          </p:nvSpPr>
-          <p:spPr bwMode="auto">
-            <a:xfrm>
-              <a:off x="8865840" y="6741467"/>
-              <a:ext cx="31171" cy="44022"/>
-            </a:xfrm>
-            <a:custGeom>
-              <a:avLst/>
-              <a:gdLst>
-                <a:gd name="T0" fmla="*/ 627434408 w 182"/>
-                <a:gd name="T1" fmla="*/ 1930842020 h 248"/>
-                <a:gd name="T2" fmla="*/ 376467904 w 182"/>
-                <a:gd name="T3" fmla="*/ 1868540196 h 248"/>
-                <a:gd name="T4" fmla="*/ 167323101 w 182"/>
-                <a:gd name="T5" fmla="*/ 1681713805 h 248"/>
-                <a:gd name="T6" fmla="*/ 41821701 w 182"/>
-                <a:gd name="T7" fmla="*/ 1385839502 h 248"/>
-                <a:gd name="T8" fmla="*/ 0 w 182"/>
-                <a:gd name="T9" fmla="*/ 965440631 h 248"/>
-                <a:gd name="T10" fmla="*/ 13940631 w 182"/>
-                <a:gd name="T11" fmla="*/ 731868152 h 248"/>
-                <a:gd name="T12" fmla="*/ 111560960 w 182"/>
-                <a:gd name="T13" fmla="*/ 358136488 h 248"/>
-                <a:gd name="T14" fmla="*/ 292788014 w 182"/>
-                <a:gd name="T15" fmla="*/ 124564206 h 248"/>
-                <a:gd name="T16" fmla="*/ 515873448 w 182"/>
-                <a:gd name="T17" fmla="*/ 15555735 h 248"/>
-                <a:gd name="T18" fmla="*/ 641374848 w 182"/>
-                <a:gd name="T19" fmla="*/ 0 h 248"/>
-                <a:gd name="T20" fmla="*/ 906281982 w 182"/>
-                <a:gd name="T21" fmla="*/ 62301626 h 248"/>
-                <a:gd name="T22" fmla="*/ 1101486154 w 182"/>
-                <a:gd name="T23" fmla="*/ 249128215 h 248"/>
-                <a:gd name="T24" fmla="*/ 1226987554 w 182"/>
-                <a:gd name="T25" fmla="*/ 560558055 h 248"/>
-                <a:gd name="T26" fmla="*/ 1268809256 w 182"/>
-                <a:gd name="T27" fmla="*/ 965440631 h 248"/>
-                <a:gd name="T28" fmla="*/ 1254868816 w 182"/>
-                <a:gd name="T29" fmla="*/ 1105560573 h 248"/>
-                <a:gd name="T30" fmla="*/ 1226987554 w 182"/>
-                <a:gd name="T31" fmla="*/ 1339133053 h 248"/>
-                <a:gd name="T32" fmla="*/ 1171225413 w 182"/>
-                <a:gd name="T33" fmla="*/ 1525998687 h 248"/>
-                <a:gd name="T34" fmla="*/ 1087545523 w 182"/>
-                <a:gd name="T35" fmla="*/ 1681713805 h 248"/>
-                <a:gd name="T36" fmla="*/ 948103493 w 182"/>
-                <a:gd name="T37" fmla="*/ 1837428725 h 248"/>
-                <a:gd name="T38" fmla="*/ 738958881 w 182"/>
-                <a:gd name="T39" fmla="*/ 1930842020 h 248"/>
-                <a:gd name="T40" fmla="*/ 627434408 w 182"/>
-                <a:gd name="T41" fmla="*/ 1930842020 h 248"/>
-                <a:gd name="T42" fmla="*/ 641374848 w 182"/>
-                <a:gd name="T43" fmla="*/ 1572705334 h 248"/>
-                <a:gd name="T44" fmla="*/ 738958881 w 182"/>
-                <a:gd name="T45" fmla="*/ 1525998687 h 248"/>
-                <a:gd name="T46" fmla="*/ 794757509 w 182"/>
-                <a:gd name="T47" fmla="*/ 1370283766 h 248"/>
-                <a:gd name="T48" fmla="*/ 836579211 w 182"/>
-                <a:gd name="T49" fmla="*/ 965440631 h 248"/>
-                <a:gd name="T50" fmla="*/ 836579211 w 182"/>
-                <a:gd name="T51" fmla="*/ 762979821 h 248"/>
-                <a:gd name="T52" fmla="*/ 794757509 w 182"/>
-                <a:gd name="T53" fmla="*/ 560558055 h 248"/>
-                <a:gd name="T54" fmla="*/ 738958881 w 182"/>
-                <a:gd name="T55" fmla="*/ 404843135 h 248"/>
-                <a:gd name="T56" fmla="*/ 627434408 w 182"/>
-                <a:gd name="T57" fmla="*/ 358136488 h 248"/>
-                <a:gd name="T58" fmla="*/ 571672076 w 182"/>
-                <a:gd name="T59" fmla="*/ 373692421 h 248"/>
-                <a:gd name="T60" fmla="*/ 487992377 w 182"/>
-                <a:gd name="T61" fmla="*/ 482700694 h 248"/>
-                <a:gd name="T62" fmla="*/ 446170676 w 182"/>
-                <a:gd name="T63" fmla="*/ 654010791 h 248"/>
-                <a:gd name="T64" fmla="*/ 418289605 w 182"/>
-                <a:gd name="T65" fmla="*/ 965440631 h 248"/>
-                <a:gd name="T66" fmla="*/ 432230045 w 182"/>
-                <a:gd name="T67" fmla="*/ 1198973868 h 248"/>
-                <a:gd name="T68" fmla="*/ 460111307 w 182"/>
-                <a:gd name="T69" fmla="*/ 1385839502 h 248"/>
-                <a:gd name="T70" fmla="*/ 529850566 w 182"/>
-                <a:gd name="T71" fmla="*/ 1525998687 h 248"/>
-                <a:gd name="T72" fmla="*/ 641374848 w 182"/>
-                <a:gd name="T73" fmla="*/ 1572705334 h 248"/>
-                <a:gd name="T74" fmla="*/ 0 60000 65536"/>
-                <a:gd name="T75" fmla="*/ 0 60000 65536"/>
-                <a:gd name="T76" fmla="*/ 0 60000 65536"/>
-                <a:gd name="T77" fmla="*/ 0 60000 65536"/>
-                <a:gd name="T78" fmla="*/ 0 60000 65536"/>
-                <a:gd name="T79" fmla="*/ 0 60000 65536"/>
-                <a:gd name="T80" fmla="*/ 0 60000 65536"/>
-                <a:gd name="T81" fmla="*/ 0 60000 65536"/>
-                <a:gd name="T82" fmla="*/ 0 60000 65536"/>
-                <a:gd name="T83" fmla="*/ 0 60000 65536"/>
-                <a:gd name="T84" fmla="*/ 0 60000 65536"/>
-                <a:gd name="T85" fmla="*/ 0 60000 65536"/>
-                <a:gd name="T86" fmla="*/ 0 60000 65536"/>
-                <a:gd name="T87" fmla="*/ 0 60000 65536"/>
-                <a:gd name="T88" fmla="*/ 0 60000 65536"/>
-                <a:gd name="T89" fmla="*/ 0 60000 65536"/>
-                <a:gd name="T90" fmla="*/ 0 60000 65536"/>
-                <a:gd name="T91" fmla="*/ 0 60000 65536"/>
-                <a:gd name="T92" fmla="*/ 0 60000 65536"/>
-                <a:gd name="T93" fmla="*/ 0 60000 65536"/>
-                <a:gd name="T94" fmla="*/ 0 60000 65536"/>
-                <a:gd name="T95" fmla="*/ 0 60000 65536"/>
-                <a:gd name="T96" fmla="*/ 0 60000 65536"/>
-                <a:gd name="T97" fmla="*/ 0 60000 65536"/>
-                <a:gd name="T98" fmla="*/ 0 60000 65536"/>
-                <a:gd name="T99" fmla="*/ 0 60000 65536"/>
-                <a:gd name="T100" fmla="*/ 0 60000 65536"/>
-                <a:gd name="T101" fmla="*/ 0 60000 65536"/>
-                <a:gd name="T102" fmla="*/ 0 60000 65536"/>
-                <a:gd name="T103" fmla="*/ 0 60000 65536"/>
-                <a:gd name="T104" fmla="*/ 0 60000 65536"/>
-                <a:gd name="T105" fmla="*/ 0 60000 65536"/>
-                <a:gd name="T106" fmla="*/ 0 60000 65536"/>
-                <a:gd name="T107" fmla="*/ 0 60000 65536"/>
-                <a:gd name="T108" fmla="*/ 0 60000 65536"/>
-                <a:gd name="T109" fmla="*/ 0 60000 65536"/>
-                <a:gd name="T110" fmla="*/ 0 60000 65536"/>
-                <a:gd name="T111" fmla="*/ 0 w 182"/>
-                <a:gd name="T112" fmla="*/ 0 h 248"/>
-                <a:gd name="T113" fmla="*/ 182 w 182"/>
-                <a:gd name="T114" fmla="*/ 248 h 248"/>
-              </a:gdLst>
-              <a:ahLst/>
-              <a:cxnLst>
-                <a:cxn ang="T74">
-                  <a:pos x="T0" y="T1"/>
-                </a:cxn>
-                <a:cxn ang="T75">
-                  <a:pos x="T2" y="T3"/>
-                </a:cxn>
-                <a:cxn ang="T76">
-                  <a:pos x="T4" y="T5"/>
-                </a:cxn>
-                <a:cxn ang="T77">
-                  <a:pos x="T6" y="T7"/>
-                </a:cxn>
-                <a:cxn ang="T78">
-                  <a:pos x="T8" y="T9"/>
-                </a:cxn>
-                <a:cxn ang="T79">
-                  <a:pos x="T10" y="T11"/>
-                </a:cxn>
-                <a:cxn ang="T80">
-                  <a:pos x="T12" y="T13"/>
-                </a:cxn>
-                <a:cxn ang="T81">
-                  <a:pos x="T14" y="T15"/>
-                </a:cxn>
-                <a:cxn ang="T82">
-                  <a:pos x="T16" y="T17"/>
-                </a:cxn>
-                <a:cxn ang="T83">
-                  <a:pos x="T18" y="T19"/>
-                </a:cxn>
-                <a:cxn ang="T84">
-                  <a:pos x="T20" y="T21"/>
-                </a:cxn>
-                <a:cxn ang="T85">
-                  <a:pos x="T22" y="T23"/>
-                </a:cxn>
-                <a:cxn ang="T86">
-                  <a:pos x="T24" y="T25"/>
-                </a:cxn>
-                <a:cxn ang="T87">
-                  <a:pos x="T26" y="T27"/>
-                </a:cxn>
-                <a:cxn ang="T88">
-                  <a:pos x="T28" y="T29"/>
-                </a:cxn>
-                <a:cxn ang="T89">
-                  <a:pos x="T30" y="T31"/>
-                </a:cxn>
-                <a:cxn ang="T90">
-                  <a:pos x="T32" y="T33"/>
-                </a:cxn>
-                <a:cxn ang="T91">
-                  <a:pos x="T34" y="T35"/>
-                </a:cxn>
-                <a:cxn ang="T92">
-                  <a:pos x="T36" y="T37"/>
-                </a:cxn>
-                <a:cxn ang="T93">
-                  <a:pos x="T38" y="T39"/>
-                </a:cxn>
-                <a:cxn ang="T94">
-                  <a:pos x="T40" y="T41"/>
-                </a:cxn>
-                <a:cxn ang="T95">
-                  <a:pos x="T42" y="T43"/>
-                </a:cxn>
-                <a:cxn ang="T96">
-                  <a:pos x="T44" y="T45"/>
-                </a:cxn>
-                <a:cxn ang="T97">
-                  <a:pos x="T46" y="T47"/>
-                </a:cxn>
-                <a:cxn ang="T98">
-                  <a:pos x="T48" y="T49"/>
-                </a:cxn>
-                <a:cxn ang="T99">
-                  <a:pos x="T50" y="T51"/>
-                </a:cxn>
-                <a:cxn ang="T100">
-                  <a:pos x="T52" y="T53"/>
-                </a:cxn>
-                <a:cxn ang="T101">
-                  <a:pos x="T54" y="T55"/>
-                </a:cxn>
-                <a:cxn ang="T102">
-                  <a:pos x="T56" y="T57"/>
-                </a:cxn>
-                <a:cxn ang="T103">
-                  <a:pos x="T58" y="T59"/>
-                </a:cxn>
-                <a:cxn ang="T104">
-                  <a:pos x="T60" y="T61"/>
-                </a:cxn>
-                <a:cxn ang="T105">
-                  <a:pos x="T62" y="T63"/>
-                </a:cxn>
-                <a:cxn ang="T106">
-                  <a:pos x="T64" y="T65"/>
-                </a:cxn>
-                <a:cxn ang="T107">
-                  <a:pos x="T66" y="T67"/>
-                </a:cxn>
-                <a:cxn ang="T108">
-                  <a:pos x="T68" y="T69"/>
-                </a:cxn>
-                <a:cxn ang="T109">
-                  <a:pos x="T70" y="T71"/>
-                </a:cxn>
-                <a:cxn ang="T110">
-                  <a:pos x="T72" y="T73"/>
-                </a:cxn>
-              </a:cxnLst>
-              <a:rect l="T111" t="T112" r="T113" b="T114"/>
-              <a:pathLst>
-                <a:path w="182" h="248">
-                  <a:moveTo>
-                    <a:pt x="90" y="248"/>
-                  </a:moveTo>
-                  <a:lnTo>
-                    <a:pt x="90" y="248"/>
-                  </a:lnTo>
-                  <a:lnTo>
-                    <a:pt x="70" y="246"/>
-                  </a:lnTo>
-                  <a:lnTo>
-                    <a:pt x="54" y="240"/>
-                  </a:lnTo>
-                  <a:lnTo>
-                    <a:pt x="38" y="230"/>
-                  </a:lnTo>
-                  <a:lnTo>
-                    <a:pt x="24" y="216"/>
-                  </a:lnTo>
-                  <a:lnTo>
-                    <a:pt x="14" y="198"/>
-                  </a:lnTo>
-                  <a:lnTo>
-                    <a:pt x="6" y="178"/>
-                  </a:lnTo>
-                  <a:lnTo>
-                    <a:pt x="2" y="152"/>
-                  </a:lnTo>
-                  <a:lnTo>
-                    <a:pt x="0" y="124"/>
-                  </a:lnTo>
-                  <a:lnTo>
-                    <a:pt x="2" y="94"/>
-                  </a:lnTo>
-                  <a:lnTo>
-                    <a:pt x="8" y="68"/>
-                  </a:lnTo>
-                  <a:lnTo>
-                    <a:pt x="16" y="46"/>
-                  </a:lnTo>
-                  <a:lnTo>
-                    <a:pt x="28" y="30"/>
-                  </a:lnTo>
-                  <a:lnTo>
-                    <a:pt x="42" y="16"/>
-                  </a:lnTo>
-                  <a:lnTo>
-                    <a:pt x="58" y="6"/>
-                  </a:lnTo>
-                  <a:lnTo>
-                    <a:pt x="74" y="2"/>
-                  </a:lnTo>
-                  <a:lnTo>
-                    <a:pt x="92" y="0"/>
-                  </a:lnTo>
-                  <a:lnTo>
-                    <a:pt x="112" y="2"/>
-                  </a:lnTo>
-                  <a:lnTo>
-                    <a:pt x="130" y="8"/>
-                  </a:lnTo>
-                  <a:lnTo>
-                    <a:pt x="144" y="18"/>
-                  </a:lnTo>
-                  <a:lnTo>
-                    <a:pt x="158" y="32"/>
-                  </a:lnTo>
-                  <a:lnTo>
-                    <a:pt x="168" y="50"/>
-                  </a:lnTo>
-                  <a:lnTo>
-                    <a:pt x="176" y="72"/>
-                  </a:lnTo>
-                  <a:lnTo>
-                    <a:pt x="180" y="96"/>
-                  </a:lnTo>
-                  <a:lnTo>
-                    <a:pt x="182" y="124"/>
-                  </a:lnTo>
-                  <a:lnTo>
-                    <a:pt x="180" y="142"/>
-                  </a:lnTo>
-                  <a:lnTo>
-                    <a:pt x="178" y="158"/>
-                  </a:lnTo>
-                  <a:lnTo>
-                    <a:pt x="176" y="172"/>
-                  </a:lnTo>
-                  <a:lnTo>
-                    <a:pt x="172" y="184"/>
-                  </a:lnTo>
-                  <a:lnTo>
-                    <a:pt x="168" y="196"/>
-                  </a:lnTo>
-                  <a:lnTo>
-                    <a:pt x="162" y="206"/>
-                  </a:lnTo>
-                  <a:lnTo>
-                    <a:pt x="156" y="216"/>
-                  </a:lnTo>
-                  <a:lnTo>
-                    <a:pt x="150" y="224"/>
-                  </a:lnTo>
-                  <a:lnTo>
-                    <a:pt x="136" y="236"/>
-                  </a:lnTo>
-                  <a:lnTo>
-                    <a:pt x="120" y="244"/>
-                  </a:lnTo>
-                  <a:lnTo>
-                    <a:pt x="106" y="248"/>
-                  </a:lnTo>
-                  <a:lnTo>
-                    <a:pt x="92" y="248"/>
-                  </a:lnTo>
-                  <a:lnTo>
-                    <a:pt x="90" y="248"/>
-                  </a:lnTo>
-                  <a:close/>
-                  <a:moveTo>
-                    <a:pt x="92" y="202"/>
-                  </a:moveTo>
-                  <a:lnTo>
-                    <a:pt x="92" y="202"/>
-                  </a:lnTo>
-                  <a:lnTo>
-                    <a:pt x="100" y="200"/>
-                  </a:lnTo>
-                  <a:lnTo>
-                    <a:pt x="106" y="196"/>
-                  </a:lnTo>
-                  <a:lnTo>
-                    <a:pt x="112" y="188"/>
-                  </a:lnTo>
-                  <a:lnTo>
-                    <a:pt x="114" y="176"/>
-                  </a:lnTo>
-                  <a:lnTo>
-                    <a:pt x="120" y="152"/>
-                  </a:lnTo>
-                  <a:lnTo>
-                    <a:pt x="120" y="124"/>
-                  </a:lnTo>
-                  <a:lnTo>
-                    <a:pt x="120" y="98"/>
-                  </a:lnTo>
-                  <a:lnTo>
-                    <a:pt x="118" y="84"/>
-                  </a:lnTo>
-                  <a:lnTo>
-                    <a:pt x="114" y="72"/>
-                  </a:lnTo>
-                  <a:lnTo>
-                    <a:pt x="110" y="62"/>
-                  </a:lnTo>
-                  <a:lnTo>
-                    <a:pt x="106" y="52"/>
-                  </a:lnTo>
-                  <a:lnTo>
-                    <a:pt x="100" y="48"/>
-                  </a:lnTo>
-                  <a:lnTo>
-                    <a:pt x="90" y="46"/>
-                  </a:lnTo>
-                  <a:lnTo>
-                    <a:pt x="82" y="48"/>
-                  </a:lnTo>
-                  <a:lnTo>
-                    <a:pt x="76" y="52"/>
-                  </a:lnTo>
-                  <a:lnTo>
-                    <a:pt x="70" y="62"/>
-                  </a:lnTo>
-                  <a:lnTo>
-                    <a:pt x="66" y="72"/>
-                  </a:lnTo>
-                  <a:lnTo>
-                    <a:pt x="64" y="84"/>
-                  </a:lnTo>
-                  <a:lnTo>
-                    <a:pt x="62" y="98"/>
-                  </a:lnTo>
-                  <a:lnTo>
-                    <a:pt x="60" y="124"/>
-                  </a:lnTo>
-                  <a:lnTo>
-                    <a:pt x="62" y="154"/>
-                  </a:lnTo>
-                  <a:lnTo>
-                    <a:pt x="64" y="166"/>
-                  </a:lnTo>
-                  <a:lnTo>
-                    <a:pt x="66" y="178"/>
-                  </a:lnTo>
-                  <a:lnTo>
-                    <a:pt x="70" y="188"/>
-                  </a:lnTo>
-                  <a:lnTo>
-                    <a:pt x="76" y="196"/>
-                  </a:lnTo>
-                  <a:lnTo>
-                    <a:pt x="82" y="200"/>
-                  </a:lnTo>
-                  <a:lnTo>
-                    <a:pt x="92" y="202"/>
-                  </a:lnTo>
-                  <a:close/>
-                </a:path>
-              </a:pathLst>
-            </a:custGeom>
-            <a:solidFill>
-              <a:srgbClr val="FFFFFF"/>
-            </a:solidFill>
-            <a:ln w="9525">
-              <a:noFill/>
-              <a:round/>
-              <a:headEnd/>
-              <a:tailEnd/>
-            </a:ln>
-          </p:spPr>
-          <p:txBody>
-            <a:bodyPr/>
-            <a:lstStyle/>
-            <a:p>
-              <a:endParaRPr lang="en-US">
-                <a:solidFill>
-                  <a:srgbClr val="FFFFFF"/>
-                </a:solidFill>
-              </a:endParaRPr>
-            </a:p>
-          </p:txBody>
-        </p:sp>
-        <p:sp>
-          <p:nvSpPr>
-            <p:cNvPr id="14" name="Freeform 13"/>
-            <p:cNvSpPr>
-              <a:spLocks noEditPoints="1"/>
-            </p:cNvSpPr>
-            <p:nvPr/>
-          </p:nvSpPr>
-          <p:spPr bwMode="auto">
-            <a:xfrm>
-              <a:off x="8904535" y="6724288"/>
-              <a:ext cx="31171" cy="61201"/>
-            </a:xfrm>
-            <a:custGeom>
-              <a:avLst/>
-              <a:gdLst>
-                <a:gd name="T0" fmla="*/ 432230045 w 182"/>
-                <a:gd name="T1" fmla="*/ 0 h 346"/>
-                <a:gd name="T2" fmla="*/ 432230045 w 182"/>
-                <a:gd name="T3" fmla="*/ 970670630 h 346"/>
-                <a:gd name="T4" fmla="*/ 501932817 w 182"/>
-                <a:gd name="T5" fmla="*/ 878225818 h 346"/>
-                <a:gd name="T6" fmla="*/ 669256109 w 182"/>
-                <a:gd name="T7" fmla="*/ 770373438 h 346"/>
-                <a:gd name="T8" fmla="*/ 780816879 w 182"/>
-                <a:gd name="T9" fmla="*/ 754966068 h 346"/>
-                <a:gd name="T10" fmla="*/ 892341352 w 182"/>
-                <a:gd name="T11" fmla="*/ 770373438 h 346"/>
-                <a:gd name="T12" fmla="*/ 1073605084 w 182"/>
-                <a:gd name="T13" fmla="*/ 909040755 h 346"/>
-                <a:gd name="T14" fmla="*/ 1199106484 w 182"/>
-                <a:gd name="T15" fmla="*/ 1140152688 h 346"/>
-                <a:gd name="T16" fmla="*/ 1254868816 w 182"/>
-                <a:gd name="T17" fmla="*/ 1479117000 h 346"/>
-                <a:gd name="T18" fmla="*/ 1268809256 w 182"/>
-                <a:gd name="T19" fmla="*/ 1664006625 h 346"/>
-                <a:gd name="T20" fmla="*/ 1226987554 w 182"/>
-                <a:gd name="T21" fmla="*/ 2095415750 h 346"/>
-                <a:gd name="T22" fmla="*/ 1101486154 w 182"/>
-                <a:gd name="T23" fmla="*/ 2147483647 h 346"/>
-                <a:gd name="T24" fmla="*/ 934163053 w 182"/>
-                <a:gd name="T25" fmla="*/ 2147483647 h 346"/>
-                <a:gd name="T26" fmla="*/ 725018250 w 182"/>
-                <a:gd name="T27" fmla="*/ 2147483647 h 346"/>
-                <a:gd name="T28" fmla="*/ 613493777 w 182"/>
-                <a:gd name="T29" fmla="*/ 2147483647 h 346"/>
-                <a:gd name="T30" fmla="*/ 460111307 w 182"/>
-                <a:gd name="T31" fmla="*/ 2147483647 h 346"/>
-                <a:gd name="T32" fmla="*/ 376467904 w 182"/>
-                <a:gd name="T33" fmla="*/ 2147483647 h 346"/>
-                <a:gd name="T34" fmla="*/ 0 w 182"/>
-                <a:gd name="T35" fmla="*/ 2147483647 h 346"/>
-                <a:gd name="T36" fmla="*/ 13940631 w 182"/>
-                <a:gd name="T37" fmla="*/ 2110823318 h 346"/>
-                <a:gd name="T38" fmla="*/ 432230045 w 182"/>
-                <a:gd name="T39" fmla="*/ 1972156000 h 346"/>
-                <a:gd name="T40" fmla="*/ 432230045 w 182"/>
-                <a:gd name="T41" fmla="*/ 2049193443 h 346"/>
-                <a:gd name="T42" fmla="*/ 446170676 w 182"/>
-                <a:gd name="T43" fmla="*/ 2095415750 h 346"/>
-                <a:gd name="T44" fmla="*/ 529850566 w 182"/>
-                <a:gd name="T45" fmla="*/ 2147483647 h 346"/>
-                <a:gd name="T46" fmla="*/ 613493777 w 182"/>
-                <a:gd name="T47" fmla="*/ 2147483647 h 346"/>
-                <a:gd name="T48" fmla="*/ 669256109 w 182"/>
-                <a:gd name="T49" fmla="*/ 2147483647 h 346"/>
-                <a:gd name="T50" fmla="*/ 752935808 w 182"/>
-                <a:gd name="T51" fmla="*/ 2147483647 h 346"/>
-                <a:gd name="T52" fmla="*/ 808698140 w 182"/>
-                <a:gd name="T53" fmla="*/ 2049193443 h 346"/>
-                <a:gd name="T54" fmla="*/ 836579211 w 182"/>
-                <a:gd name="T55" fmla="*/ 1694821563 h 346"/>
-                <a:gd name="T56" fmla="*/ 836579211 w 182"/>
-                <a:gd name="T57" fmla="*/ 1479117000 h 346"/>
-                <a:gd name="T58" fmla="*/ 794757509 w 182"/>
-                <a:gd name="T59" fmla="*/ 1294227375 h 346"/>
-                <a:gd name="T60" fmla="*/ 711077619 w 182"/>
-                <a:gd name="T61" fmla="*/ 1186375193 h 346"/>
-                <a:gd name="T62" fmla="*/ 613493777 w 182"/>
-                <a:gd name="T63" fmla="*/ 1140152688 h 346"/>
-                <a:gd name="T64" fmla="*/ 557731636 w 182"/>
-                <a:gd name="T65" fmla="*/ 1155560255 h 346"/>
-                <a:gd name="T66" fmla="*/ 474051746 w 182"/>
-                <a:gd name="T67" fmla="*/ 1263412438 h 346"/>
-                <a:gd name="T68" fmla="*/ 446170676 w 182"/>
-                <a:gd name="T69" fmla="*/ 1340449880 h 346"/>
-                <a:gd name="T70" fmla="*/ 432230045 w 182"/>
-                <a:gd name="T71" fmla="*/ 1972156000 h 346"/>
-                <a:gd name="T72" fmla="*/ 0 60000 65536"/>
-                <a:gd name="T73" fmla="*/ 0 60000 65536"/>
-                <a:gd name="T74" fmla="*/ 0 60000 65536"/>
-                <a:gd name="T75" fmla="*/ 0 60000 65536"/>
-                <a:gd name="T76" fmla="*/ 0 60000 65536"/>
-                <a:gd name="T77" fmla="*/ 0 60000 65536"/>
-                <a:gd name="T78" fmla="*/ 0 60000 65536"/>
-                <a:gd name="T79" fmla="*/ 0 60000 65536"/>
-                <a:gd name="T80" fmla="*/ 0 60000 65536"/>
-                <a:gd name="T81" fmla="*/ 0 60000 65536"/>
-                <a:gd name="T82" fmla="*/ 0 60000 65536"/>
-                <a:gd name="T83" fmla="*/ 0 60000 65536"/>
-                <a:gd name="T84" fmla="*/ 0 60000 65536"/>
-                <a:gd name="T85" fmla="*/ 0 60000 65536"/>
-                <a:gd name="T86" fmla="*/ 0 60000 65536"/>
-                <a:gd name="T87" fmla="*/ 0 60000 65536"/>
-                <a:gd name="T88" fmla="*/ 0 60000 65536"/>
-                <a:gd name="T89" fmla="*/ 0 60000 65536"/>
-                <a:gd name="T90" fmla="*/ 0 60000 65536"/>
-                <a:gd name="T91" fmla="*/ 0 60000 65536"/>
-                <a:gd name="T92" fmla="*/ 0 60000 65536"/>
-                <a:gd name="T93" fmla="*/ 0 60000 65536"/>
-                <a:gd name="T94" fmla="*/ 0 60000 65536"/>
-                <a:gd name="T95" fmla="*/ 0 60000 65536"/>
-                <a:gd name="T96" fmla="*/ 0 60000 65536"/>
-                <a:gd name="T97" fmla="*/ 0 60000 65536"/>
-                <a:gd name="T98" fmla="*/ 0 60000 65536"/>
-                <a:gd name="T99" fmla="*/ 0 60000 65536"/>
-                <a:gd name="T100" fmla="*/ 0 60000 65536"/>
-                <a:gd name="T101" fmla="*/ 0 60000 65536"/>
-                <a:gd name="T102" fmla="*/ 0 60000 65536"/>
-                <a:gd name="T103" fmla="*/ 0 60000 65536"/>
-                <a:gd name="T104" fmla="*/ 0 60000 65536"/>
-                <a:gd name="T105" fmla="*/ 0 60000 65536"/>
-                <a:gd name="T106" fmla="*/ 0 60000 65536"/>
-                <a:gd name="T107" fmla="*/ 0 60000 65536"/>
-                <a:gd name="T108" fmla="*/ 0 w 182"/>
-                <a:gd name="T109" fmla="*/ 0 h 346"/>
-                <a:gd name="T110" fmla="*/ 182 w 182"/>
-                <a:gd name="T111" fmla="*/ 346 h 346"/>
-              </a:gdLst>
-              <a:ahLst/>
-              <a:cxnLst>
-                <a:cxn ang="T72">
-                  <a:pos x="T0" y="T1"/>
-                </a:cxn>
-                <a:cxn ang="T73">
-                  <a:pos x="T2" y="T3"/>
-                </a:cxn>
-                <a:cxn ang="T74">
-                  <a:pos x="T4" y="T5"/>
-                </a:cxn>
-                <a:cxn ang="T75">
-                  <a:pos x="T6" y="T7"/>
-                </a:cxn>
-                <a:cxn ang="T76">
-                  <a:pos x="T8" y="T9"/>
-                </a:cxn>
-                <a:cxn ang="T77">
-                  <a:pos x="T10" y="T11"/>
-                </a:cxn>
-                <a:cxn ang="T78">
-                  <a:pos x="T12" y="T13"/>
-                </a:cxn>
-                <a:cxn ang="T79">
-                  <a:pos x="T14" y="T15"/>
-                </a:cxn>
-                <a:cxn ang="T80">
-                  <a:pos x="T16" y="T17"/>
-                </a:cxn>
-                <a:cxn ang="T81">
-                  <a:pos x="T18" y="T19"/>
-                </a:cxn>
-                <a:cxn ang="T82">
-                  <a:pos x="T20" y="T21"/>
-                </a:cxn>
-                <a:cxn ang="T83">
-                  <a:pos x="T22" y="T23"/>
-                </a:cxn>
-                <a:cxn ang="T84">
-                  <a:pos x="T24" y="T25"/>
-                </a:cxn>
-                <a:cxn ang="T85">
-                  <a:pos x="T26" y="T27"/>
-                </a:cxn>
-                <a:cxn ang="T86">
-                  <a:pos x="T28" y="T29"/>
-                </a:cxn>
-                <a:cxn ang="T87">
-                  <a:pos x="T30" y="T31"/>
-                </a:cxn>
-                <a:cxn ang="T88">
-                  <a:pos x="T32" y="T33"/>
-                </a:cxn>
-                <a:cxn ang="T89">
-                  <a:pos x="T34" y="T35"/>
-                </a:cxn>
-                <a:cxn ang="T90">
-                  <a:pos x="T36" y="T37"/>
-                </a:cxn>
-                <a:cxn ang="T91">
-                  <a:pos x="T38" y="T39"/>
-                </a:cxn>
-                <a:cxn ang="T92">
-                  <a:pos x="T40" y="T41"/>
-                </a:cxn>
-                <a:cxn ang="T93">
-                  <a:pos x="T42" y="T43"/>
-                </a:cxn>
-                <a:cxn ang="T94">
-                  <a:pos x="T44" y="T45"/>
-                </a:cxn>
-                <a:cxn ang="T95">
-                  <a:pos x="T46" y="T47"/>
-                </a:cxn>
-                <a:cxn ang="T96">
-                  <a:pos x="T48" y="T49"/>
-                </a:cxn>
-                <a:cxn ang="T97">
-                  <a:pos x="T50" y="T51"/>
-                </a:cxn>
-                <a:cxn ang="T98">
-                  <a:pos x="T52" y="T53"/>
-                </a:cxn>
-                <a:cxn ang="T99">
-                  <a:pos x="T54" y="T55"/>
-                </a:cxn>
-                <a:cxn ang="T100">
-                  <a:pos x="T56" y="T57"/>
-                </a:cxn>
-                <a:cxn ang="T101">
-                  <a:pos x="T58" y="T59"/>
-                </a:cxn>
-                <a:cxn ang="T102">
-                  <a:pos x="T60" y="T61"/>
-                </a:cxn>
-                <a:cxn ang="T103">
-                  <a:pos x="T62" y="T63"/>
-                </a:cxn>
-                <a:cxn ang="T104">
-                  <a:pos x="T64" y="T65"/>
-                </a:cxn>
-                <a:cxn ang="T105">
-                  <a:pos x="T66" y="T67"/>
-                </a:cxn>
-                <a:cxn ang="T106">
-                  <a:pos x="T68" y="T69"/>
-                </a:cxn>
-                <a:cxn ang="T107">
-                  <a:pos x="T70" y="T71"/>
-                </a:cxn>
-              </a:cxnLst>
-              <a:rect l="T108" t="T109" r="T110" b="T111"/>
-              <a:pathLst>
-                <a:path w="182" h="346">
-                  <a:moveTo>
-                    <a:pt x="2" y="0"/>
-                  </a:moveTo>
-                  <a:lnTo>
-                    <a:pt x="62" y="0"/>
-                  </a:lnTo>
-                  <a:lnTo>
-                    <a:pt x="62" y="126"/>
-                  </a:lnTo>
-                  <a:lnTo>
-                    <a:pt x="72" y="114"/>
-                  </a:lnTo>
-                  <a:lnTo>
-                    <a:pt x="84" y="104"/>
-                  </a:lnTo>
-                  <a:lnTo>
-                    <a:pt x="96" y="100"/>
-                  </a:lnTo>
-                  <a:lnTo>
-                    <a:pt x="112" y="98"/>
-                  </a:lnTo>
-                  <a:lnTo>
-                    <a:pt x="122" y="98"/>
-                  </a:lnTo>
-                  <a:lnTo>
-                    <a:pt x="128" y="100"/>
-                  </a:lnTo>
-                  <a:lnTo>
-                    <a:pt x="142" y="106"/>
-                  </a:lnTo>
-                  <a:lnTo>
-                    <a:pt x="154" y="118"/>
-                  </a:lnTo>
-                  <a:lnTo>
-                    <a:pt x="164" y="132"/>
-                  </a:lnTo>
-                  <a:lnTo>
-                    <a:pt x="172" y="148"/>
-                  </a:lnTo>
-                  <a:lnTo>
-                    <a:pt x="176" y="170"/>
-                  </a:lnTo>
-                  <a:lnTo>
-                    <a:pt x="180" y="192"/>
-                  </a:lnTo>
-                  <a:lnTo>
-                    <a:pt x="182" y="216"/>
-                  </a:lnTo>
-                  <a:lnTo>
-                    <a:pt x="180" y="246"/>
-                  </a:lnTo>
-                  <a:lnTo>
-                    <a:pt x="176" y="272"/>
-                  </a:lnTo>
-                  <a:lnTo>
-                    <a:pt x="168" y="294"/>
-                  </a:lnTo>
-                  <a:lnTo>
-                    <a:pt x="158" y="314"/>
-                  </a:lnTo>
-                  <a:lnTo>
-                    <a:pt x="148" y="328"/>
-                  </a:lnTo>
-                  <a:lnTo>
-                    <a:pt x="134" y="338"/>
-                  </a:lnTo>
-                  <a:lnTo>
-                    <a:pt x="120" y="344"/>
-                  </a:lnTo>
-                  <a:lnTo>
-                    <a:pt x="104" y="346"/>
-                  </a:lnTo>
-                  <a:lnTo>
-                    <a:pt x="88" y="344"/>
-                  </a:lnTo>
-                  <a:lnTo>
-                    <a:pt x="76" y="340"/>
-                  </a:lnTo>
-                  <a:lnTo>
-                    <a:pt x="66" y="328"/>
-                  </a:lnTo>
-                  <a:lnTo>
-                    <a:pt x="56" y="314"/>
-                  </a:lnTo>
-                  <a:lnTo>
-                    <a:pt x="54" y="314"/>
-                  </a:lnTo>
-                  <a:lnTo>
-                    <a:pt x="50" y="342"/>
-                  </a:lnTo>
-                  <a:lnTo>
-                    <a:pt x="0" y="342"/>
-                  </a:lnTo>
-                  <a:lnTo>
-                    <a:pt x="2" y="274"/>
-                  </a:lnTo>
-                  <a:lnTo>
-                    <a:pt x="2" y="0"/>
-                  </a:lnTo>
-                  <a:close/>
-                  <a:moveTo>
-                    <a:pt x="62" y="256"/>
-                  </a:moveTo>
-                  <a:lnTo>
-                    <a:pt x="62" y="256"/>
-                  </a:lnTo>
-                  <a:lnTo>
-                    <a:pt x="62" y="266"/>
-                  </a:lnTo>
-                  <a:lnTo>
-                    <a:pt x="64" y="272"/>
-                  </a:lnTo>
-                  <a:lnTo>
-                    <a:pt x="68" y="284"/>
-                  </a:lnTo>
-                  <a:lnTo>
-                    <a:pt x="76" y="292"/>
-                  </a:lnTo>
-                  <a:lnTo>
-                    <a:pt x="82" y="296"/>
-                  </a:lnTo>
-                  <a:lnTo>
-                    <a:pt x="88" y="298"/>
-                  </a:lnTo>
-                  <a:lnTo>
-                    <a:pt x="96" y="296"/>
-                  </a:lnTo>
-                  <a:lnTo>
-                    <a:pt x="104" y="292"/>
-                  </a:lnTo>
-                  <a:lnTo>
-                    <a:pt x="108" y="286"/>
-                  </a:lnTo>
-                  <a:lnTo>
-                    <a:pt x="114" y="276"/>
-                  </a:lnTo>
-                  <a:lnTo>
-                    <a:pt x="116" y="266"/>
-                  </a:lnTo>
-                  <a:lnTo>
-                    <a:pt x="120" y="252"/>
-                  </a:lnTo>
-                  <a:lnTo>
-                    <a:pt x="120" y="220"/>
-                  </a:lnTo>
-                  <a:lnTo>
-                    <a:pt x="120" y="192"/>
-                  </a:lnTo>
-                  <a:lnTo>
-                    <a:pt x="116" y="178"/>
-                  </a:lnTo>
-                  <a:lnTo>
-                    <a:pt x="114" y="168"/>
-                  </a:lnTo>
-                  <a:lnTo>
-                    <a:pt x="108" y="160"/>
-                  </a:lnTo>
-                  <a:lnTo>
-                    <a:pt x="102" y="154"/>
-                  </a:lnTo>
-                  <a:lnTo>
-                    <a:pt x="96" y="150"/>
-                  </a:lnTo>
-                  <a:lnTo>
-                    <a:pt x="88" y="148"/>
-                  </a:lnTo>
-                  <a:lnTo>
-                    <a:pt x="80" y="150"/>
-                  </a:lnTo>
-                  <a:lnTo>
-                    <a:pt x="72" y="156"/>
-                  </a:lnTo>
-                  <a:lnTo>
-                    <a:pt x="68" y="164"/>
-                  </a:lnTo>
-                  <a:lnTo>
-                    <a:pt x="64" y="174"/>
-                  </a:lnTo>
-                  <a:lnTo>
-                    <a:pt x="62" y="190"/>
-                  </a:lnTo>
-                  <a:lnTo>
-                    <a:pt x="62" y="256"/>
-                  </a:lnTo>
-                  <a:close/>
-                </a:path>
-              </a:pathLst>
-            </a:custGeom>
-            <a:solidFill>
-              <a:srgbClr val="FFFFFF"/>
-            </a:solidFill>
-            <a:ln w="9525">
-              <a:noFill/>
-              <a:round/>
-              <a:headEnd/>
-              <a:tailEnd/>
-            </a:ln>
-          </p:spPr>
-          <p:txBody>
-            <a:bodyPr/>
-            <a:lstStyle/>
-            <a:p>
-              <a:endParaRPr lang="en-US">
-                <a:solidFill>
-                  <a:srgbClr val="FFFFFF"/>
-                </a:solidFill>
-              </a:endParaRPr>
-            </a:p>
-          </p:txBody>
-        </p:sp>
-        <p:sp>
-          <p:nvSpPr>
-            <p:cNvPr id="15" name="Freeform 14"/>
-            <p:cNvSpPr>
-              <a:spLocks noEditPoints="1"/>
-            </p:cNvSpPr>
-            <p:nvPr/>
-          </p:nvSpPr>
-          <p:spPr bwMode="auto">
-            <a:xfrm>
-              <a:off x="8942156" y="6741467"/>
-              <a:ext cx="31171" cy="44022"/>
-            </a:xfrm>
-            <a:custGeom>
-              <a:avLst/>
-              <a:gdLst>
-                <a:gd name="T0" fmla="*/ 447139395 w 176"/>
-                <a:gd name="T1" fmla="*/ 1109628385 h 250"/>
-                <a:gd name="T2" fmla="*/ 493383008 w 176"/>
-                <a:gd name="T3" fmla="*/ 1307239371 h 250"/>
-                <a:gd name="T4" fmla="*/ 570455762 w 176"/>
-                <a:gd name="T5" fmla="*/ 1444043966 h 250"/>
-                <a:gd name="T6" fmla="*/ 693811441 w 176"/>
-                <a:gd name="T7" fmla="*/ 1520042172 h 250"/>
-                <a:gd name="T8" fmla="*/ 863410535 w 176"/>
-                <a:gd name="T9" fmla="*/ 1550464734 h 250"/>
-                <a:gd name="T10" fmla="*/ 955936875 w 176"/>
-                <a:gd name="T11" fmla="*/ 1535272721 h 250"/>
-                <a:gd name="T12" fmla="*/ 1202608921 w 176"/>
-                <a:gd name="T13" fmla="*/ 1474466528 h 250"/>
-                <a:gd name="T14" fmla="*/ 1264267204 w 176"/>
-                <a:gd name="T15" fmla="*/ 1808881912 h 250"/>
-                <a:gd name="T16" fmla="*/ 1048424299 w 176"/>
-                <a:gd name="T17" fmla="*/ 1869688302 h 250"/>
-                <a:gd name="T18" fmla="*/ 770923112 w 176"/>
-                <a:gd name="T19" fmla="*/ 1900072131 h 250"/>
-                <a:gd name="T20" fmla="*/ 601324018 w 176"/>
-                <a:gd name="T21" fmla="*/ 1884880118 h 250"/>
-                <a:gd name="T22" fmla="*/ 308369245 w 176"/>
-                <a:gd name="T23" fmla="*/ 1763267535 h 250"/>
-                <a:gd name="T24" fmla="*/ 107941009 w 176"/>
-                <a:gd name="T25" fmla="*/ 1520042172 h 250"/>
-                <a:gd name="T26" fmla="*/ 15414472 w 176"/>
-                <a:gd name="T27" fmla="*/ 1185626788 h 250"/>
-                <a:gd name="T28" fmla="*/ 0 w 176"/>
-                <a:gd name="T29" fmla="*/ 988054535 h 250"/>
-                <a:gd name="T30" fmla="*/ 61658282 w 176"/>
-                <a:gd name="T31" fmla="*/ 577640747 h 250"/>
-                <a:gd name="T32" fmla="*/ 215842905 w 176"/>
-                <a:gd name="T33" fmla="*/ 273609191 h 250"/>
-                <a:gd name="T34" fmla="*/ 447139395 w 176"/>
-                <a:gd name="T35" fmla="*/ 75998206 h 250"/>
-                <a:gd name="T36" fmla="*/ 724640582 w 176"/>
-                <a:gd name="T37" fmla="*/ 0 h 250"/>
-                <a:gd name="T38" fmla="*/ 863410535 w 176"/>
-                <a:gd name="T39" fmla="*/ 15192013 h 250"/>
-                <a:gd name="T40" fmla="*/ 1094668109 w 176"/>
-                <a:gd name="T41" fmla="*/ 136804596 h 250"/>
-                <a:gd name="T42" fmla="*/ 1264267204 w 176"/>
-                <a:gd name="T43" fmla="*/ 364799213 h 250"/>
-                <a:gd name="T44" fmla="*/ 1341379072 w 176"/>
-                <a:gd name="T45" fmla="*/ 668830966 h 250"/>
-                <a:gd name="T46" fmla="*/ 1356793544 w 176"/>
-                <a:gd name="T47" fmla="*/ 866441755 h 250"/>
-                <a:gd name="T48" fmla="*/ 1341379072 w 176"/>
-                <a:gd name="T49" fmla="*/ 1109628385 h 250"/>
-                <a:gd name="T50" fmla="*/ 925068818 w 176"/>
-                <a:gd name="T51" fmla="*/ 790443549 h 250"/>
-                <a:gd name="T52" fmla="*/ 909654346 w 176"/>
-                <a:gd name="T53" fmla="*/ 608024576 h 250"/>
-                <a:gd name="T54" fmla="*/ 863410535 w 176"/>
-                <a:gd name="T55" fmla="*/ 471219980 h 250"/>
-                <a:gd name="T56" fmla="*/ 801752253 w 176"/>
-                <a:gd name="T57" fmla="*/ 380029959 h 250"/>
-                <a:gd name="T58" fmla="*/ 693811441 w 176"/>
-                <a:gd name="T59" fmla="*/ 349607397 h 250"/>
-                <a:gd name="T60" fmla="*/ 647567631 w 176"/>
-                <a:gd name="T61" fmla="*/ 349607397 h 250"/>
-                <a:gd name="T62" fmla="*/ 555041291 w 176"/>
-                <a:gd name="T63" fmla="*/ 425605603 h 250"/>
-                <a:gd name="T64" fmla="*/ 477968536 w 176"/>
-                <a:gd name="T65" fmla="*/ 638408405 h 250"/>
-                <a:gd name="T66" fmla="*/ 925068818 w 176"/>
-                <a:gd name="T67" fmla="*/ 790443549 h 250"/>
-                <a:gd name="T68" fmla="*/ 0 60000 65536"/>
-                <a:gd name="T69" fmla="*/ 0 60000 65536"/>
-                <a:gd name="T70" fmla="*/ 0 60000 65536"/>
-                <a:gd name="T71" fmla="*/ 0 60000 65536"/>
-                <a:gd name="T72" fmla="*/ 0 60000 65536"/>
-                <a:gd name="T73" fmla="*/ 0 60000 65536"/>
-                <a:gd name="T74" fmla="*/ 0 60000 65536"/>
-                <a:gd name="T75" fmla="*/ 0 60000 65536"/>
-                <a:gd name="T76" fmla="*/ 0 60000 65536"/>
-                <a:gd name="T77" fmla="*/ 0 60000 65536"/>
-                <a:gd name="T78" fmla="*/ 0 60000 65536"/>
-                <a:gd name="T79" fmla="*/ 0 60000 65536"/>
-                <a:gd name="T80" fmla="*/ 0 60000 65536"/>
-                <a:gd name="T81" fmla="*/ 0 60000 65536"/>
-                <a:gd name="T82" fmla="*/ 0 60000 65536"/>
-                <a:gd name="T83" fmla="*/ 0 60000 65536"/>
-                <a:gd name="T84" fmla="*/ 0 60000 65536"/>
-                <a:gd name="T85" fmla="*/ 0 60000 65536"/>
-                <a:gd name="T86" fmla="*/ 0 60000 65536"/>
-                <a:gd name="T87" fmla="*/ 0 60000 65536"/>
-                <a:gd name="T88" fmla="*/ 0 60000 65536"/>
-                <a:gd name="T89" fmla="*/ 0 60000 65536"/>
-                <a:gd name="T90" fmla="*/ 0 60000 65536"/>
-                <a:gd name="T91" fmla="*/ 0 60000 65536"/>
-                <a:gd name="T92" fmla="*/ 0 60000 65536"/>
-                <a:gd name="T93" fmla="*/ 0 60000 65536"/>
-                <a:gd name="T94" fmla="*/ 0 60000 65536"/>
-                <a:gd name="T95" fmla="*/ 0 60000 65536"/>
-                <a:gd name="T96" fmla="*/ 0 60000 65536"/>
-                <a:gd name="T97" fmla="*/ 0 60000 65536"/>
-                <a:gd name="T98" fmla="*/ 0 60000 65536"/>
-                <a:gd name="T99" fmla="*/ 0 60000 65536"/>
-                <a:gd name="T100" fmla="*/ 0 60000 65536"/>
-                <a:gd name="T101" fmla="*/ 0 60000 65536"/>
-                <a:gd name="T102" fmla="*/ 0 w 176"/>
-                <a:gd name="T103" fmla="*/ 0 h 250"/>
-                <a:gd name="T104" fmla="*/ 176 w 176"/>
-                <a:gd name="T105" fmla="*/ 250 h 250"/>
-              </a:gdLst>
-              <a:ahLst/>
-              <a:cxnLst>
-                <a:cxn ang="T68">
-                  <a:pos x="T0" y="T1"/>
-                </a:cxn>
-                <a:cxn ang="T69">
-                  <a:pos x="T2" y="T3"/>
-                </a:cxn>
-                <a:cxn ang="T70">
-                  <a:pos x="T4" y="T5"/>
-                </a:cxn>
-                <a:cxn ang="T71">
-                  <a:pos x="T6" y="T7"/>
-                </a:cxn>
-                <a:cxn ang="T72">
-                  <a:pos x="T8" y="T9"/>
-                </a:cxn>
-                <a:cxn ang="T73">
-                  <a:pos x="T10" y="T11"/>
-                </a:cxn>
-                <a:cxn ang="T74">
-                  <a:pos x="T12" y="T13"/>
-                </a:cxn>
-                <a:cxn ang="T75">
-                  <a:pos x="T14" y="T15"/>
-                </a:cxn>
-                <a:cxn ang="T76">
-                  <a:pos x="T16" y="T17"/>
-                </a:cxn>
-                <a:cxn ang="T77">
-                  <a:pos x="T18" y="T19"/>
-                </a:cxn>
-                <a:cxn ang="T78">
-                  <a:pos x="T20" y="T21"/>
-                </a:cxn>
-                <a:cxn ang="T79">
-                  <a:pos x="T22" y="T23"/>
-                </a:cxn>
-                <a:cxn ang="T80">
-                  <a:pos x="T24" y="T25"/>
-                </a:cxn>
-                <a:cxn ang="T81">
-                  <a:pos x="T26" y="T27"/>
-                </a:cxn>
-                <a:cxn ang="T82">
-                  <a:pos x="T28" y="T29"/>
-                </a:cxn>
-                <a:cxn ang="T83">
-                  <a:pos x="T30" y="T31"/>
-                </a:cxn>
-                <a:cxn ang="T84">
-                  <a:pos x="T32" y="T33"/>
-                </a:cxn>
-                <a:cxn ang="T85">
-                  <a:pos x="T34" y="T35"/>
-                </a:cxn>
-                <a:cxn ang="T86">
-                  <a:pos x="T36" y="T37"/>
-                </a:cxn>
-                <a:cxn ang="T87">
-                  <a:pos x="T38" y="T39"/>
-                </a:cxn>
-                <a:cxn ang="T88">
-                  <a:pos x="T40" y="T41"/>
-                </a:cxn>
-                <a:cxn ang="T89">
-                  <a:pos x="T42" y="T43"/>
-                </a:cxn>
-                <a:cxn ang="T90">
-                  <a:pos x="T44" y="T45"/>
-                </a:cxn>
-                <a:cxn ang="T91">
-                  <a:pos x="T46" y="T47"/>
-                </a:cxn>
-                <a:cxn ang="T92">
-                  <a:pos x="T48" y="T49"/>
-                </a:cxn>
-                <a:cxn ang="T93">
-                  <a:pos x="T50" y="T51"/>
-                </a:cxn>
-                <a:cxn ang="T94">
-                  <a:pos x="T52" y="T53"/>
-                </a:cxn>
-                <a:cxn ang="T95">
-                  <a:pos x="T54" y="T55"/>
-                </a:cxn>
-                <a:cxn ang="T96">
-                  <a:pos x="T56" y="T57"/>
-                </a:cxn>
-                <a:cxn ang="T97">
-                  <a:pos x="T58" y="T59"/>
-                </a:cxn>
-                <a:cxn ang="T98">
-                  <a:pos x="T60" y="T61"/>
-                </a:cxn>
-                <a:cxn ang="T99">
-                  <a:pos x="T62" y="T63"/>
-                </a:cxn>
-                <a:cxn ang="T100">
-                  <a:pos x="T64" y="T65"/>
-                </a:cxn>
-                <a:cxn ang="T101">
-                  <a:pos x="T66" y="T67"/>
-                </a:cxn>
-              </a:cxnLst>
-              <a:rect l="T102" t="T103" r="T104" b="T105"/>
-              <a:pathLst>
-                <a:path w="176" h="250">
-                  <a:moveTo>
-                    <a:pt x="58" y="146"/>
-                  </a:moveTo>
-                  <a:lnTo>
-                    <a:pt x="58" y="146"/>
-                  </a:lnTo>
-                  <a:lnTo>
-                    <a:pt x="60" y="160"/>
-                  </a:lnTo>
-                  <a:lnTo>
-                    <a:pt x="64" y="172"/>
-                  </a:lnTo>
-                  <a:lnTo>
-                    <a:pt x="68" y="182"/>
-                  </a:lnTo>
-                  <a:lnTo>
-                    <a:pt x="74" y="190"/>
-                  </a:lnTo>
-                  <a:lnTo>
-                    <a:pt x="82" y="196"/>
-                  </a:lnTo>
-                  <a:lnTo>
-                    <a:pt x="90" y="200"/>
-                  </a:lnTo>
-                  <a:lnTo>
-                    <a:pt x="100" y="202"/>
-                  </a:lnTo>
-                  <a:lnTo>
-                    <a:pt x="112" y="204"/>
-                  </a:lnTo>
-                  <a:lnTo>
-                    <a:pt x="124" y="202"/>
-                  </a:lnTo>
-                  <a:lnTo>
-                    <a:pt x="136" y="200"/>
-                  </a:lnTo>
-                  <a:lnTo>
-                    <a:pt x="156" y="194"/>
-                  </a:lnTo>
-                  <a:lnTo>
-                    <a:pt x="164" y="238"/>
-                  </a:lnTo>
-                  <a:lnTo>
-                    <a:pt x="152" y="242"/>
-                  </a:lnTo>
-                  <a:lnTo>
-                    <a:pt x="136" y="246"/>
-                  </a:lnTo>
-                  <a:lnTo>
-                    <a:pt x="118" y="248"/>
-                  </a:lnTo>
-                  <a:lnTo>
-                    <a:pt x="100" y="250"/>
-                  </a:lnTo>
-                  <a:lnTo>
-                    <a:pt x="78" y="248"/>
-                  </a:lnTo>
-                  <a:lnTo>
-                    <a:pt x="58" y="242"/>
-                  </a:lnTo>
-                  <a:lnTo>
-                    <a:pt x="40" y="232"/>
-                  </a:lnTo>
-                  <a:lnTo>
-                    <a:pt x="26" y="218"/>
-                  </a:lnTo>
-                  <a:lnTo>
-                    <a:pt x="14" y="200"/>
-                  </a:lnTo>
-                  <a:lnTo>
-                    <a:pt x="6" y="180"/>
-                  </a:lnTo>
-                  <a:lnTo>
-                    <a:pt x="2" y="156"/>
-                  </a:lnTo>
-                  <a:lnTo>
-                    <a:pt x="0" y="130"/>
-                  </a:lnTo>
-                  <a:lnTo>
-                    <a:pt x="2" y="102"/>
-                  </a:lnTo>
-                  <a:lnTo>
-                    <a:pt x="8" y="76"/>
-                  </a:lnTo>
-                  <a:lnTo>
-                    <a:pt x="16" y="54"/>
-                  </a:lnTo>
-                  <a:lnTo>
-                    <a:pt x="28" y="36"/>
-                  </a:lnTo>
-                  <a:lnTo>
-                    <a:pt x="42" y="20"/>
-                  </a:lnTo>
-                  <a:lnTo>
-                    <a:pt x="58" y="10"/>
-                  </a:lnTo>
-                  <a:lnTo>
-                    <a:pt x="76" y="4"/>
-                  </a:lnTo>
-                  <a:lnTo>
-                    <a:pt x="94" y="0"/>
-                  </a:lnTo>
-                  <a:lnTo>
-                    <a:pt x="112" y="2"/>
-                  </a:lnTo>
-                  <a:lnTo>
-                    <a:pt x="130" y="8"/>
-                  </a:lnTo>
-                  <a:lnTo>
-                    <a:pt x="142" y="18"/>
-                  </a:lnTo>
-                  <a:lnTo>
-                    <a:pt x="154" y="32"/>
-                  </a:lnTo>
-                  <a:lnTo>
-                    <a:pt x="164" y="48"/>
-                  </a:lnTo>
-                  <a:lnTo>
-                    <a:pt x="170" y="66"/>
-                  </a:lnTo>
-                  <a:lnTo>
-                    <a:pt x="174" y="88"/>
-                  </a:lnTo>
-                  <a:lnTo>
-                    <a:pt x="176" y="114"/>
-                  </a:lnTo>
-                  <a:lnTo>
-                    <a:pt x="174" y="134"/>
-                  </a:lnTo>
-                  <a:lnTo>
-                    <a:pt x="174" y="146"/>
-                  </a:lnTo>
-                  <a:lnTo>
-                    <a:pt x="58" y="146"/>
-                  </a:lnTo>
-                  <a:close/>
-                  <a:moveTo>
-                    <a:pt x="120" y="104"/>
-                  </a:moveTo>
-                  <a:lnTo>
-                    <a:pt x="120" y="104"/>
-                  </a:lnTo>
-                  <a:lnTo>
-                    <a:pt x="118" y="80"/>
-                  </a:lnTo>
-                  <a:lnTo>
-                    <a:pt x="116" y="70"/>
-                  </a:lnTo>
-                  <a:lnTo>
-                    <a:pt x="112" y="62"/>
-                  </a:lnTo>
-                  <a:lnTo>
-                    <a:pt x="108" y="54"/>
-                  </a:lnTo>
-                  <a:lnTo>
-                    <a:pt x="104" y="50"/>
-                  </a:lnTo>
-                  <a:lnTo>
-                    <a:pt x="98" y="46"/>
-                  </a:lnTo>
-                  <a:lnTo>
-                    <a:pt x="90" y="46"/>
-                  </a:lnTo>
-                  <a:lnTo>
-                    <a:pt x="84" y="46"/>
-                  </a:lnTo>
-                  <a:lnTo>
-                    <a:pt x="76" y="50"/>
-                  </a:lnTo>
-                  <a:lnTo>
-                    <a:pt x="72" y="56"/>
-                  </a:lnTo>
-                  <a:lnTo>
-                    <a:pt x="66" y="64"/>
-                  </a:lnTo>
-                  <a:lnTo>
-                    <a:pt x="62" y="84"/>
-                  </a:lnTo>
-                  <a:lnTo>
-                    <a:pt x="58" y="104"/>
-                  </a:lnTo>
-                  <a:lnTo>
-                    <a:pt x="120" y="104"/>
-                  </a:lnTo>
-                  <a:close/>
-                </a:path>
-              </a:pathLst>
-            </a:custGeom>
-            <a:solidFill>
-              <a:srgbClr val="FFFFFF"/>
-            </a:solidFill>
-            <a:ln w="9525">
-              <a:noFill/>
-              <a:round/>
-              <a:headEnd/>
-              <a:tailEnd/>
-            </a:ln>
-          </p:spPr>
-          <p:txBody>
-            <a:bodyPr/>
-            <a:lstStyle/>
-            <a:p>
-              <a:endParaRPr lang="en-US">
-                <a:solidFill>
-                  <a:srgbClr val="FFFFFF"/>
-                </a:solidFill>
-              </a:endParaRPr>
-            </a:p>
-          </p:txBody>
-        </p:sp>
-        <p:sp>
-          <p:nvSpPr>
-            <p:cNvPr id="16" name="Freeform 15"/>
-            <p:cNvSpPr>
-              <a:spLocks/>
-            </p:cNvSpPr>
-            <p:nvPr/>
-          </p:nvSpPr>
-          <p:spPr bwMode="auto">
-            <a:xfrm>
-              <a:off x="8904535" y="6528874"/>
-              <a:ext cx="68791" cy="165350"/>
-            </a:xfrm>
-            <a:custGeom>
-              <a:avLst/>
-              <a:gdLst>
-                <a:gd name="T0" fmla="*/ 0 w 386"/>
-                <a:gd name="T1" fmla="*/ 0 h 920"/>
-                <a:gd name="T2" fmla="*/ 2147483647 w 386"/>
-                <a:gd name="T3" fmla="*/ 0 h 920"/>
-                <a:gd name="T4" fmla="*/ 2147483647 w 386"/>
-                <a:gd name="T5" fmla="*/ 2147483647 h 920"/>
-                <a:gd name="T6" fmla="*/ 0 w 386"/>
-                <a:gd name="T7" fmla="*/ 0 h 920"/>
-                <a:gd name="T8" fmla="*/ 0 60000 65536"/>
-                <a:gd name="T9" fmla="*/ 0 60000 65536"/>
-                <a:gd name="T10" fmla="*/ 0 60000 65536"/>
-                <a:gd name="T11" fmla="*/ 0 60000 65536"/>
-                <a:gd name="T12" fmla="*/ 0 w 386"/>
-                <a:gd name="T13" fmla="*/ 0 h 920"/>
-                <a:gd name="T14" fmla="*/ 386 w 386"/>
-                <a:gd name="T15" fmla="*/ 920 h 920"/>
-              </a:gdLst>
-              <a:ahLst/>
-              <a:cxnLst>
-                <a:cxn ang="T8">
-                  <a:pos x="T0" y="T1"/>
-                </a:cxn>
-                <a:cxn ang="T9">
-                  <a:pos x="T2" y="T3"/>
-                </a:cxn>
-                <a:cxn ang="T10">
-                  <a:pos x="T4" y="T5"/>
-                </a:cxn>
-                <a:cxn ang="T11">
-                  <a:pos x="T6" y="T7"/>
-                </a:cxn>
-              </a:cxnLst>
-              <a:rect l="T12" t="T13" r="T14" b="T15"/>
-              <a:pathLst>
-                <a:path w="386" h="920">
-                  <a:moveTo>
-                    <a:pt x="0" y="0"/>
-                  </a:moveTo>
-                  <a:lnTo>
-                    <a:pt x="386" y="0"/>
-                  </a:lnTo>
-                  <a:lnTo>
-                    <a:pt x="386" y="920"/>
-                  </a:lnTo>
-                  <a:lnTo>
-                    <a:pt x="0" y="0"/>
-                  </a:lnTo>
-                  <a:close/>
-                </a:path>
-              </a:pathLst>
-            </a:custGeom>
-            <a:solidFill>
-              <a:srgbClr val="FFFFFF"/>
-            </a:solidFill>
-            <a:ln w="9525">
-              <a:noFill/>
-              <a:round/>
-              <a:headEnd/>
-              <a:tailEnd/>
-            </a:ln>
-          </p:spPr>
-          <p:txBody>
-            <a:bodyPr/>
-            <a:lstStyle/>
-            <a:p>
-              <a:endParaRPr lang="en-US">
-                <a:solidFill>
-                  <a:srgbClr val="FFFFFF"/>
-                </a:solidFill>
-              </a:endParaRPr>
-            </a:p>
-          </p:txBody>
-        </p:sp>
-        <p:sp>
-          <p:nvSpPr>
-            <p:cNvPr id="17" name="Freeform 16"/>
-            <p:cNvSpPr>
-              <a:spLocks/>
-            </p:cNvSpPr>
-            <p:nvPr/>
-          </p:nvSpPr>
-          <p:spPr bwMode="auto">
-            <a:xfrm>
-              <a:off x="8786300" y="6528874"/>
-              <a:ext cx="68791" cy="165350"/>
-            </a:xfrm>
-            <a:custGeom>
-              <a:avLst/>
-              <a:gdLst>
-                <a:gd name="T0" fmla="*/ 2147483647 w 386"/>
-                <a:gd name="T1" fmla="*/ 0 h 920"/>
-                <a:gd name="T2" fmla="*/ 0 w 386"/>
-                <a:gd name="T3" fmla="*/ 0 h 920"/>
-                <a:gd name="T4" fmla="*/ 0 w 386"/>
-                <a:gd name="T5" fmla="*/ 2147483647 h 920"/>
-                <a:gd name="T6" fmla="*/ 2147483647 w 386"/>
-                <a:gd name="T7" fmla="*/ 0 h 920"/>
-                <a:gd name="T8" fmla="*/ 0 60000 65536"/>
-                <a:gd name="T9" fmla="*/ 0 60000 65536"/>
-                <a:gd name="T10" fmla="*/ 0 60000 65536"/>
-                <a:gd name="T11" fmla="*/ 0 60000 65536"/>
-                <a:gd name="T12" fmla="*/ 0 w 386"/>
-                <a:gd name="T13" fmla="*/ 0 h 920"/>
-                <a:gd name="T14" fmla="*/ 386 w 386"/>
-                <a:gd name="T15" fmla="*/ 920 h 920"/>
-              </a:gdLst>
-              <a:ahLst/>
-              <a:cxnLst>
-                <a:cxn ang="T8">
-                  <a:pos x="T0" y="T1"/>
-                </a:cxn>
-                <a:cxn ang="T9">
-                  <a:pos x="T2" y="T3"/>
-                </a:cxn>
-                <a:cxn ang="T10">
-                  <a:pos x="T4" y="T5"/>
-                </a:cxn>
-                <a:cxn ang="T11">
-                  <a:pos x="T6" y="T7"/>
-                </a:cxn>
-              </a:cxnLst>
-              <a:rect l="T12" t="T13" r="T14" b="T15"/>
-              <a:pathLst>
-                <a:path w="386" h="920">
-                  <a:moveTo>
-                    <a:pt x="386" y="0"/>
-                  </a:moveTo>
-                  <a:lnTo>
-                    <a:pt x="0" y="0"/>
-                  </a:lnTo>
-                  <a:lnTo>
-                    <a:pt x="0" y="920"/>
-                  </a:lnTo>
-                  <a:lnTo>
-                    <a:pt x="386" y="0"/>
-                  </a:lnTo>
-                  <a:close/>
-                </a:path>
-              </a:pathLst>
-            </a:custGeom>
-            <a:solidFill>
-              <a:srgbClr val="FFFFFF"/>
-            </a:solidFill>
-            <a:ln w="9525">
-              <a:noFill/>
-              <a:round/>
-              <a:headEnd/>
-              <a:tailEnd/>
-            </a:ln>
-          </p:spPr>
-          <p:txBody>
-            <a:bodyPr/>
-            <a:lstStyle/>
-            <a:p>
-              <a:endParaRPr lang="en-US">
-                <a:solidFill>
-                  <a:srgbClr val="FFFFFF"/>
-                </a:solidFill>
-              </a:endParaRPr>
-            </a:p>
-          </p:txBody>
-        </p:sp>
-        <p:sp>
-          <p:nvSpPr>
-            <p:cNvPr id="18" name="Freeform 17"/>
-            <p:cNvSpPr>
-              <a:spLocks/>
-            </p:cNvSpPr>
-            <p:nvPr/>
-          </p:nvSpPr>
-          <p:spPr bwMode="auto">
-            <a:xfrm>
-              <a:off x="8849717" y="6589001"/>
-              <a:ext cx="74166" cy="105223"/>
-            </a:xfrm>
-            <a:custGeom>
-              <a:avLst/>
-              <a:gdLst>
-                <a:gd name="T0" fmla="*/ 1336771916 w 416"/>
-                <a:gd name="T1" fmla="*/ 0 h 582"/>
-                <a:gd name="T2" fmla="*/ 2147483647 w 416"/>
-                <a:gd name="T3" fmla="*/ 2147483647 h 582"/>
-                <a:gd name="T4" fmla="*/ 1997308539 w 416"/>
-                <a:gd name="T5" fmla="*/ 2147483647 h 582"/>
-                <a:gd name="T6" fmla="*/ 1415424145 w 416"/>
-                <a:gd name="T7" fmla="*/ 2147483647 h 582"/>
-                <a:gd name="T8" fmla="*/ 0 w 416"/>
-                <a:gd name="T9" fmla="*/ 2147483647 h 582"/>
-                <a:gd name="T10" fmla="*/ 1336771916 w 416"/>
-                <a:gd name="T11" fmla="*/ 0 h 582"/>
-                <a:gd name="T12" fmla="*/ 0 60000 65536"/>
-                <a:gd name="T13" fmla="*/ 0 60000 65536"/>
-                <a:gd name="T14" fmla="*/ 0 60000 65536"/>
-                <a:gd name="T15" fmla="*/ 0 60000 65536"/>
-                <a:gd name="T16" fmla="*/ 0 60000 65536"/>
-                <a:gd name="T17" fmla="*/ 0 60000 65536"/>
-                <a:gd name="T18" fmla="*/ 0 w 416"/>
-                <a:gd name="T19" fmla="*/ 0 h 582"/>
-                <a:gd name="T20" fmla="*/ 416 w 416"/>
-                <a:gd name="T21" fmla="*/ 582 h 582"/>
-              </a:gdLst>
-              <a:ahLst/>
-              <a:cxnLst>
-                <a:cxn ang="T12">
-                  <a:pos x="T0" y="T1"/>
-                </a:cxn>
-                <a:cxn ang="T13">
-                  <a:pos x="T2" y="T3"/>
-                </a:cxn>
-                <a:cxn ang="T14">
-                  <a:pos x="T4" y="T5"/>
-                </a:cxn>
-                <a:cxn ang="T15">
-                  <a:pos x="T6" y="T7"/>
-                </a:cxn>
-                <a:cxn ang="T16">
-                  <a:pos x="T8" y="T9"/>
-                </a:cxn>
-                <a:cxn ang="T17">
-                  <a:pos x="T10" y="T11"/>
-                </a:cxn>
-              </a:cxnLst>
-              <a:rect l="T18" t="T19" r="T20" b="T21"/>
-              <a:pathLst>
-                <a:path w="416" h="582">
-                  <a:moveTo>
-                    <a:pt x="170" y="0"/>
-                  </a:moveTo>
-                  <a:lnTo>
-                    <a:pt x="416" y="582"/>
-                  </a:lnTo>
-                  <a:lnTo>
-                    <a:pt x="254" y="582"/>
-                  </a:lnTo>
-                  <a:lnTo>
-                    <a:pt x="180" y="396"/>
-                  </a:lnTo>
-                  <a:lnTo>
-                    <a:pt x="0" y="396"/>
-                  </a:lnTo>
-                  <a:lnTo>
-                    <a:pt x="170" y="0"/>
-                  </a:lnTo>
-                  <a:close/>
-                </a:path>
-              </a:pathLst>
-            </a:custGeom>
-            <a:solidFill>
-              <a:srgbClr val="FFFFFF"/>
-            </a:solidFill>
-            <a:ln w="9525">
-              <a:noFill/>
-              <a:round/>
-              <a:headEnd/>
-              <a:tailEnd/>
-            </a:ln>
-          </p:spPr>
-          <p:txBody>
-            <a:bodyPr/>
-            <a:lstStyle/>
-            <a:p>
-              <a:endParaRPr lang="en-US">
-                <a:solidFill>
-                  <a:srgbClr val="FFFFFF"/>
-                </a:solidFill>
-              </a:endParaRPr>
-            </a:p>
-          </p:txBody>
-        </p:sp>
-        <p:sp>
-          <p:nvSpPr>
-            <p:cNvPr id="19" name="Freeform 18"/>
-            <p:cNvSpPr>
-              <a:spLocks noEditPoints="1"/>
-            </p:cNvSpPr>
-            <p:nvPr/>
-          </p:nvSpPr>
-          <p:spPr bwMode="auto">
-            <a:xfrm>
-              <a:off x="8977626" y="6528874"/>
-              <a:ext cx="12899" cy="12884"/>
-            </a:xfrm>
-            <a:custGeom>
-              <a:avLst/>
-              <a:gdLst>
-                <a:gd name="T0" fmla="*/ 287240651 w 72"/>
-                <a:gd name="T1" fmla="*/ 0 h 72"/>
-                <a:gd name="T2" fmla="*/ 398918740 w 72"/>
-                <a:gd name="T3" fmla="*/ 15968860 h 72"/>
-                <a:gd name="T4" fmla="*/ 494665623 w 72"/>
-                <a:gd name="T5" fmla="*/ 79764775 h 72"/>
-                <a:gd name="T6" fmla="*/ 558470370 w 72"/>
-                <a:gd name="T7" fmla="*/ 175498211 h 72"/>
-                <a:gd name="T8" fmla="*/ 574441339 w 72"/>
-                <a:gd name="T9" fmla="*/ 287160744 h 72"/>
-                <a:gd name="T10" fmla="*/ 574441339 w 72"/>
-                <a:gd name="T11" fmla="*/ 335027562 h 72"/>
-                <a:gd name="T12" fmla="*/ 526567997 w 72"/>
-                <a:gd name="T13" fmla="*/ 446690095 h 72"/>
-                <a:gd name="T14" fmla="*/ 446792281 w 72"/>
-                <a:gd name="T15" fmla="*/ 526454871 h 72"/>
-                <a:gd name="T16" fmla="*/ 351045398 w 72"/>
-                <a:gd name="T17" fmla="*/ 558352829 h 72"/>
-                <a:gd name="T18" fmla="*/ 287240651 w 72"/>
-                <a:gd name="T19" fmla="*/ 574321688 h 72"/>
-                <a:gd name="T20" fmla="*/ 175522599 w 72"/>
-                <a:gd name="T21" fmla="*/ 542423730 h 72"/>
-                <a:gd name="T22" fmla="*/ 79775715 w 72"/>
-                <a:gd name="T23" fmla="*/ 494556913 h 72"/>
-                <a:gd name="T24" fmla="*/ 15971169 w 72"/>
-                <a:gd name="T25" fmla="*/ 398823278 h 72"/>
-                <a:gd name="T26" fmla="*/ 0 w 72"/>
-                <a:gd name="T27" fmla="*/ 287160744 h 72"/>
-                <a:gd name="T28" fmla="*/ 0 w 72"/>
-                <a:gd name="T29" fmla="*/ 223365028 h 72"/>
-                <a:gd name="T30" fmla="*/ 47873542 w 72"/>
-                <a:gd name="T31" fmla="*/ 127631393 h 72"/>
-                <a:gd name="T32" fmla="*/ 127649257 w 72"/>
-                <a:gd name="T33" fmla="*/ 47866818 h 72"/>
-                <a:gd name="T34" fmla="*/ 223396141 w 72"/>
-                <a:gd name="T35" fmla="*/ 0 h 72"/>
-                <a:gd name="T36" fmla="*/ 287240651 w 72"/>
-                <a:gd name="T37" fmla="*/ 0 h 72"/>
-                <a:gd name="T38" fmla="*/ 287240651 w 72"/>
-                <a:gd name="T39" fmla="*/ 47866818 h 72"/>
-                <a:gd name="T40" fmla="*/ 207424972 w 72"/>
-                <a:gd name="T41" fmla="*/ 63795716 h 72"/>
-                <a:gd name="T42" fmla="*/ 79775715 w 72"/>
-                <a:gd name="T43" fmla="*/ 191427309 h 72"/>
-                <a:gd name="T44" fmla="*/ 63844511 w 72"/>
-                <a:gd name="T45" fmla="*/ 287160744 h 72"/>
-                <a:gd name="T46" fmla="*/ 127649257 w 72"/>
-                <a:gd name="T47" fmla="*/ 446690095 h 72"/>
-                <a:gd name="T48" fmla="*/ 239367309 w 72"/>
-                <a:gd name="T49" fmla="*/ 510525772 h 72"/>
-                <a:gd name="T50" fmla="*/ 287240651 w 72"/>
-                <a:gd name="T51" fmla="*/ 526454871 h 72"/>
-                <a:gd name="T52" fmla="*/ 382947571 w 72"/>
-                <a:gd name="T53" fmla="*/ 510525772 h 72"/>
-                <a:gd name="T54" fmla="*/ 494665623 w 72"/>
-                <a:gd name="T55" fmla="*/ 382894379 h 72"/>
-                <a:gd name="T56" fmla="*/ 510596828 w 72"/>
-                <a:gd name="T57" fmla="*/ 287160744 h 72"/>
-                <a:gd name="T58" fmla="*/ 446792281 w 72"/>
-                <a:gd name="T59" fmla="*/ 111662534 h 72"/>
-                <a:gd name="T60" fmla="*/ 335074229 w 72"/>
-                <a:gd name="T61" fmla="*/ 47866818 h 72"/>
-                <a:gd name="T62" fmla="*/ 287240651 w 72"/>
-                <a:gd name="T63" fmla="*/ 47866818 h 72"/>
-                <a:gd name="T64" fmla="*/ 175522599 w 72"/>
-                <a:gd name="T65" fmla="*/ 446690095 h 72"/>
-                <a:gd name="T66" fmla="*/ 175522599 w 72"/>
-                <a:gd name="T67" fmla="*/ 127631393 h 72"/>
-                <a:gd name="T68" fmla="*/ 271269483 w 72"/>
-                <a:gd name="T69" fmla="*/ 127631393 h 72"/>
-                <a:gd name="T70" fmla="*/ 382947571 w 72"/>
-                <a:gd name="T71" fmla="*/ 143600453 h 72"/>
-                <a:gd name="T72" fmla="*/ 398918740 w 72"/>
-                <a:gd name="T73" fmla="*/ 175498211 h 72"/>
-                <a:gd name="T74" fmla="*/ 398918740 w 72"/>
-                <a:gd name="T75" fmla="*/ 223365028 h 72"/>
-                <a:gd name="T76" fmla="*/ 382947571 w 72"/>
-                <a:gd name="T77" fmla="*/ 271191885 h 72"/>
-                <a:gd name="T78" fmla="*/ 351045398 w 72"/>
-                <a:gd name="T79" fmla="*/ 287160744 h 72"/>
-                <a:gd name="T80" fmla="*/ 382947571 w 72"/>
-                <a:gd name="T81" fmla="*/ 319058702 h 72"/>
-                <a:gd name="T82" fmla="*/ 398918740 w 72"/>
-                <a:gd name="T83" fmla="*/ 366925520 h 72"/>
-                <a:gd name="T84" fmla="*/ 351045398 w 72"/>
-                <a:gd name="T85" fmla="*/ 446690095 h 72"/>
-                <a:gd name="T86" fmla="*/ 335074229 w 72"/>
-                <a:gd name="T87" fmla="*/ 366925520 h 72"/>
-                <a:gd name="T88" fmla="*/ 319143024 w 72"/>
-                <a:gd name="T89" fmla="*/ 335027562 h 72"/>
-                <a:gd name="T90" fmla="*/ 239367309 w 72"/>
-                <a:gd name="T91" fmla="*/ 319058702 h 72"/>
-                <a:gd name="T92" fmla="*/ 239367309 w 72"/>
-                <a:gd name="T93" fmla="*/ 271191885 h 72"/>
-                <a:gd name="T94" fmla="*/ 271269483 w 72"/>
-                <a:gd name="T95" fmla="*/ 271191885 h 72"/>
-                <a:gd name="T96" fmla="*/ 335074229 w 72"/>
-                <a:gd name="T97" fmla="*/ 239294127 h 72"/>
-                <a:gd name="T98" fmla="*/ 351045398 w 72"/>
-                <a:gd name="T99" fmla="*/ 223365028 h 72"/>
-                <a:gd name="T100" fmla="*/ 335074229 w 72"/>
-                <a:gd name="T101" fmla="*/ 175498211 h 72"/>
-                <a:gd name="T102" fmla="*/ 271269483 w 72"/>
-                <a:gd name="T103" fmla="*/ 159529351 h 72"/>
-                <a:gd name="T104" fmla="*/ 239367309 w 72"/>
-                <a:gd name="T105" fmla="*/ 175498211 h 72"/>
-                <a:gd name="T106" fmla="*/ 0 60000 65536"/>
-                <a:gd name="T107" fmla="*/ 0 60000 65536"/>
-                <a:gd name="T108" fmla="*/ 0 60000 65536"/>
-                <a:gd name="T109" fmla="*/ 0 60000 65536"/>
-                <a:gd name="T110" fmla="*/ 0 60000 65536"/>
-                <a:gd name="T111" fmla="*/ 0 60000 65536"/>
-                <a:gd name="T112" fmla="*/ 0 60000 65536"/>
-                <a:gd name="T113" fmla="*/ 0 60000 65536"/>
-                <a:gd name="T114" fmla="*/ 0 60000 65536"/>
-                <a:gd name="T115" fmla="*/ 0 60000 65536"/>
-                <a:gd name="T116" fmla="*/ 0 60000 65536"/>
-                <a:gd name="T117" fmla="*/ 0 60000 65536"/>
-                <a:gd name="T118" fmla="*/ 0 60000 65536"/>
-                <a:gd name="T119" fmla="*/ 0 60000 65536"/>
-                <a:gd name="T120" fmla="*/ 0 60000 65536"/>
-                <a:gd name="T121" fmla="*/ 0 60000 65536"/>
-                <a:gd name="T122" fmla="*/ 0 60000 65536"/>
-                <a:gd name="T123" fmla="*/ 0 60000 65536"/>
-                <a:gd name="T124" fmla="*/ 0 60000 65536"/>
-                <a:gd name="T125" fmla="*/ 0 60000 65536"/>
-                <a:gd name="T126" fmla="*/ 0 60000 65536"/>
-                <a:gd name="T127" fmla="*/ 0 60000 65536"/>
-                <a:gd name="T128" fmla="*/ 0 60000 65536"/>
-                <a:gd name="T129" fmla="*/ 0 60000 65536"/>
-                <a:gd name="T130" fmla="*/ 0 60000 65536"/>
-                <a:gd name="T131" fmla="*/ 0 60000 65536"/>
-                <a:gd name="T132" fmla="*/ 0 60000 65536"/>
-                <a:gd name="T133" fmla="*/ 0 60000 65536"/>
-                <a:gd name="T134" fmla="*/ 0 60000 65536"/>
-                <a:gd name="T135" fmla="*/ 0 60000 65536"/>
-                <a:gd name="T136" fmla="*/ 0 60000 65536"/>
-                <a:gd name="T137" fmla="*/ 0 60000 65536"/>
-                <a:gd name="T138" fmla="*/ 0 60000 65536"/>
-                <a:gd name="T139" fmla="*/ 0 60000 65536"/>
-                <a:gd name="T140" fmla="*/ 0 60000 65536"/>
-                <a:gd name="T141" fmla="*/ 0 60000 65536"/>
-                <a:gd name="T142" fmla="*/ 0 60000 65536"/>
-                <a:gd name="T143" fmla="*/ 0 60000 65536"/>
-                <a:gd name="T144" fmla="*/ 0 60000 65536"/>
-                <a:gd name="T145" fmla="*/ 0 60000 65536"/>
-                <a:gd name="T146" fmla="*/ 0 60000 65536"/>
-                <a:gd name="T147" fmla="*/ 0 60000 65536"/>
-                <a:gd name="T148" fmla="*/ 0 60000 65536"/>
-                <a:gd name="T149" fmla="*/ 0 60000 65536"/>
-                <a:gd name="T150" fmla="*/ 0 60000 65536"/>
-                <a:gd name="T151" fmla="*/ 0 60000 65536"/>
-                <a:gd name="T152" fmla="*/ 0 60000 65536"/>
-                <a:gd name="T153" fmla="*/ 0 60000 65536"/>
-                <a:gd name="T154" fmla="*/ 0 60000 65536"/>
-                <a:gd name="T155" fmla="*/ 0 60000 65536"/>
-                <a:gd name="T156" fmla="*/ 0 60000 65536"/>
-                <a:gd name="T157" fmla="*/ 0 60000 65536"/>
-                <a:gd name="T158" fmla="*/ 0 60000 65536"/>
-                <a:gd name="T159" fmla="*/ 0 w 72"/>
-                <a:gd name="T160" fmla="*/ 0 h 72"/>
-                <a:gd name="T161" fmla="*/ 72 w 72"/>
-                <a:gd name="T162" fmla="*/ 72 h 72"/>
-              </a:gdLst>
-              <a:ahLst/>
-              <a:cxnLst>
-                <a:cxn ang="T106">
-                  <a:pos x="T0" y="T1"/>
-                </a:cxn>
-                <a:cxn ang="T107">
-                  <a:pos x="T2" y="T3"/>
-                </a:cxn>
-                <a:cxn ang="T108">
-                  <a:pos x="T4" y="T5"/>
-                </a:cxn>
-                <a:cxn ang="T109">
-                  <a:pos x="T6" y="T7"/>
-                </a:cxn>
-                <a:cxn ang="T110">
-                  <a:pos x="T8" y="T9"/>
-                </a:cxn>
-                <a:cxn ang="T111">
-                  <a:pos x="T10" y="T11"/>
-                </a:cxn>
-                <a:cxn ang="T112">
-                  <a:pos x="T12" y="T13"/>
-                </a:cxn>
-                <a:cxn ang="T113">
-                  <a:pos x="T14" y="T15"/>
-                </a:cxn>
-                <a:cxn ang="T114">
-                  <a:pos x="T16" y="T17"/>
-                </a:cxn>
-                <a:cxn ang="T115">
-                  <a:pos x="T18" y="T19"/>
-                </a:cxn>
-                <a:cxn ang="T116">
-                  <a:pos x="T20" y="T21"/>
-                </a:cxn>
-                <a:cxn ang="T117">
-                  <a:pos x="T22" y="T23"/>
-                </a:cxn>
-                <a:cxn ang="T118">
-                  <a:pos x="T24" y="T25"/>
-                </a:cxn>
-                <a:cxn ang="T119">
-                  <a:pos x="T26" y="T27"/>
-                </a:cxn>
-                <a:cxn ang="T120">
-                  <a:pos x="T28" y="T29"/>
-                </a:cxn>
-                <a:cxn ang="T121">
-                  <a:pos x="T30" y="T31"/>
-                </a:cxn>
-                <a:cxn ang="T122">
-                  <a:pos x="T32" y="T33"/>
-                </a:cxn>
-                <a:cxn ang="T123">
-                  <a:pos x="T34" y="T35"/>
-                </a:cxn>
-                <a:cxn ang="T124">
-                  <a:pos x="T36" y="T37"/>
-                </a:cxn>
-                <a:cxn ang="T125">
-                  <a:pos x="T38" y="T39"/>
-                </a:cxn>
-                <a:cxn ang="T126">
-                  <a:pos x="T40" y="T41"/>
-                </a:cxn>
-                <a:cxn ang="T127">
-                  <a:pos x="T42" y="T43"/>
-                </a:cxn>
-                <a:cxn ang="T128">
-                  <a:pos x="T44" y="T45"/>
-                </a:cxn>
-                <a:cxn ang="T129">
-                  <a:pos x="T46" y="T47"/>
-                </a:cxn>
-                <a:cxn ang="T130">
-                  <a:pos x="T48" y="T49"/>
-                </a:cxn>
-                <a:cxn ang="T131">
-                  <a:pos x="T50" y="T51"/>
-                </a:cxn>
-                <a:cxn ang="T132">
-                  <a:pos x="T52" y="T53"/>
-                </a:cxn>
-                <a:cxn ang="T133">
-                  <a:pos x="T54" y="T55"/>
-                </a:cxn>
-                <a:cxn ang="T134">
-                  <a:pos x="T56" y="T57"/>
-                </a:cxn>
-                <a:cxn ang="T135">
-                  <a:pos x="T58" y="T59"/>
-                </a:cxn>
-                <a:cxn ang="T136">
-                  <a:pos x="T60" y="T61"/>
-                </a:cxn>
-                <a:cxn ang="T137">
-                  <a:pos x="T62" y="T63"/>
-                </a:cxn>
-                <a:cxn ang="T138">
-                  <a:pos x="T64" y="T65"/>
-                </a:cxn>
-                <a:cxn ang="T139">
-                  <a:pos x="T66" y="T67"/>
-                </a:cxn>
-                <a:cxn ang="T140">
-                  <a:pos x="T68" y="T69"/>
-                </a:cxn>
-                <a:cxn ang="T141">
-                  <a:pos x="T70" y="T71"/>
-                </a:cxn>
-                <a:cxn ang="T142">
-                  <a:pos x="T72" y="T73"/>
-                </a:cxn>
-                <a:cxn ang="T143">
-                  <a:pos x="T74" y="T75"/>
-                </a:cxn>
-                <a:cxn ang="T144">
-                  <a:pos x="T76" y="T77"/>
-                </a:cxn>
-                <a:cxn ang="T145">
-                  <a:pos x="T78" y="T79"/>
-                </a:cxn>
-                <a:cxn ang="T146">
-                  <a:pos x="T80" y="T81"/>
-                </a:cxn>
-                <a:cxn ang="T147">
-                  <a:pos x="T82" y="T83"/>
-                </a:cxn>
-                <a:cxn ang="T148">
-                  <a:pos x="T84" y="T85"/>
-                </a:cxn>
-                <a:cxn ang="T149">
-                  <a:pos x="T86" y="T87"/>
-                </a:cxn>
-                <a:cxn ang="T150">
-                  <a:pos x="T88" y="T89"/>
-                </a:cxn>
-                <a:cxn ang="T151">
-                  <a:pos x="T90" y="T91"/>
-                </a:cxn>
-                <a:cxn ang="T152">
-                  <a:pos x="T92" y="T93"/>
-                </a:cxn>
-                <a:cxn ang="T153">
-                  <a:pos x="T94" y="T95"/>
-                </a:cxn>
-                <a:cxn ang="T154">
-                  <a:pos x="T96" y="T97"/>
-                </a:cxn>
-                <a:cxn ang="T155">
-                  <a:pos x="T98" y="T99"/>
-                </a:cxn>
-                <a:cxn ang="T156">
-                  <a:pos x="T100" y="T101"/>
-                </a:cxn>
-                <a:cxn ang="T157">
-                  <a:pos x="T102" y="T103"/>
-                </a:cxn>
-                <a:cxn ang="T158">
-                  <a:pos x="T104" y="T105"/>
-                </a:cxn>
-              </a:cxnLst>
-              <a:rect l="T159" t="T160" r="T161" b="T162"/>
-              <a:pathLst>
-                <a:path w="72" h="72">
-                  <a:moveTo>
-                    <a:pt x="36" y="0"/>
-                  </a:moveTo>
-                  <a:lnTo>
-                    <a:pt x="36" y="0"/>
-                  </a:lnTo>
-                  <a:lnTo>
-                    <a:pt x="44" y="0"/>
-                  </a:lnTo>
-                  <a:lnTo>
-                    <a:pt x="50" y="2"/>
-                  </a:lnTo>
-                  <a:lnTo>
-                    <a:pt x="56" y="6"/>
-                  </a:lnTo>
-                  <a:lnTo>
-                    <a:pt x="62" y="10"/>
-                  </a:lnTo>
-                  <a:lnTo>
-                    <a:pt x="66" y="16"/>
-                  </a:lnTo>
-                  <a:lnTo>
-                    <a:pt x="70" y="22"/>
-                  </a:lnTo>
-                  <a:lnTo>
-                    <a:pt x="72" y="28"/>
-                  </a:lnTo>
-                  <a:lnTo>
-                    <a:pt x="72" y="36"/>
-                  </a:lnTo>
-                  <a:lnTo>
-                    <a:pt x="72" y="42"/>
-                  </a:lnTo>
-                  <a:lnTo>
-                    <a:pt x="70" y="50"/>
-                  </a:lnTo>
-                  <a:lnTo>
-                    <a:pt x="66" y="56"/>
-                  </a:lnTo>
-                  <a:lnTo>
-                    <a:pt x="62" y="62"/>
-                  </a:lnTo>
-                  <a:lnTo>
-                    <a:pt x="56" y="66"/>
-                  </a:lnTo>
-                  <a:lnTo>
-                    <a:pt x="50" y="68"/>
-                  </a:lnTo>
-                  <a:lnTo>
-                    <a:pt x="44" y="70"/>
-                  </a:lnTo>
-                  <a:lnTo>
-                    <a:pt x="36" y="72"/>
-                  </a:lnTo>
-                  <a:lnTo>
-                    <a:pt x="28" y="70"/>
-                  </a:lnTo>
-                  <a:lnTo>
-                    <a:pt x="22" y="68"/>
-                  </a:lnTo>
-                  <a:lnTo>
-                    <a:pt x="16" y="66"/>
-                  </a:lnTo>
-                  <a:lnTo>
-                    <a:pt x="10" y="62"/>
-                  </a:lnTo>
-                  <a:lnTo>
-                    <a:pt x="6" y="56"/>
-                  </a:lnTo>
-                  <a:lnTo>
-                    <a:pt x="2" y="50"/>
-                  </a:lnTo>
-                  <a:lnTo>
-                    <a:pt x="0" y="42"/>
-                  </a:lnTo>
-                  <a:lnTo>
-                    <a:pt x="0" y="36"/>
-                  </a:lnTo>
-                  <a:lnTo>
-                    <a:pt x="0" y="28"/>
-                  </a:lnTo>
-                  <a:lnTo>
-                    <a:pt x="2" y="22"/>
-                  </a:lnTo>
-                  <a:lnTo>
-                    <a:pt x="6" y="16"/>
-                  </a:lnTo>
-                  <a:lnTo>
-                    <a:pt x="10" y="10"/>
-                  </a:lnTo>
-                  <a:lnTo>
-                    <a:pt x="16" y="6"/>
-                  </a:lnTo>
-                  <a:lnTo>
-                    <a:pt x="22" y="2"/>
-                  </a:lnTo>
-                  <a:lnTo>
-                    <a:pt x="28" y="0"/>
-                  </a:lnTo>
-                  <a:lnTo>
-                    <a:pt x="36" y="0"/>
-                  </a:lnTo>
-                  <a:close/>
-                  <a:moveTo>
-                    <a:pt x="36" y="6"/>
-                  </a:moveTo>
-                  <a:lnTo>
-                    <a:pt x="36" y="6"/>
-                  </a:lnTo>
-                  <a:lnTo>
-                    <a:pt x="30" y="6"/>
-                  </a:lnTo>
-                  <a:lnTo>
-                    <a:pt x="26" y="8"/>
-                  </a:lnTo>
-                  <a:lnTo>
-                    <a:pt x="16" y="14"/>
-                  </a:lnTo>
-                  <a:lnTo>
-                    <a:pt x="10" y="24"/>
-                  </a:lnTo>
-                  <a:lnTo>
-                    <a:pt x="8" y="36"/>
-                  </a:lnTo>
-                  <a:lnTo>
-                    <a:pt x="10" y="48"/>
-                  </a:lnTo>
-                  <a:lnTo>
-                    <a:pt x="16" y="56"/>
-                  </a:lnTo>
-                  <a:lnTo>
-                    <a:pt x="26" y="64"/>
-                  </a:lnTo>
-                  <a:lnTo>
-                    <a:pt x="30" y="64"/>
-                  </a:lnTo>
-                  <a:lnTo>
-                    <a:pt x="36" y="66"/>
-                  </a:lnTo>
-                  <a:lnTo>
-                    <a:pt x="42" y="66"/>
-                  </a:lnTo>
-                  <a:lnTo>
-                    <a:pt x="48" y="64"/>
-                  </a:lnTo>
-                  <a:lnTo>
-                    <a:pt x="56" y="56"/>
-                  </a:lnTo>
-                  <a:lnTo>
-                    <a:pt x="62" y="48"/>
-                  </a:lnTo>
-                  <a:lnTo>
-                    <a:pt x="64" y="36"/>
-                  </a:lnTo>
-                  <a:lnTo>
-                    <a:pt x="62" y="24"/>
-                  </a:lnTo>
-                  <a:lnTo>
-                    <a:pt x="56" y="14"/>
-                  </a:lnTo>
-                  <a:lnTo>
-                    <a:pt x="48" y="8"/>
-                  </a:lnTo>
-                  <a:lnTo>
-                    <a:pt x="42" y="6"/>
-                  </a:lnTo>
-                  <a:lnTo>
-                    <a:pt x="36" y="6"/>
-                  </a:lnTo>
-                  <a:close/>
-                  <a:moveTo>
-                    <a:pt x="30" y="56"/>
-                  </a:moveTo>
-                  <a:lnTo>
-                    <a:pt x="22" y="56"/>
-                  </a:lnTo>
-                  <a:lnTo>
-                    <a:pt x="22" y="16"/>
-                  </a:lnTo>
-                  <a:lnTo>
-                    <a:pt x="34" y="16"/>
-                  </a:lnTo>
-                  <a:lnTo>
-                    <a:pt x="42" y="16"/>
-                  </a:lnTo>
-                  <a:lnTo>
-                    <a:pt x="48" y="18"/>
-                  </a:lnTo>
-                  <a:lnTo>
-                    <a:pt x="50" y="22"/>
-                  </a:lnTo>
-                  <a:lnTo>
-                    <a:pt x="50" y="28"/>
-                  </a:lnTo>
-                  <a:lnTo>
-                    <a:pt x="50" y="30"/>
-                  </a:lnTo>
-                  <a:lnTo>
-                    <a:pt x="48" y="34"/>
-                  </a:lnTo>
-                  <a:lnTo>
-                    <a:pt x="44" y="36"/>
-                  </a:lnTo>
-                  <a:lnTo>
-                    <a:pt x="48" y="40"/>
-                  </a:lnTo>
-                  <a:lnTo>
-                    <a:pt x="50" y="46"/>
-                  </a:lnTo>
-                  <a:lnTo>
-                    <a:pt x="52" y="56"/>
-                  </a:lnTo>
-                  <a:lnTo>
-                    <a:pt x="44" y="56"/>
-                  </a:lnTo>
-                  <a:lnTo>
-                    <a:pt x="42" y="46"/>
-                  </a:lnTo>
-                  <a:lnTo>
-                    <a:pt x="40" y="42"/>
-                  </a:lnTo>
-                  <a:lnTo>
-                    <a:pt x="34" y="40"/>
-                  </a:lnTo>
-                  <a:lnTo>
-                    <a:pt x="30" y="40"/>
-                  </a:lnTo>
-                  <a:lnTo>
-                    <a:pt x="30" y="56"/>
-                  </a:lnTo>
-                  <a:close/>
-                  <a:moveTo>
-                    <a:pt x="30" y="34"/>
-                  </a:moveTo>
-                  <a:lnTo>
-                    <a:pt x="34" y="34"/>
-                  </a:lnTo>
-                  <a:lnTo>
-                    <a:pt x="40" y="32"/>
-                  </a:lnTo>
-                  <a:lnTo>
-                    <a:pt x="42" y="30"/>
-                  </a:lnTo>
-                  <a:lnTo>
-                    <a:pt x="44" y="28"/>
-                  </a:lnTo>
-                  <a:lnTo>
-                    <a:pt x="44" y="26"/>
-                  </a:lnTo>
-                  <a:lnTo>
-                    <a:pt x="42" y="22"/>
-                  </a:lnTo>
-                  <a:lnTo>
-                    <a:pt x="38" y="22"/>
-                  </a:lnTo>
-                  <a:lnTo>
-                    <a:pt x="34" y="20"/>
-                  </a:lnTo>
-                  <a:lnTo>
-                    <a:pt x="30" y="22"/>
-                  </a:lnTo>
-                  <a:lnTo>
-                    <a:pt x="30" y="34"/>
-                  </a:lnTo>
-                  <a:close/>
-                </a:path>
-              </a:pathLst>
-            </a:custGeom>
-            <a:solidFill>
-              <a:srgbClr val="FFFFFF"/>
-            </a:solidFill>
-            <a:ln w="9525">
-              <a:noFill/>
-              <a:round/>
-              <a:headEnd/>
-              <a:tailEnd/>
-            </a:ln>
-          </p:spPr>
-          <p:txBody>
-            <a:bodyPr/>
-            <a:lstStyle/>
-            <a:p>
-              <a:endParaRPr lang="en-US">
-                <a:solidFill>
-                  <a:srgbClr val="FFFFFF"/>
-                </a:solidFill>
-              </a:endParaRPr>
-            </a:p>
-          </p:txBody>
-        </p:sp>
-      </p:grpSp>
-      <p:sp>
-        <p:nvSpPr>
           <p:cNvPr id="2" name="Title Placeholder 1"/>
           <p:cNvSpPr>
             <a:spLocks noGrp="1"/>
@@ -4757,8 +2447,8 @@
         </p:nvSpPr>
         <p:spPr>
           <a:xfrm>
-            <a:off x="228600" y="184150"/>
-            <a:ext cx="8686800" cy="411162"/>
+            <a:off x="838200" y="365125"/>
+            <a:ext cx="10515600" cy="1325563"/>
           </a:xfrm>
           <a:prstGeom prst="rect">
             <a:avLst/>
@@ -4774,7 +2464,7 @@
               <a:rPr lang="en-US"/>
               <a:t>Click to edit Master title style</a:t>
             </a:r>
-            <a:endParaRPr lang="en-US" dirty="0"/>
+            <a:endParaRPr lang="en-US"/>
           </a:p>
         </p:txBody>
       </p:sp>
@@ -4790,8 +2480,8 @@
         </p:nvSpPr>
         <p:spPr>
           <a:xfrm>
-            <a:off x="228600" y="990600"/>
-            <a:ext cx="8686800" cy="5181600"/>
+            <a:off x="838200" y="1825625"/>
+            <a:ext cx="10515600" cy="4351338"/>
           </a:xfrm>
           <a:prstGeom prst="rect">
             <a:avLst/>
@@ -4836,7 +2526,7 @@
               <a:rPr lang="en-US"/>
               <a:t>Fifth level</a:t>
             </a:r>
-            <a:endParaRPr lang="en-US" dirty="0"/>
+            <a:endParaRPr lang="en-US"/>
           </a:p>
         </p:txBody>
       </p:sp>
@@ -4852,8 +2542,8 @@
         </p:nvSpPr>
         <p:spPr>
           <a:xfrm>
-            <a:off x="4191000" y="6629400"/>
-            <a:ext cx="762000" cy="168274"/>
+            <a:off x="838200" y="6356350"/>
+            <a:ext cx="2743200" cy="365125"/>
           </a:xfrm>
           <a:prstGeom prst="rect">
             <a:avLst/>
@@ -4862,16 +2552,22 @@
         <p:txBody>
           <a:bodyPr vert="horz" lIns="91440" tIns="45720" rIns="91440" bIns="45720" rtlCol="0" anchor="ctr"/>
           <a:lstStyle>
-            <a:lvl1pPr algn="ctr">
-              <a:defRPr sz="800">
+            <a:lvl1pPr algn="l">
+              <a:defRPr sz="1200">
                 <a:solidFill>
-                  <a:schemeClr val="bg1"/>
+                  <a:schemeClr val="tx1">
+                    <a:tint val="75000"/>
+                  </a:schemeClr>
                 </a:solidFill>
               </a:defRPr>
             </a:lvl1pPr>
           </a:lstStyle>
           <a:p>
-            <a:endParaRPr lang="en-US" dirty="0"/>
+            <a:fld id="{28E074A1-B905-405A-B5FD-72A8FF5C7FF5}" type="datetimeFigureOut">
+              <a:rPr lang="en-US" smtClean="0"/>
+              <a:t>6/13/2017</a:t>
+            </a:fld>
+            <a:endParaRPr lang="en-US"/>
           </a:p>
         </p:txBody>
       </p:sp>
@@ -4887,30 +2583,28 @@
         </p:nvSpPr>
         <p:spPr>
           <a:xfrm>
-            <a:off x="211136" y="6629400"/>
-            <a:ext cx="3903664" cy="168274"/>
+            <a:off x="4038600" y="6356350"/>
+            <a:ext cx="4114800" cy="365125"/>
           </a:xfrm>
           <a:prstGeom prst="rect">
             <a:avLst/>
           </a:prstGeom>
         </p:spPr>
         <p:txBody>
-          <a:bodyPr vert="horz" lIns="0" tIns="45720" rIns="91440" bIns="45720" rtlCol="0" anchor="ctr"/>
+          <a:bodyPr vert="horz" lIns="91440" tIns="45720" rIns="91440" bIns="45720" rtlCol="0" anchor="ctr"/>
           <a:lstStyle>
-            <a:lvl1pPr algn="l">
-              <a:defRPr sz="800">
+            <a:lvl1pPr algn="ctr">
+              <a:defRPr sz="1200">
                 <a:solidFill>
-                  <a:schemeClr val="bg1"/>
+                  <a:schemeClr val="tx1">
+                    <a:tint val="75000"/>
+                  </a:schemeClr>
                 </a:solidFill>
               </a:defRPr>
             </a:lvl1pPr>
           </a:lstStyle>
           <a:p>
-            <a:r>
-              <a:rPr lang="en-US"/>
-              <a:t>Footer Text</a:t>
-            </a:r>
-            <a:endParaRPr lang="en-US" dirty="0"/>
+            <a:endParaRPr lang="en-US"/>
           </a:p>
         </p:txBody>
       </p:sp>
@@ -4926,8 +2620,8 @@
         </p:nvSpPr>
         <p:spPr>
           <a:xfrm>
-            <a:off x="4191000" y="6477000"/>
-            <a:ext cx="762000" cy="168274"/>
+            <a:off x="8610600" y="6356350"/>
+            <a:ext cx="2743200" cy="365125"/>
           </a:xfrm>
           <a:prstGeom prst="rect">
             <a:avLst/>
@@ -4937,25 +2631,30 @@
           <a:bodyPr vert="horz" lIns="91440" tIns="45720" rIns="91440" bIns="45720" rtlCol="0" anchor="ctr"/>
           <a:lstStyle>
             <a:lvl1pPr algn="r">
-              <a:defRPr sz="800">
+              <a:defRPr sz="1200">
                 <a:solidFill>
-                  <a:schemeClr val="bg1"/>
+                  <a:schemeClr val="tx1">
+                    <a:tint val="75000"/>
+                  </a:schemeClr>
                 </a:solidFill>
               </a:defRPr>
             </a:lvl1pPr>
           </a:lstStyle>
           <a:p>
-            <a:pPr algn="ctr"/>
-            <a:fld id="{90156F56-D5AE-4C6F-B826-C69D1BC521BB}" type="slidenum">
+            <a:fld id="{605D3E17-367E-4959-9074-EE309E8B7BCF}" type="slidenum">
               <a:rPr lang="en-US" smtClean="0"/>
-              <a:pPr algn="ctr"/>
               <a:t>‹#›</a:t>
             </a:fld>
-            <a:endParaRPr lang="en-US" dirty="0"/>
+            <a:endParaRPr lang="en-US"/>
           </a:p>
         </p:txBody>
       </p:sp>
     </p:spTree>
+    <p:extLst>
+      <p:ext uri="{BB962C8B-B14F-4D97-AF65-F5344CB8AC3E}">
+        <p14:creationId xmlns:p14="http://schemas.microsoft.com/office/powerpoint/2010/main" val="4074493129"/>
+      </p:ext>
+    </p:extLst>
   </p:cSld>
   <p:clrMap bg1="lt1" tx1="dk1" bg2="lt2" tx2="dk2" accent1="accent1" accent2="accent2" accent3="accent3" accent4="accent4" accent5="accent5" accent6="accent6" hlink="hlink" folHlink="folHlink"/>
   <p:sldLayoutIdLst>
@@ -4964,21 +2663,26 @@
     <p:sldLayoutId id="2147483651" r:id="rId3"/>
     <p:sldLayoutId id="2147483652" r:id="rId4"/>
     <p:sldLayoutId id="2147483653" r:id="rId5"/>
+    <p:sldLayoutId id="2147483654" r:id="rId6"/>
+    <p:sldLayoutId id="2147483655" r:id="rId7"/>
+    <p:sldLayoutId id="2147483656" r:id="rId8"/>
+    <p:sldLayoutId id="2147483657" r:id="rId9"/>
+    <p:sldLayoutId id="2147483658" r:id="rId10"/>
+    <p:sldLayoutId id="2147483659" r:id="rId11"/>
   </p:sldLayoutIdLst>
-  <p:transition>
-    <p:fade/>
-  </p:transition>
-  <p:hf hdr="0" ftr="0" dt="0"/>
   <p:txStyles>
     <p:titleStyle>
       <a:lvl1pPr algn="l" defTabSz="914400" rtl="0" eaLnBrk="1" latinLnBrk="0" hangingPunct="1">
+        <a:lnSpc>
+          <a:spcPct val="90000"/>
+        </a:lnSpc>
         <a:spcBef>
           <a:spcPct val="0"/>
         </a:spcBef>
         <a:buNone/>
-        <a:defRPr sz="2400" kern="1200">
+        <a:defRPr sz="4400" kern="1200">
           <a:solidFill>
-            <a:schemeClr val="bg2"/>
+            <a:schemeClr val="tx1"/>
           </a:solidFill>
           <a:latin typeface="+mj-lt"/>
           <a:ea typeface="+mj-ea"/>
@@ -4987,16 +2691,51 @@
       </a:lvl1pPr>
     </p:titleStyle>
     <p:bodyStyle>
-      <a:lvl1pPr marL="231775" indent="-231775" algn="l" defTabSz="914400" rtl="0" eaLnBrk="1" latinLnBrk="0" hangingPunct="1">
+      <a:lvl1pPr marL="228600" indent="-228600" algn="l" defTabSz="914400" rtl="0" eaLnBrk="1" latinLnBrk="0" hangingPunct="1">
+        <a:lnSpc>
+          <a:spcPct val="90000"/>
+        </a:lnSpc>
         <a:spcBef>
-          <a:spcPts val="600"/>
+          <a:spcPts val="1000"/>
         </a:spcBef>
-        <a:buClr>
-          <a:schemeClr val="accent4"/>
-        </a:buClr>
-        <a:buSzPct val="70000"/>
-        <a:buFont typeface="Wingdings" pitchFamily="2" charset="2"/>
-        <a:buChar char="§"/>
+        <a:buFont typeface="Arial" panose="020B0604020202020204" pitchFamily="34" charset="0"/>
+        <a:buChar char="•"/>
+        <a:defRPr sz="2800" kern="1200">
+          <a:solidFill>
+            <a:schemeClr val="tx1"/>
+          </a:solidFill>
+          <a:latin typeface="+mn-lt"/>
+          <a:ea typeface="+mn-ea"/>
+          <a:cs typeface="+mn-cs"/>
+        </a:defRPr>
+      </a:lvl1pPr>
+      <a:lvl2pPr marL="685800" indent="-228600" algn="l" defTabSz="914400" rtl="0" eaLnBrk="1" latinLnBrk="0" hangingPunct="1">
+        <a:lnSpc>
+          <a:spcPct val="90000"/>
+        </a:lnSpc>
+        <a:spcBef>
+          <a:spcPts val="500"/>
+        </a:spcBef>
+        <a:buFont typeface="Arial" panose="020B0604020202020204" pitchFamily="34" charset="0"/>
+        <a:buChar char="•"/>
+        <a:defRPr sz="2400" kern="1200">
+          <a:solidFill>
+            <a:schemeClr val="tx1"/>
+          </a:solidFill>
+          <a:latin typeface="+mn-lt"/>
+          <a:ea typeface="+mn-ea"/>
+          <a:cs typeface="+mn-cs"/>
+        </a:defRPr>
+      </a:lvl2pPr>
+      <a:lvl3pPr marL="1143000" indent="-228600" algn="l" defTabSz="914400" rtl="0" eaLnBrk="1" latinLnBrk="0" hangingPunct="1">
+        <a:lnSpc>
+          <a:spcPct val="90000"/>
+        </a:lnSpc>
+        <a:spcBef>
+          <a:spcPts val="500"/>
+        </a:spcBef>
+        <a:buFont typeface="Arial" panose="020B0604020202020204" pitchFamily="34" charset="0"/>
+        <a:buChar char="•"/>
         <a:defRPr sz="2000" kern="1200">
           <a:solidFill>
             <a:schemeClr val="tx1"/>
@@ -5005,17 +2744,16 @@
           <a:ea typeface="+mn-ea"/>
           <a:cs typeface="+mn-cs"/>
         </a:defRPr>
-      </a:lvl1pPr>
-      <a:lvl2pPr marL="463550" indent="-231775" algn="l" defTabSz="914400" rtl="0" eaLnBrk="1" latinLnBrk="0" hangingPunct="1">
+      </a:lvl3pPr>
+      <a:lvl4pPr marL="1600200" indent="-228600" algn="l" defTabSz="914400" rtl="0" eaLnBrk="1" latinLnBrk="0" hangingPunct="1">
+        <a:lnSpc>
+          <a:spcPct val="90000"/>
+        </a:lnSpc>
         <a:spcBef>
-          <a:spcPts val="600"/>
+          <a:spcPts val="500"/>
         </a:spcBef>
-        <a:buClr>
-          <a:schemeClr val="accent4"/>
-        </a:buClr>
-        <a:buSzPct val="70000"/>
-        <a:buFont typeface="Wingdings" pitchFamily="2" charset="2"/>
-        <a:buChar char="§"/>
+        <a:buFont typeface="Arial" panose="020B0604020202020204" pitchFamily="34" charset="0"/>
+        <a:buChar char="•"/>
         <a:defRPr sz="1800" kern="1200">
           <a:solidFill>
             <a:schemeClr val="tx1"/>
@@ -5024,56 +2762,17 @@
           <a:ea typeface="+mn-ea"/>
           <a:cs typeface="+mn-cs"/>
         </a:defRPr>
-      </a:lvl2pPr>
-      <a:lvl3pPr marL="631825" indent="-168275" algn="l" defTabSz="914400" rtl="0" eaLnBrk="1" latinLnBrk="0" hangingPunct="1">
+      </a:lvl4pPr>
+      <a:lvl5pPr marL="2057400" indent="-228600" algn="l" defTabSz="914400" rtl="0" eaLnBrk="1" latinLnBrk="0" hangingPunct="1">
+        <a:lnSpc>
+          <a:spcPct val="90000"/>
+        </a:lnSpc>
         <a:spcBef>
-          <a:spcPts val="600"/>
+          <a:spcPts val="500"/>
         </a:spcBef>
-        <a:buClr>
-          <a:schemeClr val="accent4"/>
-        </a:buClr>
-        <a:buSzPct val="70000"/>
-        <a:buFont typeface="Wingdings" pitchFamily="2" charset="2"/>
-        <a:buChar char="§"/>
-        <a:defRPr sz="1600" kern="1200">
-          <a:solidFill>
-            <a:schemeClr val="tx1"/>
-          </a:solidFill>
-          <a:latin typeface="+mn-lt"/>
-          <a:ea typeface="+mn-ea"/>
-          <a:cs typeface="+mn-cs"/>
-        </a:defRPr>
-      </a:lvl3pPr>
-      <a:lvl4pPr marL="798513" indent="-166688" algn="l" defTabSz="914400" rtl="0" eaLnBrk="1" latinLnBrk="0" hangingPunct="1">
-        <a:spcBef>
-          <a:spcPts val="600"/>
-        </a:spcBef>
-        <a:buClr>
-          <a:schemeClr val="accent4"/>
-        </a:buClr>
-        <a:buSzPct val="70000"/>
-        <a:buFont typeface="Wingdings" pitchFamily="2" charset="2"/>
-        <a:buChar char="§"/>
-        <a:defRPr sz="1600" kern="1200">
-          <a:solidFill>
-            <a:schemeClr val="tx1"/>
-          </a:solidFill>
-          <a:latin typeface="+mn-lt"/>
-          <a:ea typeface="+mn-ea"/>
-          <a:cs typeface="+mn-cs"/>
-        </a:defRPr>
-      </a:lvl4pPr>
-      <a:lvl5pPr marL="914400" indent="-115888" algn="l" defTabSz="914400" rtl="0" eaLnBrk="1" latinLnBrk="0" hangingPunct="1">
-        <a:spcBef>
-          <a:spcPts val="600"/>
-        </a:spcBef>
-        <a:buClr>
-          <a:schemeClr val="accent4"/>
-        </a:buClr>
-        <a:buSzPct val="70000"/>
-        <a:buFont typeface="Wingdings" pitchFamily="2" charset="2"/>
-        <a:buChar char="§"/>
-        <a:defRPr sz="1300" kern="1200">
+        <a:buFont typeface="Arial" panose="020B0604020202020204" pitchFamily="34" charset="0"/>
+        <a:buChar char="•"/>
+        <a:defRPr sz="1800" kern="1200">
           <a:solidFill>
             <a:schemeClr val="tx1"/>
           </a:solidFill>
@@ -5083,12 +2782,15 @@
         </a:defRPr>
       </a:lvl5pPr>
       <a:lvl6pPr marL="2514600" indent="-228600" algn="l" defTabSz="914400" rtl="0" eaLnBrk="1" latinLnBrk="0" hangingPunct="1">
+        <a:lnSpc>
+          <a:spcPct val="90000"/>
+        </a:lnSpc>
         <a:spcBef>
-          <a:spcPct val="20000"/>
+          <a:spcPts val="500"/>
         </a:spcBef>
-        <a:buFont typeface="Arial" pitchFamily="34" charset="0"/>
+        <a:buFont typeface="Arial" panose="020B0604020202020204" pitchFamily="34" charset="0"/>
         <a:buChar char="•"/>
-        <a:defRPr sz="2000" kern="1200">
+        <a:defRPr sz="1800" kern="1200">
           <a:solidFill>
             <a:schemeClr val="tx1"/>
           </a:solidFill>
@@ -5098,12 +2800,15 @@
         </a:defRPr>
       </a:lvl6pPr>
       <a:lvl7pPr marL="2971800" indent="-228600" algn="l" defTabSz="914400" rtl="0" eaLnBrk="1" latinLnBrk="0" hangingPunct="1">
+        <a:lnSpc>
+          <a:spcPct val="90000"/>
+        </a:lnSpc>
         <a:spcBef>
-          <a:spcPct val="20000"/>
+          <a:spcPts val="500"/>
         </a:spcBef>
-        <a:buFont typeface="Arial" pitchFamily="34" charset="0"/>
+        <a:buFont typeface="Arial" panose="020B0604020202020204" pitchFamily="34" charset="0"/>
         <a:buChar char="•"/>
-        <a:defRPr sz="2000" kern="1200">
+        <a:defRPr sz="1800" kern="1200">
           <a:solidFill>
             <a:schemeClr val="tx1"/>
           </a:solidFill>
@@ -5113,12 +2818,15 @@
         </a:defRPr>
       </a:lvl7pPr>
       <a:lvl8pPr marL="3429000" indent="-228600" algn="l" defTabSz="914400" rtl="0" eaLnBrk="1" latinLnBrk="0" hangingPunct="1">
+        <a:lnSpc>
+          <a:spcPct val="90000"/>
+        </a:lnSpc>
         <a:spcBef>
-          <a:spcPct val="20000"/>
+          <a:spcPts val="500"/>
         </a:spcBef>
-        <a:buFont typeface="Arial" pitchFamily="34" charset="0"/>
+        <a:buFont typeface="Arial" panose="020B0604020202020204" pitchFamily="34" charset="0"/>
         <a:buChar char="•"/>
-        <a:defRPr sz="2000" kern="1200">
+        <a:defRPr sz="1800" kern="1200">
           <a:solidFill>
             <a:schemeClr val="tx1"/>
           </a:solidFill>
@@ -5128,12 +2836,15 @@
         </a:defRPr>
       </a:lvl8pPr>
       <a:lvl9pPr marL="3886200" indent="-228600" algn="l" defTabSz="914400" rtl="0" eaLnBrk="1" latinLnBrk="0" hangingPunct="1">
+        <a:lnSpc>
+          <a:spcPct val="90000"/>
+        </a:lnSpc>
         <a:spcBef>
-          <a:spcPct val="20000"/>
+          <a:spcPts val="500"/>
         </a:spcBef>
-        <a:buFont typeface="Arial" pitchFamily="34" charset="0"/>
+        <a:buFont typeface="Arial" panose="020B0604020202020204" pitchFamily="34" charset="0"/>
         <a:buChar char="•"/>
-        <a:defRPr sz="2000" kern="1200">
+        <a:defRPr sz="1800" kern="1200">
           <a:solidFill>
             <a:schemeClr val="tx1"/>
           </a:solidFill>
@@ -5272,7 +2983,7 @@
         <p:spPr/>
         <p:txBody>
           <a:bodyPr>
-            <a:normAutofit fontScale="90000"/>
+            <a:normAutofit/>
           </a:bodyPr>
           <a:lstStyle/>
           <a:p>
@@ -5335,7 +3046,7 @@
         </p:nvSpPr>
         <p:spPr>
           <a:xfrm>
-            <a:off x="475488" y="2912364"/>
+            <a:off x="1999488" y="2912364"/>
             <a:ext cx="2139696" cy="3081528"/>
           </a:xfrm>
           <a:prstGeom prst="roundRect">
@@ -5382,7 +3093,7 @@
         </p:nvSpPr>
         <p:spPr>
           <a:xfrm>
-            <a:off x="776564" y="3791430"/>
+            <a:off x="2300564" y="3791430"/>
             <a:ext cx="1571298" cy="1804698"/>
           </a:xfrm>
           <a:prstGeom prst="rect">
@@ -5435,7 +3146,7 @@
         </p:nvCxnSpPr>
         <p:spPr>
           <a:xfrm flipV="1">
-            <a:off x="2144944" y="4453128"/>
+            <a:off x="3668944" y="4453129"/>
             <a:ext cx="3230268" cy="240059"/>
           </a:xfrm>
           <a:prstGeom prst="straightConnector1">
@@ -5471,7 +3182,7 @@
         </p:nvSpPr>
         <p:spPr>
           <a:xfrm>
-            <a:off x="5375212" y="2912364"/>
+            <a:off x="6899212" y="2912364"/>
             <a:ext cx="2139696" cy="3081528"/>
           </a:xfrm>
           <a:prstGeom prst="roundRect">
@@ -5518,7 +3229,7 @@
         </p:nvSpPr>
         <p:spPr>
           <a:xfrm>
-            <a:off x="979481" y="4311453"/>
+            <a:off x="2503482" y="4311454"/>
             <a:ext cx="1165463" cy="763467"/>
           </a:xfrm>
           <a:prstGeom prst="rect">
@@ -5563,16 +3274,13 @@
     </p:spTree>
     <p:extLst>
       <p:ext uri="{BB962C8B-B14F-4D97-AF65-F5344CB8AC3E}">
-        <p14:creationId xmlns:p14="http://schemas.microsoft.com/office/powerpoint/2010/main" val="1874635124"/>
+        <p14:creationId xmlns:p14="http://schemas.microsoft.com/office/powerpoint/2010/main" val="3731175555"/>
       </p:ext>
     </p:extLst>
   </p:cSld>
   <p:clrMapOvr>
     <a:masterClrMapping/>
   </p:clrMapOvr>
-  <p:transition>
-    <p:fade/>
-  </p:transition>
 </p:sld>
 </file>
 
@@ -5606,7 +3314,7 @@
         <p:spPr/>
         <p:txBody>
           <a:bodyPr>
-            <a:normAutofit fontScale="90000"/>
+            <a:normAutofit/>
           </a:bodyPr>
           <a:lstStyle/>
           <a:p>
@@ -5669,7 +3377,7 @@
         </p:nvSpPr>
         <p:spPr>
           <a:xfrm>
-            <a:off x="475488" y="2628900"/>
+            <a:off x="1999488" y="2628900"/>
             <a:ext cx="2139696" cy="3634740"/>
           </a:xfrm>
           <a:prstGeom prst="roundRect">
@@ -5716,7 +3424,7 @@
         </p:nvSpPr>
         <p:spPr>
           <a:xfrm>
-            <a:off x="776564" y="3507966"/>
+            <a:off x="2300564" y="3507966"/>
             <a:ext cx="1571298" cy="2371626"/>
           </a:xfrm>
           <a:prstGeom prst="rect">
@@ -5768,7 +3476,7 @@
         </p:nvCxnSpPr>
         <p:spPr>
           <a:xfrm>
-            <a:off x="2144944" y="5295900"/>
+            <a:off x="3668944" y="5295901"/>
             <a:ext cx="2366890" cy="7987"/>
           </a:xfrm>
           <a:prstGeom prst="straightConnector1">
@@ -5804,7 +3512,7 @@
         </p:nvSpPr>
         <p:spPr>
           <a:xfrm>
-            <a:off x="4511834" y="2781300"/>
+            <a:off x="6035834" y="2781300"/>
             <a:ext cx="2139696" cy="1394460"/>
           </a:xfrm>
           <a:prstGeom prst="roundRect">
@@ -5851,7 +3559,7 @@
         </p:nvSpPr>
         <p:spPr>
           <a:xfrm>
-            <a:off x="979481" y="4027989"/>
+            <a:off x="2503482" y="4027990"/>
             <a:ext cx="1165463" cy="763467"/>
           </a:xfrm>
           <a:prstGeom prst="rect">
@@ -5901,7 +3609,7 @@
         </p:nvSpPr>
         <p:spPr>
           <a:xfrm>
-            <a:off x="4511834" y="4606657"/>
+            <a:off x="6035834" y="4606657"/>
             <a:ext cx="2139696" cy="1394460"/>
           </a:xfrm>
           <a:prstGeom prst="roundRect">
@@ -5948,7 +3656,7 @@
         </p:nvSpPr>
         <p:spPr>
           <a:xfrm>
-            <a:off x="979481" y="4913151"/>
+            <a:off x="2503482" y="4913152"/>
             <a:ext cx="1165463" cy="763467"/>
           </a:xfrm>
           <a:prstGeom prst="rect">
@@ -6001,7 +3709,7 @@
         </p:nvCxnSpPr>
         <p:spPr>
           <a:xfrm flipV="1">
-            <a:off x="2144944" y="3478530"/>
+            <a:off x="3668944" y="3478531"/>
             <a:ext cx="2366890" cy="931193"/>
           </a:xfrm>
           <a:prstGeom prst="straightConnector1">
@@ -6037,7 +3745,7 @@
         </p:nvSpPr>
         <p:spPr>
           <a:xfrm>
-            <a:off x="5012090" y="3478531"/>
+            <a:off x="6536091" y="3478531"/>
             <a:ext cx="1165463" cy="453390"/>
           </a:xfrm>
           <a:prstGeom prst="rect">
@@ -6087,7 +3795,7 @@
         </p:nvSpPr>
         <p:spPr>
           <a:xfrm>
-            <a:off x="5012090" y="5332477"/>
+            <a:off x="6536091" y="5332477"/>
             <a:ext cx="1165463" cy="453390"/>
           </a:xfrm>
           <a:prstGeom prst="rect">
@@ -6139,7 +3847,7 @@
         </p:nvCxnSpPr>
         <p:spPr>
           <a:xfrm flipH="1" flipV="1">
-            <a:off x="6177553" y="3705226"/>
+            <a:off x="7701554" y="3705227"/>
             <a:ext cx="473977" cy="1598661"/>
           </a:xfrm>
           <a:prstGeom prst="bentConnector4">
@@ -6180,7 +3888,7 @@
         </p:nvSpPr>
         <p:spPr>
           <a:xfrm>
-            <a:off x="6949369" y="4175760"/>
+            <a:off x="8473370" y="4175760"/>
             <a:ext cx="2212919" cy="1477328"/>
           </a:xfrm>
           <a:prstGeom prst="rect">
@@ -6216,16 +3924,13 @@
     </p:spTree>
     <p:extLst>
       <p:ext uri="{BB962C8B-B14F-4D97-AF65-F5344CB8AC3E}">
-        <p14:creationId xmlns:p14="http://schemas.microsoft.com/office/powerpoint/2010/main" val="529127937"/>
+        <p14:creationId xmlns:p14="http://schemas.microsoft.com/office/powerpoint/2010/main" val="2859527371"/>
       </p:ext>
     </p:extLst>
   </p:cSld>
   <p:clrMapOvr>
     <a:masterClrMapping/>
   </p:clrMapOvr>
-  <p:transition>
-    <p:fade/>
-  </p:transition>
 </p:sld>
 </file>
 
@@ -6259,7 +3964,7 @@
         <p:spPr/>
         <p:txBody>
           <a:bodyPr>
-            <a:normAutofit fontScale="90000"/>
+            <a:normAutofit/>
           </a:bodyPr>
           <a:lstStyle/>
           <a:p>
@@ -6301,7 +4006,7 @@
         </p:nvSpPr>
         <p:spPr>
           <a:xfrm>
-            <a:off x="4191000" y="5930900"/>
+            <a:off x="5715000" y="5930900"/>
             <a:ext cx="762000" cy="168274"/>
           </a:xfrm>
         </p:spPr>
@@ -6327,7 +4032,7 @@
         </p:nvSpPr>
         <p:spPr>
           <a:xfrm>
-            <a:off x="475488" y="2018793"/>
+            <a:off x="1999488" y="2018793"/>
             <a:ext cx="2139696" cy="1866618"/>
           </a:xfrm>
           <a:prstGeom prst="roundRect">
@@ -6374,7 +4079,7 @@
         </p:nvSpPr>
         <p:spPr>
           <a:xfrm>
-            <a:off x="776564" y="2786719"/>
+            <a:off x="2300564" y="2786720"/>
             <a:ext cx="1571298" cy="1028869"/>
           </a:xfrm>
           <a:prstGeom prst="rect">
@@ -6424,7 +4129,7 @@
         </p:nvCxnSpPr>
         <p:spPr>
           <a:xfrm flipV="1">
-            <a:off x="2144944" y="4674334"/>
+            <a:off x="3668945" y="4674334"/>
             <a:ext cx="3195971" cy="75466"/>
           </a:xfrm>
           <a:prstGeom prst="straightConnector1">
@@ -6460,7 +4165,7 @@
         </p:nvSpPr>
         <p:spPr>
           <a:xfrm>
-            <a:off x="5362226" y="2235200"/>
+            <a:off x="6886226" y="2235200"/>
             <a:ext cx="2139696" cy="1394460"/>
           </a:xfrm>
           <a:prstGeom prst="roundRect">
@@ -6507,7 +4212,7 @@
         </p:nvSpPr>
         <p:spPr>
           <a:xfrm>
-            <a:off x="979481" y="3106421"/>
+            <a:off x="2503482" y="3106422"/>
             <a:ext cx="1165463" cy="562863"/>
           </a:xfrm>
           <a:prstGeom prst="rect">
@@ -6557,7 +4262,7 @@
         </p:nvSpPr>
         <p:spPr>
           <a:xfrm>
-            <a:off x="5362226" y="4060557"/>
+            <a:off x="6886226" y="4060557"/>
             <a:ext cx="2139696" cy="1394460"/>
           </a:xfrm>
           <a:prstGeom prst="roundRect">
@@ -6607,7 +4312,7 @@
         </p:nvCxnSpPr>
         <p:spPr>
           <a:xfrm flipV="1">
-            <a:off x="2144944" y="2932430"/>
+            <a:off x="3668944" y="2932431"/>
             <a:ext cx="3217282" cy="455423"/>
           </a:xfrm>
           <a:prstGeom prst="straightConnector1">
@@ -6643,7 +4348,7 @@
         </p:nvSpPr>
         <p:spPr>
           <a:xfrm>
-            <a:off x="5862482" y="2932431"/>
+            <a:off x="7386483" y="2932431"/>
             <a:ext cx="1165463" cy="453390"/>
           </a:xfrm>
           <a:prstGeom prst="rect">
@@ -6693,7 +4398,7 @@
         </p:nvSpPr>
         <p:spPr>
           <a:xfrm>
-            <a:off x="5862482" y="4786377"/>
+            <a:off x="7386483" y="4786377"/>
             <a:ext cx="1165463" cy="453390"/>
           </a:xfrm>
           <a:prstGeom prst="rect">
@@ -6743,7 +4448,7 @@
         </p:nvSpPr>
         <p:spPr>
           <a:xfrm>
-            <a:off x="488582" y="4008261"/>
+            <a:off x="2012582" y="4008261"/>
             <a:ext cx="2139696" cy="1866618"/>
           </a:xfrm>
           <a:prstGeom prst="roundRect">
@@ -6790,7 +4495,7 @@
         </p:nvSpPr>
         <p:spPr>
           <a:xfrm>
-            <a:off x="789658" y="4776187"/>
+            <a:off x="2313658" y="4776188"/>
             <a:ext cx="1571298" cy="1028869"/>
           </a:xfrm>
           <a:prstGeom prst="rect">
@@ -6840,7 +4545,7 @@
         </p:nvSpPr>
         <p:spPr>
           <a:xfrm>
-            <a:off x="992575" y="5095889"/>
+            <a:off x="2516576" y="5095890"/>
             <a:ext cx="1165463" cy="562863"/>
           </a:xfrm>
           <a:prstGeom prst="rect">
@@ -6885,16 +4590,13 @@
     </p:spTree>
     <p:extLst>
       <p:ext uri="{BB962C8B-B14F-4D97-AF65-F5344CB8AC3E}">
-        <p14:creationId xmlns:p14="http://schemas.microsoft.com/office/powerpoint/2010/main" val="1226275055"/>
+        <p14:creationId xmlns:p14="http://schemas.microsoft.com/office/powerpoint/2010/main" val="325866424"/>
       </p:ext>
     </p:extLst>
   </p:cSld>
   <p:clrMapOvr>
     <a:masterClrMapping/>
   </p:clrMapOvr>
-  <p:transition>
-    <p:fade/>
-  </p:transition>
 </p:sld>
 </file>
 
@@ -6928,7 +4630,7 @@
         <p:spPr/>
         <p:txBody>
           <a:bodyPr>
-            <a:normAutofit fontScale="90000"/>
+            <a:normAutofit/>
           </a:bodyPr>
           <a:lstStyle/>
           <a:p>
@@ -6972,7 +4674,7 @@
         </p:nvSpPr>
         <p:spPr>
           <a:xfrm>
-            <a:off x="475488" y="1777493"/>
+            <a:off x="1999488" y="1777493"/>
             <a:ext cx="2139696" cy="1866618"/>
           </a:xfrm>
           <a:prstGeom prst="roundRect">
@@ -7019,7 +4721,7 @@
         </p:nvSpPr>
         <p:spPr>
           <a:xfrm>
-            <a:off x="776564" y="2545419"/>
+            <a:off x="2300564" y="2545420"/>
             <a:ext cx="1571298" cy="1028869"/>
           </a:xfrm>
           <a:prstGeom prst="rect">
@@ -7069,7 +4771,7 @@
         </p:nvSpPr>
         <p:spPr>
           <a:xfrm>
-            <a:off x="5340914" y="2026552"/>
+            <a:off x="6864914" y="2026552"/>
             <a:ext cx="2139696" cy="3390900"/>
           </a:xfrm>
           <a:prstGeom prst="roundRect">
@@ -7116,7 +4818,7 @@
         </p:nvSpPr>
         <p:spPr>
           <a:xfrm>
-            <a:off x="979481" y="2865121"/>
+            <a:off x="2503482" y="2865122"/>
             <a:ext cx="1165463" cy="562863"/>
           </a:xfrm>
           <a:prstGeom prst="rect">
@@ -7169,7 +4871,7 @@
         </p:nvCxnSpPr>
         <p:spPr>
           <a:xfrm>
-            <a:off x="2144944" y="3146553"/>
+            <a:off x="3668945" y="3146554"/>
             <a:ext cx="3582375" cy="697243"/>
           </a:xfrm>
           <a:prstGeom prst="straightConnector1">
@@ -7205,7 +4907,7 @@
         </p:nvSpPr>
         <p:spPr>
           <a:xfrm>
-            <a:off x="488582" y="3766961"/>
+            <a:off x="2012582" y="3766961"/>
             <a:ext cx="2139696" cy="1866618"/>
           </a:xfrm>
           <a:prstGeom prst="roundRect">
@@ -7252,7 +4954,7 @@
         </p:nvSpPr>
         <p:spPr>
           <a:xfrm>
-            <a:off x="789658" y="4534887"/>
+            <a:off x="2313658" y="4534888"/>
             <a:ext cx="1571298" cy="1028869"/>
           </a:xfrm>
           <a:prstGeom prst="rect">
@@ -7302,7 +5004,7 @@
         </p:nvSpPr>
         <p:spPr>
           <a:xfrm>
-            <a:off x="992575" y="4854589"/>
+            <a:off x="2516576" y="4854590"/>
             <a:ext cx="1165463" cy="562863"/>
           </a:xfrm>
           <a:prstGeom prst="rect">
@@ -7352,7 +5054,7 @@
         </p:nvSpPr>
         <p:spPr>
           <a:xfrm>
-            <a:off x="5727319" y="3617101"/>
+            <a:off x="7251320" y="3617101"/>
             <a:ext cx="1366885" cy="453390"/>
           </a:xfrm>
           <a:prstGeom prst="rect">
@@ -7418,7 +5120,7 @@
         </p:nvSpPr>
         <p:spPr>
           <a:xfrm>
-            <a:off x="5727320" y="4379863"/>
+            <a:off x="7251321" y="4379863"/>
             <a:ext cx="1366885" cy="453390"/>
           </a:xfrm>
           <a:prstGeom prst="rect">
@@ -7487,7 +5189,7 @@
         </p:nvCxnSpPr>
         <p:spPr>
           <a:xfrm flipV="1">
-            <a:off x="2158038" y="4606558"/>
+            <a:off x="3682038" y="4606559"/>
             <a:ext cx="3569282" cy="529463"/>
           </a:xfrm>
           <a:prstGeom prst="straightConnector1">
@@ -7523,7 +5225,7 @@
         </p:nvSpPr>
         <p:spPr>
           <a:xfrm>
-            <a:off x="5888736" y="2865121"/>
+            <a:off x="7412736" y="2865122"/>
             <a:ext cx="1106424" cy="562863"/>
           </a:xfrm>
           <a:prstGeom prst="cloud">
@@ -7572,7 +5274,7 @@
         </p:nvCxnSpPr>
         <p:spPr>
           <a:xfrm flipV="1">
-            <a:off x="2144944" y="3131300"/>
+            <a:off x="3668945" y="3131301"/>
             <a:ext cx="3798387" cy="15253"/>
           </a:xfrm>
           <a:prstGeom prst="straightConnector1">
@@ -7608,7 +5310,7 @@
         </p:nvCxnSpPr>
         <p:spPr>
           <a:xfrm flipV="1">
-            <a:off x="2158038" y="3279642"/>
+            <a:off x="3682039" y="3279642"/>
             <a:ext cx="3785293" cy="1856380"/>
           </a:xfrm>
           <a:prstGeom prst="straightConnector1">
@@ -7658,16 +5360,13 @@
     </p:spTree>
     <p:extLst>
       <p:ext uri="{BB962C8B-B14F-4D97-AF65-F5344CB8AC3E}">
-        <p14:creationId xmlns:p14="http://schemas.microsoft.com/office/powerpoint/2010/main" val="2151265157"/>
+        <p14:creationId xmlns:p14="http://schemas.microsoft.com/office/powerpoint/2010/main" val="1836649040"/>
       </p:ext>
     </p:extLst>
   </p:cSld>
   <p:clrMapOvr>
     <a:masterClrMapping/>
   </p:clrMapOvr>
-  <p:transition>
-    <p:fade/>
-  </p:transition>
 </p:sld>
 </file>
 
@@ -7701,7 +5400,7 @@
         <p:spPr/>
         <p:txBody>
           <a:bodyPr>
-            <a:normAutofit fontScale="90000"/>
+            <a:normAutofit/>
           </a:bodyPr>
           <a:lstStyle/>
           <a:p>
@@ -7753,7 +5452,7 @@
         </p:nvSpPr>
         <p:spPr>
           <a:xfrm>
-            <a:off x="639681" y="1080516"/>
+            <a:off x="2163682" y="1080516"/>
             <a:ext cx="1503425" cy="369332"/>
           </a:xfrm>
           <a:prstGeom prst="rect">
@@ -7782,8 +5481,8 @@
         </p:nvSpPr>
         <p:spPr>
           <a:xfrm>
-            <a:off x="5152842" y="1065800"/>
-            <a:ext cx="1377300" cy="369332"/>
+            <a:off x="6676843" y="1065800"/>
+            <a:ext cx="1247457" cy="369332"/>
           </a:xfrm>
           <a:prstGeom prst="rect">
             <a:avLst/>
@@ -7811,7 +5510,7 @@
         </p:nvSpPr>
         <p:spPr>
           <a:xfrm>
-            <a:off x="475488" y="1542288"/>
+            <a:off x="1999488" y="1542288"/>
             <a:ext cx="2139696" cy="3081528"/>
           </a:xfrm>
           <a:prstGeom prst="roundRect">
@@ -7858,7 +5557,7 @@
         </p:nvSpPr>
         <p:spPr>
           <a:xfrm>
-            <a:off x="1085948" y="4039842"/>
+            <a:off x="2609948" y="4039842"/>
             <a:ext cx="818190" cy="353996"/>
           </a:xfrm>
           <a:prstGeom prst="rect">
@@ -7908,7 +5607,7 @@
         </p:nvSpPr>
         <p:spPr>
           <a:xfrm>
-            <a:off x="770347" y="2575560"/>
+            <a:off x="2294348" y="2575561"/>
             <a:ext cx="1698533" cy="1289303"/>
           </a:xfrm>
           <a:prstGeom prst="rect">
@@ -8020,7 +5719,7 @@
         </p:blipFill>
         <p:spPr>
           <a:xfrm>
-            <a:off x="3749230" y="1483519"/>
+            <a:off x="5273231" y="1483519"/>
             <a:ext cx="4791075" cy="1695450"/>
           </a:xfrm>
           <a:prstGeom prst="rect">
@@ -8044,7 +5743,7 @@
         </p:blipFill>
         <p:spPr>
           <a:xfrm>
-            <a:off x="3724275" y="3113342"/>
+            <a:off x="5248276" y="3113342"/>
             <a:ext cx="5191125" cy="1733550"/>
           </a:xfrm>
           <a:prstGeom prst="rect">
@@ -8060,7 +5759,7 @@
         </p:nvCxnSpPr>
         <p:spPr>
           <a:xfrm flipV="1">
-            <a:off x="2350406" y="2895600"/>
+            <a:off x="3874406" y="2895600"/>
             <a:ext cx="1773538" cy="326040"/>
           </a:xfrm>
           <a:prstGeom prst="straightConnector1">
@@ -8096,7 +5795,7 @@
         </p:nvCxnSpPr>
         <p:spPr>
           <a:xfrm>
-            <a:off x="1812607" y="3471672"/>
+            <a:off x="3336608" y="3471673"/>
             <a:ext cx="2311337" cy="1129189"/>
           </a:xfrm>
           <a:prstGeom prst="straightConnector1">
@@ -8127,16 +5826,13 @@
     </p:spTree>
     <p:extLst>
       <p:ext uri="{BB962C8B-B14F-4D97-AF65-F5344CB8AC3E}">
-        <p14:creationId xmlns:p14="http://schemas.microsoft.com/office/powerpoint/2010/main" val="1833048646"/>
+        <p14:creationId xmlns:p14="http://schemas.microsoft.com/office/powerpoint/2010/main" val="3987630867"/>
       </p:ext>
     </p:extLst>
   </p:cSld>
   <p:clrMapOvr>
     <a:masterClrMapping/>
   </p:clrMapOvr>
-  <p:transition>
-    <p:fade/>
-  </p:transition>
 </p:sld>
 </file>
 
@@ -8170,7 +5866,7 @@
         <p:spPr/>
         <p:txBody>
           <a:bodyPr>
-            <a:normAutofit fontScale="90000"/>
+            <a:normAutofit/>
           </a:bodyPr>
           <a:lstStyle/>
           <a:p>
@@ -8201,7 +5897,7 @@
         </p:nvSpPr>
         <p:spPr>
           <a:xfrm>
-            <a:off x="540621" y="4607148"/>
+            <a:off x="2064621" y="4607148"/>
             <a:ext cx="4724400" cy="1738312"/>
           </a:xfrm>
           <a:ln>
@@ -8212,7 +5908,7 @@
         </p:spPr>
         <p:txBody>
           <a:bodyPr>
-            <a:normAutofit fontScale="62500" lnSpcReduction="20000"/>
+            <a:normAutofit fontScale="47500" lnSpcReduction="20000"/>
           </a:bodyPr>
           <a:lstStyle/>
           <a:p>
@@ -8436,8 +6132,8 @@
         </p:nvSpPr>
         <p:spPr>
           <a:xfrm>
-            <a:off x="639681" y="813816"/>
-            <a:ext cx="1710725" cy="369332"/>
+            <a:off x="2163681" y="813816"/>
+            <a:ext cx="1542410" cy="369332"/>
           </a:xfrm>
           <a:prstGeom prst="rect">
             <a:avLst/>
@@ -8465,8 +6161,8 @@
         </p:nvSpPr>
         <p:spPr>
           <a:xfrm>
-            <a:off x="5152842" y="799100"/>
-            <a:ext cx="1377300" cy="369332"/>
+            <a:off x="6676843" y="799100"/>
+            <a:ext cx="1247457" cy="369332"/>
           </a:xfrm>
           <a:prstGeom prst="rect">
             <a:avLst/>
@@ -8494,7 +6190,7 @@
         </p:nvSpPr>
         <p:spPr>
           <a:xfrm>
-            <a:off x="475488" y="1275588"/>
+            <a:off x="1999488" y="1275588"/>
             <a:ext cx="2139696" cy="3081528"/>
           </a:xfrm>
           <a:prstGeom prst="roundRect">
@@ -8541,7 +6237,7 @@
         </p:nvSpPr>
         <p:spPr>
           <a:xfrm>
-            <a:off x="1085948" y="3773142"/>
+            <a:off x="2609948" y="3773142"/>
             <a:ext cx="818190" cy="353996"/>
           </a:xfrm>
           <a:prstGeom prst="rect">
@@ -8591,7 +6287,7 @@
         </p:nvSpPr>
         <p:spPr>
           <a:xfrm>
-            <a:off x="770347" y="2308860"/>
+            <a:off x="2294348" y="2308861"/>
             <a:ext cx="1698533" cy="1289303"/>
           </a:xfrm>
           <a:prstGeom prst="rect">
@@ -8703,7 +6399,7 @@
         </p:blipFill>
         <p:spPr>
           <a:xfrm>
-            <a:off x="3749230" y="1216819"/>
+            <a:off x="5273231" y="1216819"/>
             <a:ext cx="4791075" cy="1695450"/>
           </a:xfrm>
           <a:prstGeom prst="rect">
@@ -8727,7 +6423,7 @@
         </p:blipFill>
         <p:spPr>
           <a:xfrm>
-            <a:off x="3724275" y="2846642"/>
+            <a:off x="5248276" y="2846642"/>
             <a:ext cx="5191125" cy="1733550"/>
           </a:xfrm>
           <a:prstGeom prst="rect">
@@ -8743,7 +6439,7 @@
         </p:nvCxnSpPr>
         <p:spPr>
           <a:xfrm flipV="1">
-            <a:off x="2350406" y="2628900"/>
+            <a:off x="3874406" y="2628900"/>
             <a:ext cx="1773538" cy="326040"/>
           </a:xfrm>
           <a:prstGeom prst="straightConnector1">
@@ -8779,7 +6475,7 @@
         </p:nvCxnSpPr>
         <p:spPr>
           <a:xfrm>
-            <a:off x="1812607" y="3204972"/>
+            <a:off x="3336608" y="3204973"/>
             <a:ext cx="2311337" cy="1129189"/>
           </a:xfrm>
           <a:prstGeom prst="straightConnector1">
@@ -8815,7 +6511,7 @@
         </p:nvSpPr>
         <p:spPr>
           <a:xfrm>
-            <a:off x="5503165" y="4919472"/>
+            <a:off x="7027165" y="4919472"/>
             <a:ext cx="3521964" cy="1477328"/>
           </a:xfrm>
           <a:prstGeom prst="rect">
@@ -8863,16 +6559,13 @@
     </p:spTree>
     <p:extLst>
       <p:ext uri="{BB962C8B-B14F-4D97-AF65-F5344CB8AC3E}">
-        <p14:creationId xmlns:p14="http://schemas.microsoft.com/office/powerpoint/2010/main" val="829298992"/>
+        <p14:creationId xmlns:p14="http://schemas.microsoft.com/office/powerpoint/2010/main" val="299281234"/>
       </p:ext>
     </p:extLst>
   </p:cSld>
   <p:clrMapOvr>
     <a:masterClrMapping/>
   </p:clrMapOvr>
-  <p:transition>
-    <p:fade/>
-  </p:transition>
 </p:sld>
 </file>
 
@@ -8906,7 +6599,7 @@
         <p:spPr/>
         <p:txBody>
           <a:bodyPr>
-            <a:normAutofit fontScale="90000"/>
+            <a:normAutofit/>
           </a:bodyPr>
           <a:lstStyle/>
           <a:p>
@@ -8950,7 +6643,7 @@
         </p:nvSpPr>
         <p:spPr>
           <a:xfrm>
-            <a:off x="5876934" y="4180659"/>
+            <a:off x="7400934" y="4180660"/>
             <a:ext cx="2139696" cy="1957087"/>
           </a:xfrm>
           <a:prstGeom prst="roundRect">
@@ -8997,7 +6690,7 @@
         </p:nvSpPr>
         <p:spPr>
           <a:xfrm>
-            <a:off x="1131588" y="4177625"/>
+            <a:off x="2655588" y="4177626"/>
             <a:ext cx="2139696" cy="1963155"/>
           </a:xfrm>
           <a:prstGeom prst="roundRect">
@@ -9044,7 +6737,7 @@
         </p:nvSpPr>
         <p:spPr>
           <a:xfrm>
-            <a:off x="6377190" y="4877891"/>
+            <a:off x="7901191" y="4877891"/>
             <a:ext cx="1165463" cy="453390"/>
           </a:xfrm>
           <a:prstGeom prst="rect">
@@ -9094,7 +6787,7 @@
         </p:nvSpPr>
         <p:spPr>
           <a:xfrm>
-            <a:off x="1631844" y="4903446"/>
+            <a:off x="3155845" y="4903446"/>
             <a:ext cx="1165463" cy="453390"/>
           </a:xfrm>
           <a:prstGeom prst="rect">
@@ -9147,7 +6840,7 @@
         </p:nvCxnSpPr>
         <p:spPr>
           <a:xfrm flipV="1">
-            <a:off x="3271284" y="5104586"/>
+            <a:off x="4795284" y="5104587"/>
             <a:ext cx="3105906" cy="54617"/>
           </a:xfrm>
           <a:prstGeom prst="bentConnector3">
@@ -9187,7 +6880,7 @@
         </p:nvSpPr>
         <p:spPr>
           <a:xfrm>
-            <a:off x="6377190" y="5658801"/>
+            <a:off x="7901190" y="5658801"/>
             <a:ext cx="1006430" cy="326546"/>
           </a:xfrm>
           <a:prstGeom prst="rect">
@@ -9242,7 +6935,7 @@
         </p:nvSpPr>
         <p:spPr>
           <a:xfrm>
-            <a:off x="1790877" y="5693615"/>
+            <a:off x="3314877" y="5693615"/>
             <a:ext cx="1006430" cy="326546"/>
           </a:xfrm>
           <a:prstGeom prst="rect">
@@ -9297,7 +6990,7 @@
         </p:nvSpPr>
         <p:spPr>
           <a:xfrm>
-            <a:off x="3625590" y="4037131"/>
+            <a:off x="5149591" y="4037132"/>
             <a:ext cx="2212919" cy="954107"/>
           </a:xfrm>
           <a:prstGeom prst="rect">
@@ -9338,7 +7031,7 @@
         </p:nvSpPr>
         <p:spPr>
           <a:xfrm>
-            <a:off x="3467649" y="5217933"/>
+            <a:off x="4991650" y="5217934"/>
             <a:ext cx="2212919" cy="954107"/>
           </a:xfrm>
           <a:prstGeom prst="rect">
@@ -9381,296 +7074,17 @@
     </p:spTree>
     <p:extLst>
       <p:ext uri="{BB962C8B-B14F-4D97-AF65-F5344CB8AC3E}">
-        <p14:creationId xmlns:p14="http://schemas.microsoft.com/office/powerpoint/2010/main" val="591196933"/>
+        <p14:creationId xmlns:p14="http://schemas.microsoft.com/office/powerpoint/2010/main" val="2996213066"/>
       </p:ext>
     </p:extLst>
   </p:cSld>
   <p:clrMapOvr>
     <a:masterClrMapping/>
   </p:clrMapOvr>
-  <p:transition>
-    <p:fade/>
-  </p:transition>
 </p:sld>
 </file>
 
-<file path=ppt/tags/tag1.xml><?xml version="1.0" encoding="utf-8"?>
-<p:tagLst xmlns:a="http://schemas.openxmlformats.org/drawingml/2006/main" xmlns:r="http://schemas.openxmlformats.org/officeDocument/2006/relationships" xmlns:p="http://schemas.openxmlformats.org/presentationml/2006/main">
-  <p:tag name="MMPROD_NEXTUNIQUEID" val="10009"/>
-  <p:tag name="SECTOMILLISECCONVERTED" val="1"/>
-  <p:tag name="MMPROD_UIDATA" val="&lt;database version=&quot;6.0&quot;&gt;&lt;object type=&quot;1&quot; unique_id=&quot;10001&quot;&gt;&lt;object type=&quot;8&quot; unique_id=&quot;715243&quot;&gt;&lt;/object&gt;&lt;object type=&quot;2&quot; unique_id=&quot;715244&quot;&gt;&lt;object type=&quot;3&quot; unique_id=&quot;715246&quot;&gt;&lt;property id=&quot;20148&quot; value=&quot;5&quot;/&gt;&lt;property id=&quot;20300&quot; value=&quot;Slide 1 - &amp;quot;Adobe Title&amp;quot;&quot;/&gt;&lt;property id=&quot;20307&quot; value=&quot;273&quot;/&gt;&lt;/object&gt;&lt;object type=&quot;3&quot; unique_id=&quot;715248&quot;&gt;&lt;property id=&quot;20148&quot; value=&quot;5&quot;/&gt;&lt;property id=&quot;20300&quot; value=&quot;Slide 2 - &amp;quot;Standard White Background Bullet Slide&amp;quot;&quot;/&gt;&lt;property id=&quot;20307&quot; value=&quot;271&quot;/&gt;&lt;/object&gt;&lt;object type=&quot;3&quot; unique_id=&quot;715249&quot;&gt;&lt;property id=&quot;20148&quot; value=&quot;5&quot;/&gt;&lt;property id=&quot;20300&quot; value=&quot;Slide 5 - &amp;quot;Using Themes to Convert Old Presentations – PPT2010 on Windows&amp;quot;&quot;/&gt;&lt;property id=&quot;20307&quot; value=&quot;257&quot;/&gt;&lt;/object&gt;&lt;object type=&quot;3&quot; unique_id=&quot;715250&quot;&gt;&lt;property id=&quot;20148&quot; value=&quot;5&quot;/&gt;&lt;property id=&quot;20300&quot; value=&quot;Slide 6 - &amp;quot;Bar Chart&amp;quot;&quot;/&gt;&lt;property id=&quot;20307&quot; value=&quot;260&quot;/&gt;&lt;/object&gt;&lt;object type=&quot;3&quot; unique_id=&quot;715251&quot;&gt;&lt;property id=&quot;20148&quot; value=&quot;5&quot;/&gt;&lt;property id=&quot;20300&quot; value=&quot;Slide 7 - &amp;quot;Pie Chart&amp;quot;&quot;/&gt;&lt;property id=&quot;20307&quot; value=&quot;264&quot;/&gt;&lt;/object&gt;&lt;object type=&quot;3&quot; unique_id=&quot;715252&quot;&gt;&lt;property id=&quot;20148&quot; value=&quot;5&quot;/&gt;&lt;property id=&quot;20300&quot; value=&quot;Slide 11 - &amp;quot;Color Palette&amp;quot;&quot;/&gt;&lt;property id=&quot;20307&quot; value=&quot;267&quot;/&gt;&lt;/object&gt;&lt;object type=&quot;3&quot; unique_id=&quot;715253&quot;&gt;&lt;property id=&quot;20148&quot; value=&quot;5&quot;/&gt;&lt;property id=&quot;20300&quot; value=&quot;Slide 8 - &amp;quot;White Content Area Layout&amp;quot;&quot;/&gt;&lt;property id=&quot;20307&quot; value=&quot;265&quot;/&gt;&lt;/object&gt;&lt;object type=&quot;3&quot; unique_id=&quot;715254&quot;&gt;&lt;property id=&quot;20148&quot; value=&quot;5&quot;/&gt;&lt;property id=&quot;20300&quot; value=&quot;Slide 9 - &amp;quot;Gray Content Area Layout&amp;quot;&quot;/&gt;&lt;property id=&quot;20307&quot; value=&quot;258&quot;/&gt;&lt;/object&gt;&lt;object type=&quot;3&quot; unique_id=&quot;715255&quot;&gt;&lt;property id=&quot;20148&quot; value=&quot;5&quot;/&gt;&lt;property id=&quot;20300&quot; value=&quot;Slide 10 - &amp;quot;Black Content Area Layout&amp;quot;&quot;/&gt;&lt;property id=&quot;20307&quot; value=&quot;259&quot;/&gt;&lt;/object&gt;&lt;object type=&quot;3&quot; unique_id=&quot;715256&quot;&gt;&lt;property id=&quot;20148&quot; value=&quot;5&quot;/&gt;&lt;property id=&quot;20300&quot; value=&quot;Slide 13&quot;/&gt;&lt;property id=&quot;20307&quot; value=&quot;274&quot;/&gt;&lt;/object&gt;&lt;object type=&quot;3&quot; unique_id=&quot;717641&quot;&gt;&lt;property id=&quot;20148&quot; value=&quot;5&quot;/&gt;&lt;property id=&quot;20300&quot; value=&quot;Slide 4 - &amp;quot;Properly Using Footers and Page Numbers in PowerPoint 2010&amp;quot;&quot;/&gt;&lt;property id=&quot;20307&quot; value=&quot;275&quot;/&gt;&lt;/object&gt;&lt;object type=&quot;3&quot; unique_id=&quot;717655&quot;&gt;&lt;property id=&quot;20148&quot; value=&quot;5&quot;/&gt;&lt;property id=&quot;20300&quot; value=&quot;Slide 3 - &amp;quot;How to save this template in your templates folder&amp;quot;&quot;/&gt;&lt;property id=&quot;20307&quot; value=&quot;276&quot;/&gt;&lt;/object&gt;&lt;object type=&quot;3&quot; unique_id=&quot;717656&quot;&gt;&lt;property id=&quot;20148&quot; value=&quot;5&quot;/&gt;&lt;property id=&quot;20300&quot; value=&quot;Slide 12&quot;/&gt;&lt;property id=&quot;20307&quot; value=&quot;278&quot;/&gt;&lt;/object&gt;&lt;/object&gt;&lt;/object&gt;&lt;/database&gt;"/>
-</p:tagLst>
-</file>
-
 <file path=ppt/theme/theme1.xml><?xml version="1.0" encoding="utf-8"?>
-<a:theme xmlns:a="http://schemas.openxmlformats.org/drawingml/2006/main" name="Adobe Master Standard 2012a">
-  <a:themeElements>
-    <a:clrScheme name="Adobe 2009">
-      <a:dk1>
-        <a:srgbClr val="000000"/>
-      </a:dk1>
-      <a:lt1>
-        <a:sysClr val="window" lastClr="FFFFFF"/>
-      </a:lt1>
-      <a:dk2>
-        <a:srgbClr val="6B737B"/>
-      </a:dk2>
-      <a:lt2>
-        <a:srgbClr val="DADDE0"/>
-      </a:lt2>
-      <a:accent1>
-        <a:srgbClr val="C1D82F"/>
-      </a:accent1>
-      <a:accent2>
-        <a:srgbClr val="00A4E4"/>
-      </a:accent2>
-      <a:accent3>
-        <a:srgbClr val="8348B5"/>
-      </a:accent3>
-      <a:accent4>
-        <a:srgbClr val="FBB034"/>
-      </a:accent4>
-      <a:accent5>
-        <a:srgbClr val="FFDD00"/>
-      </a:accent5>
-      <a:accent6>
-        <a:srgbClr val="FF0000"/>
-      </a:accent6>
-      <a:hlink>
-        <a:srgbClr val="000000"/>
-      </a:hlink>
-      <a:folHlink>
-        <a:srgbClr val="3F3F3F"/>
-      </a:folHlink>
-    </a:clrScheme>
-    <a:fontScheme name="Adobe Clean 2009">
-      <a:majorFont>
-        <a:latin typeface="Adobe Clean"/>
-        <a:ea typeface=""/>
-        <a:cs typeface=""/>
-      </a:majorFont>
-      <a:minorFont>
-        <a:latin typeface="Adobe Clean"/>
-        <a:ea typeface=""/>
-        <a:cs typeface=""/>
-      </a:minorFont>
-    </a:fontScheme>
-    <a:fmtScheme name="Trek">
-      <a:fillStyleLst>
-        <a:solidFill>
-          <a:schemeClr val="phClr"/>
-        </a:solidFill>
-        <a:gradFill rotWithShape="1">
-          <a:gsLst>
-            <a:gs pos="0">
-              <a:schemeClr val="phClr">
-                <a:tint val="30000"/>
-                <a:satMod val="250000"/>
-              </a:schemeClr>
-            </a:gs>
-            <a:gs pos="72000">
-              <a:schemeClr val="phClr">
-                <a:tint val="75000"/>
-                <a:satMod val="210000"/>
-              </a:schemeClr>
-            </a:gs>
-            <a:gs pos="100000">
-              <a:schemeClr val="phClr">
-                <a:tint val="85000"/>
-                <a:satMod val="210000"/>
-              </a:schemeClr>
-            </a:gs>
-          </a:gsLst>
-          <a:lin ang="5400000" scaled="1"/>
-        </a:gradFill>
-        <a:gradFill rotWithShape="1">
-          <a:gsLst>
-            <a:gs pos="0">
-              <a:schemeClr val="phClr">
-                <a:tint val="75000"/>
-                <a:shade val="85000"/>
-                <a:satMod val="230000"/>
-              </a:schemeClr>
-            </a:gs>
-            <a:gs pos="25000">
-              <a:schemeClr val="phClr">
-                <a:tint val="90000"/>
-                <a:shade val="70000"/>
-                <a:satMod val="220000"/>
-              </a:schemeClr>
-            </a:gs>
-            <a:gs pos="50000">
-              <a:schemeClr val="phClr">
-                <a:tint val="90000"/>
-                <a:shade val="58000"/>
-                <a:satMod val="225000"/>
-              </a:schemeClr>
-            </a:gs>
-            <a:gs pos="65000">
-              <a:schemeClr val="phClr">
-                <a:tint val="90000"/>
-                <a:shade val="58000"/>
-                <a:satMod val="225000"/>
-              </a:schemeClr>
-            </a:gs>
-            <a:gs pos="80000">
-              <a:schemeClr val="phClr">
-                <a:tint val="90000"/>
-                <a:shade val="69000"/>
-                <a:satMod val="220000"/>
-              </a:schemeClr>
-            </a:gs>
-            <a:gs pos="100000">
-              <a:schemeClr val="phClr">
-                <a:tint val="77000"/>
-                <a:shade val="80000"/>
-                <a:satMod val="230000"/>
-              </a:schemeClr>
-            </a:gs>
-          </a:gsLst>
-          <a:lin ang="5400000" scaled="1"/>
-        </a:gradFill>
-      </a:fillStyleLst>
-      <a:lnStyleLst>
-        <a:ln w="10000" cap="flat" cmpd="sng" algn="ctr">
-          <a:solidFill>
-            <a:schemeClr val="phClr"/>
-          </a:solidFill>
-          <a:prstDash val="solid"/>
-        </a:ln>
-        <a:ln w="25400" cap="flat" cmpd="sng" algn="ctr">
-          <a:solidFill>
-            <a:schemeClr val="phClr"/>
-          </a:solidFill>
-          <a:prstDash val="solid"/>
-        </a:ln>
-        <a:ln w="38100" cap="flat" cmpd="sng" algn="ctr">
-          <a:solidFill>
-            <a:schemeClr val="phClr"/>
-          </a:solidFill>
-          <a:prstDash val="solid"/>
-        </a:ln>
-      </a:lnStyleLst>
-      <a:effectStyleLst>
-        <a:effectStyle>
-          <a:effectLst>
-            <a:outerShdw blurRad="76200" dist="50800" dir="5400000" rotWithShape="0">
-              <a:srgbClr val="4E3B30">
-                <a:alpha val="60000"/>
-              </a:srgbClr>
-            </a:outerShdw>
-          </a:effectLst>
-        </a:effectStyle>
-        <a:effectStyle>
-          <a:effectLst>
-            <a:outerShdw blurRad="76200" dist="50800" dir="5400000" rotWithShape="0">
-              <a:srgbClr val="4E3B30">
-                <a:alpha val="60000"/>
-              </a:srgbClr>
-            </a:outerShdw>
-          </a:effectLst>
-          <a:scene3d>
-            <a:camera prst="orthographicFront">
-              <a:rot lat="0" lon="0" rev="0"/>
-            </a:camera>
-            <a:lightRig rig="threePt" dir="tl">
-              <a:rot lat="0" lon="0" rev="0"/>
-            </a:lightRig>
-          </a:scene3d>
-          <a:sp3d prstMaterial="metal">
-            <a:bevelT w="10000" h="10000"/>
-          </a:sp3d>
-        </a:effectStyle>
-        <a:effectStyle>
-          <a:effectLst>
-            <a:outerShdw blurRad="76200" dist="50800" dir="5400000" rotWithShape="0">
-              <a:srgbClr val="4E3B30">
-                <a:alpha val="60000"/>
-              </a:srgbClr>
-            </a:outerShdw>
-          </a:effectLst>
-          <a:scene3d>
-            <a:camera prst="obliqueTopLeft" fov="600000">
-              <a:rot lat="0" lon="0" rev="0"/>
-            </a:camera>
-            <a:lightRig rig="balanced" dir="t">
-              <a:rot lat="0" lon="0" rev="19200000"/>
-            </a:lightRig>
-          </a:scene3d>
-          <a:sp3d contourW="12700" prstMaterial="matte">
-            <a:bevelT w="60000" h="50800"/>
-            <a:contourClr>
-              <a:schemeClr val="phClr">
-                <a:shade val="60000"/>
-                <a:satMod val="110000"/>
-              </a:schemeClr>
-            </a:contourClr>
-          </a:sp3d>
-        </a:effectStyle>
-      </a:effectStyleLst>
-      <a:bgFillStyleLst>
-        <a:solidFill>
-          <a:schemeClr val="phClr"/>
-        </a:solidFill>
-        <a:gradFill rotWithShape="1">
-          <a:gsLst>
-            <a:gs pos="0">
-              <a:schemeClr val="phClr">
-                <a:tint val="40000"/>
-                <a:satMod val="350000"/>
-              </a:schemeClr>
-            </a:gs>
-            <a:gs pos="40000">
-              <a:schemeClr val="phClr">
-                <a:tint val="45000"/>
-                <a:shade val="99000"/>
-                <a:satMod val="350000"/>
-              </a:schemeClr>
-            </a:gs>
-            <a:gs pos="100000">
-              <a:schemeClr val="phClr">
-                <a:shade val="20000"/>
-                <a:satMod val="255000"/>
-              </a:schemeClr>
-            </a:gs>
-          </a:gsLst>
-          <a:path path="circle">
-            <a:fillToRect l="50000" t="-80000" r="50000" b="180000"/>
-          </a:path>
-        </a:gradFill>
-        <a:gradFill rotWithShape="1">
-          <a:gsLst>
-            <a:gs pos="0">
-              <a:schemeClr val="phClr">
-                <a:tint val="80000"/>
-                <a:satMod val="300000"/>
-              </a:schemeClr>
-            </a:gs>
-            <a:gs pos="100000">
-              <a:schemeClr val="phClr">
-                <a:shade val="30000"/>
-                <a:satMod val="200000"/>
-              </a:schemeClr>
-            </a:gs>
-          </a:gsLst>
-          <a:path path="circle">
-            <a:fillToRect l="50000" t="50000" r="50000" b="50000"/>
-          </a:path>
-        </a:gradFill>
-      </a:bgFillStyleLst>
-    </a:fmtScheme>
-  </a:themeElements>
-  <a:objectDefaults/>
-  <a:extraClrSchemeLst/>
-  <a:extLst>
-    <a:ext uri="{05A4C25C-085E-4340-85A3-A5531E510DB2}">
-      <thm15:themeFamily xmlns:thm15="http://schemas.microsoft.com/office/thememl/2012/main" name="Corporate_Presentation_Template_2013_PowerPoint_4x3.pptx" id="{B8505295-05AC-4CB3-A432-A3F588C55A8A}" vid="{CA232B55-D300-4DC3-8488-3C7E0F2C3926}"/>
-    </a:ext>
-  </a:extLst>
-</a:theme>
-</file>
-
-<file path=ppt/theme/theme2.xml><?xml version="1.0" encoding="utf-8"?>
 <a:theme xmlns:a="http://schemas.openxmlformats.org/drawingml/2006/main" name="Office Theme">
   <a:themeElements>
     <a:clrScheme name="Office">
@@ -9681,44 +7095,44 @@
         <a:sysClr val="window" lastClr="FFFFFF"/>
       </a:lt1>
       <a:dk2>
-        <a:srgbClr val="1F497D"/>
+        <a:srgbClr val="44546A"/>
       </a:dk2>
       <a:lt2>
-        <a:srgbClr val="EEECE1"/>
+        <a:srgbClr val="E7E6E6"/>
       </a:lt2>
       <a:accent1>
-        <a:srgbClr val="4F81BD"/>
+        <a:srgbClr val="5B9BD5"/>
       </a:accent1>
       <a:accent2>
-        <a:srgbClr val="C0504D"/>
+        <a:srgbClr val="ED7D31"/>
       </a:accent2>
       <a:accent3>
-        <a:srgbClr val="9BBB59"/>
+        <a:srgbClr val="A5A5A5"/>
       </a:accent3>
       <a:accent4>
-        <a:srgbClr val="8064A2"/>
+        <a:srgbClr val="FFC000"/>
       </a:accent4>
       <a:accent5>
-        <a:srgbClr val="4BACC6"/>
+        <a:srgbClr val="4472C4"/>
       </a:accent5>
       <a:accent6>
-        <a:srgbClr val="F79646"/>
+        <a:srgbClr val="70AD47"/>
       </a:accent6>
       <a:hlink>
-        <a:srgbClr val="0000FF"/>
+        <a:srgbClr val="0563C1"/>
       </a:hlink>
       <a:folHlink>
-        <a:srgbClr val="800080"/>
+        <a:srgbClr val="954F72"/>
       </a:folHlink>
     </a:clrScheme>
     <a:fontScheme name="Office">
       <a:majorFont>
-        <a:latin typeface="Calibri"/>
+        <a:latin typeface="Calibri Light" panose="020F0302020204030204"/>
         <a:ea typeface=""/>
         <a:cs typeface=""/>
-        <a:font script="Jpan" typeface="ＭＳ Ｐゴシック"/>
+        <a:font script="Jpan" typeface="游ゴシック Light"/>
         <a:font script="Hang" typeface="맑은 고딕"/>
-        <a:font script="Hans" typeface="宋体"/>
+        <a:font script="Hans" typeface="等线 Light"/>
         <a:font script="Hant" typeface="新細明體"/>
         <a:font script="Arab" typeface="Times New Roman"/>
         <a:font script="Hebr" typeface="Times New Roman"/>
@@ -9745,14 +7159,32 @@
         <a:font script="Mong" typeface="Mongolian Baiti"/>
         <a:font script="Viet" typeface="Times New Roman"/>
         <a:font script="Uigh" typeface="Microsoft Uighur"/>
+        <a:font script="Geor" typeface="Sylfaen"/>
+        <a:font script="Armn" typeface="Arial"/>
+        <a:font script="Bugi" typeface="Leelawadee UI"/>
+        <a:font script="Bopo" typeface="Microsoft JhengHei"/>
+        <a:font script="Java" typeface="Javanese Text"/>
+        <a:font script="Lisu" typeface="Segoe UI"/>
+        <a:font script="Mymr" typeface="Myanmar Text"/>
+        <a:font script="Nkoo" typeface="Ebrima"/>
+        <a:font script="Olck" typeface="Nirmala UI"/>
+        <a:font script="Osma" typeface="Ebrima"/>
+        <a:font script="Phag" typeface="Phagspa"/>
+        <a:font script="Syrn" typeface="Estrangelo Edessa"/>
+        <a:font script="Syrj" typeface="Estrangelo Edessa"/>
+        <a:font script="Syre" typeface="Estrangelo Edessa"/>
+        <a:font script="Sora" typeface="Nirmala UI"/>
+        <a:font script="Tale" typeface="Microsoft Tai Le"/>
+        <a:font script="Talu" typeface="Microsoft New Tai Lue"/>
+        <a:font script="Tfng" typeface="Ebrima"/>
       </a:majorFont>
       <a:minorFont>
-        <a:latin typeface="Calibri"/>
+        <a:latin typeface="Calibri" panose="020F0502020204030204"/>
         <a:ea typeface=""/>
         <a:cs typeface=""/>
-        <a:font script="Jpan" typeface="ＭＳ Ｐゴシック"/>
+        <a:font script="Jpan" typeface="游ゴシック"/>
         <a:font script="Hang" typeface="맑은 고딕"/>
-        <a:font script="Hans" typeface="宋体"/>
+        <a:font script="Hans" typeface="等线"/>
         <a:font script="Hant" typeface="新細明體"/>
         <a:font script="Arab" typeface="Arial"/>
         <a:font script="Hebr" typeface="Arial"/>
@@ -9779,6 +7211,24 @@
         <a:font script="Mong" typeface="Mongolian Baiti"/>
         <a:font script="Viet" typeface="Arial"/>
         <a:font script="Uigh" typeface="Microsoft Uighur"/>
+        <a:font script="Geor" typeface="Sylfaen"/>
+        <a:font script="Armn" typeface="Arial"/>
+        <a:font script="Bugi" typeface="Leelawadee UI"/>
+        <a:font script="Bopo" typeface="Microsoft JhengHei"/>
+        <a:font script="Java" typeface="Javanese Text"/>
+        <a:font script="Lisu" typeface="Segoe UI"/>
+        <a:font script="Mymr" typeface="Myanmar Text"/>
+        <a:font script="Nkoo" typeface="Ebrima"/>
+        <a:font script="Olck" typeface="Nirmala UI"/>
+        <a:font script="Osma" typeface="Ebrima"/>
+        <a:font script="Phag" typeface="Phagspa"/>
+        <a:font script="Syrn" typeface="Estrangelo Edessa"/>
+        <a:font script="Syrj" typeface="Estrangelo Edessa"/>
+        <a:font script="Syre" typeface="Estrangelo Edessa"/>
+        <a:font script="Sora" typeface="Nirmala UI"/>
+        <a:font script="Tale" typeface="Microsoft Tai Le"/>
+        <a:font script="Talu" typeface="Microsoft New Tai Lue"/>
+        <a:font script="Tfng" typeface="Ebrima"/>
       </a:minorFont>
     </a:fontScheme>
     <a:fmtScheme name="Office">
@@ -9790,165 +7240,141 @@
           <a:gsLst>
             <a:gs pos="0">
               <a:schemeClr val="phClr">
-                <a:tint val="50000"/>
-                <a:satMod val="300000"/>
+                <a:lumMod val="110000"/>
+                <a:satMod val="105000"/>
+                <a:tint val="67000"/>
               </a:schemeClr>
             </a:gs>
-            <a:gs pos="35000">
+            <a:gs pos="50000">
               <a:schemeClr val="phClr">
-                <a:tint val="37000"/>
-                <a:satMod val="300000"/>
+                <a:lumMod val="105000"/>
+                <a:satMod val="103000"/>
+                <a:tint val="73000"/>
               </a:schemeClr>
             </a:gs>
             <a:gs pos="100000">
               <a:schemeClr val="phClr">
-                <a:tint val="15000"/>
-                <a:satMod val="350000"/>
+                <a:lumMod val="105000"/>
+                <a:satMod val="109000"/>
+                <a:tint val="81000"/>
               </a:schemeClr>
             </a:gs>
           </a:gsLst>
-          <a:lin ang="16200000" scaled="1"/>
+          <a:lin ang="5400000" scaled="0"/>
         </a:gradFill>
         <a:gradFill rotWithShape="1">
           <a:gsLst>
             <a:gs pos="0">
               <a:schemeClr val="phClr">
-                <a:shade val="51000"/>
-                <a:satMod val="130000"/>
+                <a:satMod val="103000"/>
+                <a:lumMod val="102000"/>
+                <a:tint val="94000"/>
               </a:schemeClr>
             </a:gs>
-            <a:gs pos="80000">
+            <a:gs pos="50000">
               <a:schemeClr val="phClr">
-                <a:shade val="93000"/>
-                <a:satMod val="130000"/>
+                <a:satMod val="110000"/>
+                <a:lumMod val="100000"/>
+                <a:shade val="100000"/>
               </a:schemeClr>
             </a:gs>
             <a:gs pos="100000">
               <a:schemeClr val="phClr">
-                <a:shade val="94000"/>
-                <a:satMod val="135000"/>
+                <a:lumMod val="99000"/>
+                <a:satMod val="120000"/>
+                <a:shade val="78000"/>
               </a:schemeClr>
             </a:gs>
           </a:gsLst>
-          <a:lin ang="16200000" scaled="0"/>
+          <a:lin ang="5400000" scaled="0"/>
         </a:gradFill>
       </a:fillStyleLst>
       <a:lnStyleLst>
-        <a:ln w="9525" cap="flat" cmpd="sng" algn="ctr">
-          <a:solidFill>
-            <a:schemeClr val="phClr">
-              <a:shade val="95000"/>
-              <a:satMod val="105000"/>
-            </a:schemeClr>
-          </a:solidFill>
-          <a:prstDash val="solid"/>
-        </a:ln>
-        <a:ln w="25400" cap="flat" cmpd="sng" algn="ctr">
+        <a:ln w="6350" cap="flat" cmpd="sng" algn="ctr">
           <a:solidFill>
             <a:schemeClr val="phClr"/>
           </a:solidFill>
           <a:prstDash val="solid"/>
+          <a:miter lim="800000"/>
         </a:ln>
-        <a:ln w="38100" cap="flat" cmpd="sng" algn="ctr">
+        <a:ln w="12700" cap="flat" cmpd="sng" algn="ctr">
           <a:solidFill>
             <a:schemeClr val="phClr"/>
           </a:solidFill>
           <a:prstDash val="solid"/>
+          <a:miter lim="800000"/>
+        </a:ln>
+        <a:ln w="19050" cap="flat" cmpd="sng" algn="ctr">
+          <a:solidFill>
+            <a:schemeClr val="phClr"/>
+          </a:solidFill>
+          <a:prstDash val="solid"/>
+          <a:miter lim="800000"/>
         </a:ln>
       </a:lnStyleLst>
       <a:effectStyleLst>
         <a:effectStyle>
+          <a:effectLst/>
+        </a:effectStyle>
+        <a:effectStyle>
+          <a:effectLst/>
+        </a:effectStyle>
+        <a:effectStyle>
           <a:effectLst>
-            <a:outerShdw blurRad="40000" dist="20000" dir="5400000" rotWithShape="0">
+            <a:outerShdw blurRad="57150" dist="19050" dir="5400000" algn="ctr" rotWithShape="0">
               <a:srgbClr val="000000">
-                <a:alpha val="38000"/>
+                <a:alpha val="63000"/>
               </a:srgbClr>
             </a:outerShdw>
           </a:effectLst>
-        </a:effectStyle>
-        <a:effectStyle>
-          <a:effectLst>
-            <a:outerShdw blurRad="40000" dist="23000" dir="5400000" rotWithShape="0">
-              <a:srgbClr val="000000">
-                <a:alpha val="35000"/>
-              </a:srgbClr>
-            </a:outerShdw>
-          </a:effectLst>
-        </a:effectStyle>
-        <a:effectStyle>
-          <a:effectLst>
-            <a:outerShdw blurRad="40000" dist="23000" dir="5400000" rotWithShape="0">
-              <a:srgbClr val="000000">
-                <a:alpha val="35000"/>
-              </a:srgbClr>
-            </a:outerShdw>
-          </a:effectLst>
-          <a:scene3d>
-            <a:camera prst="orthographicFront">
-              <a:rot lat="0" lon="0" rev="0"/>
-            </a:camera>
-            <a:lightRig rig="threePt" dir="t">
-              <a:rot lat="0" lon="0" rev="1200000"/>
-            </a:lightRig>
-          </a:scene3d>
-          <a:sp3d>
-            <a:bevelT w="63500" h="25400"/>
-          </a:sp3d>
         </a:effectStyle>
       </a:effectStyleLst>
       <a:bgFillStyleLst>
         <a:solidFill>
           <a:schemeClr val="phClr"/>
         </a:solidFill>
+        <a:solidFill>
+          <a:schemeClr val="phClr">
+            <a:tint val="95000"/>
+            <a:satMod val="170000"/>
+          </a:schemeClr>
+        </a:solidFill>
         <a:gradFill rotWithShape="1">
           <a:gsLst>
             <a:gs pos="0">
               <a:schemeClr val="phClr">
-                <a:tint val="40000"/>
-                <a:satMod val="350000"/>
+                <a:tint val="93000"/>
+                <a:satMod val="150000"/>
+                <a:shade val="98000"/>
+                <a:lumMod val="102000"/>
               </a:schemeClr>
             </a:gs>
-            <a:gs pos="40000">
+            <a:gs pos="50000">
               <a:schemeClr val="phClr">
-                <a:tint val="45000"/>
-                <a:shade val="99000"/>
-                <a:satMod val="350000"/>
+                <a:tint val="98000"/>
+                <a:satMod val="130000"/>
+                <a:shade val="90000"/>
+                <a:lumMod val="103000"/>
               </a:schemeClr>
             </a:gs>
             <a:gs pos="100000">
               <a:schemeClr val="phClr">
-                <a:shade val="20000"/>
-                <a:satMod val="255000"/>
+                <a:shade val="63000"/>
+                <a:satMod val="120000"/>
               </a:schemeClr>
             </a:gs>
           </a:gsLst>
-          <a:path path="circle">
-            <a:fillToRect l="50000" t="-80000" r="50000" b="180000"/>
-          </a:path>
-        </a:gradFill>
-        <a:gradFill rotWithShape="1">
-          <a:gsLst>
-            <a:gs pos="0">
-              <a:schemeClr val="phClr">
-                <a:tint val="80000"/>
-                <a:satMod val="300000"/>
-              </a:schemeClr>
-            </a:gs>
-            <a:gs pos="100000">
-              <a:schemeClr val="phClr">
-                <a:shade val="30000"/>
-                <a:satMod val="200000"/>
-              </a:schemeClr>
-            </a:gs>
-          </a:gsLst>
-          <a:path path="circle">
-            <a:fillToRect l="50000" t="50000" r="50000" b="50000"/>
-          </a:path>
+          <a:lin ang="5400000" scaled="0"/>
         </a:gradFill>
       </a:bgFillStyleLst>
     </a:fmtScheme>
   </a:themeElements>
   <a:objectDefaults/>
   <a:extraClrSchemeLst/>
+  <a:extLst>
+    <a:ext uri="{05A4C25C-085E-4340-85A3-A5531E510DB2}">
+      <thm15:themeFamily xmlns:thm15="http://schemas.microsoft.com/office/thememl/2012/main" name="Office Theme" id="{62F939B6-93AF-4DB8-9C6B-D6C7DFDC589F}" vid="{4A3C46E8-61CC-4603-A589-7422A47A8E4A}"/>
+    </a:ext>
+  </a:extLst>
 </a:theme>
 </file>